--- a/Documentation/Apresentacoes/1a_SI.pptx
+++ b/Documentation/Apresentacoes/1a_SI.pptx
@@ -8,20 +8,23 @@
     <p:sldMasterId id="2147483687" r:id="rId5"/>
     <p:sldMasterId id="2147483700" r:id="rId6"/>
     <p:sldMasterId id="2147483713" r:id="rId7"/>
-    <p:sldMasterId id="2147483726" r:id="rId8"/>
   </p:sldMasterIdLst>
   <p:notesMasterIdLst>
-    <p:notesMasterId r:id="rId9"/>
+    <p:notesMasterId r:id="rId8"/>
   </p:notesMasterIdLst>
   <p:sldIdLst>
-    <p:sldId id="256" r:id="rId10"/>
-    <p:sldId id="257" r:id="rId11"/>
-    <p:sldId id="258" r:id="rId12"/>
-    <p:sldId id="259" r:id="rId13"/>
-    <p:sldId id="260" r:id="rId14"/>
-    <p:sldId id="261" r:id="rId15"/>
-    <p:sldId id="262" r:id="rId16"/>
-    <p:sldId id="263" r:id="rId17"/>
+    <p:sldId id="256" r:id="rId9"/>
+    <p:sldId id="257" r:id="rId10"/>
+    <p:sldId id="258" r:id="rId11"/>
+    <p:sldId id="259" r:id="rId12"/>
+    <p:sldId id="260" r:id="rId13"/>
+    <p:sldId id="261" r:id="rId14"/>
+    <p:sldId id="262" r:id="rId15"/>
+    <p:sldId id="263" r:id="rId16"/>
+    <p:sldId id="264" r:id="rId17"/>
+    <p:sldId id="265" r:id="rId18"/>
+    <p:sldId id="266" r:id="rId19"/>
+    <p:sldId id="267" r:id="rId20"/>
   </p:sldIdLst>
   <p:sldSz cx="12192000" cy="6858000"/>
   <p:notesSz cx="6858000" cy="9144000"/>
@@ -47,7 +50,7 @@
       </p:grpSpPr>
       <p:sp>
         <p:nvSpPr>
-          <p:cNvPr id="279" name="PlaceHolder 1"/>
+          <p:cNvPr id="236" name="PlaceHolder 1"/>
           <p:cNvSpPr>
             <a:spLocks noGrp="1"/>
           </p:cNvSpPr>
@@ -84,7 +87,7 @@
       </p:sp>
       <p:sp>
         <p:nvSpPr>
-          <p:cNvPr id="280" name="PlaceHolder 2"/>
+          <p:cNvPr id="237" name="PlaceHolder 2"/>
           <p:cNvSpPr>
             <a:spLocks noGrp="1"/>
           </p:cNvSpPr>
@@ -120,7 +123,7 @@
       </p:sp>
       <p:sp>
         <p:nvSpPr>
-          <p:cNvPr id="281" name="PlaceHolder 3"/>
+          <p:cNvPr id="238" name="PlaceHolder 3"/>
           <p:cNvSpPr>
             <a:spLocks noGrp="1"/>
           </p:cNvSpPr>
@@ -146,7 +149,7 @@
               <a:rPr b="0" lang="pt-BR" sz="1400" spc="-1" strike="noStrike">
                 <a:latin typeface="Nimbus Roman"/>
               </a:rPr>
-              <a:t> </a:t>
+              <a:t>&lt;cabeçalho&gt;</a:t>
             </a:r>
             <a:endParaRPr b="0" lang="pt-BR" sz="1400" spc="-1" strike="noStrike">
               <a:latin typeface="Nimbus Roman"/>
@@ -156,7 +159,7 @@
       </p:sp>
       <p:sp>
         <p:nvSpPr>
-          <p:cNvPr id="282" name="PlaceHolder 4"/>
+          <p:cNvPr id="239" name="PlaceHolder 4"/>
           <p:cNvSpPr>
             <a:spLocks noGrp="1"/>
           </p:cNvSpPr>
@@ -183,7 +186,7 @@
               <a:rPr b="0" lang="pt-BR" sz="1400" spc="-1" strike="noStrike">
                 <a:latin typeface="Nimbus Roman"/>
               </a:rPr>
-              <a:t> </a:t>
+              <a:t>&lt;data/hora&gt;</a:t>
             </a:r>
             <a:endParaRPr b="0" lang="pt-BR" sz="1400" spc="-1" strike="noStrike">
               <a:latin typeface="Nimbus Roman"/>
@@ -193,7 +196,7 @@
       </p:sp>
       <p:sp>
         <p:nvSpPr>
-          <p:cNvPr id="283" name="PlaceHolder 5"/>
+          <p:cNvPr id="240" name="PlaceHolder 5"/>
           <p:cNvSpPr>
             <a:spLocks noGrp="1"/>
           </p:cNvSpPr>
@@ -219,7 +222,7 @@
               <a:rPr b="0" lang="pt-BR" sz="1400" spc="-1" strike="noStrike">
                 <a:latin typeface="Nimbus Roman"/>
               </a:rPr>
-              <a:t> </a:t>
+              <a:t>&lt;rodapé&gt;</a:t>
             </a:r>
             <a:endParaRPr b="0" lang="pt-BR" sz="1400" spc="-1" strike="noStrike">
               <a:latin typeface="Nimbus Roman"/>
@@ -229,7 +232,7 @@
       </p:sp>
       <p:sp>
         <p:nvSpPr>
-          <p:cNvPr id="284" name="PlaceHolder 6"/>
+          <p:cNvPr id="241" name="PlaceHolder 6"/>
           <p:cNvSpPr>
             <a:spLocks noGrp="1"/>
           </p:cNvSpPr>
@@ -252,11 +255,11 @@
           </a:bodyPr>
           <a:p>
             <a:pPr algn="r"/>
-            <a:fld id="{F7E22A5D-6384-435D-981A-89408549544D}" type="slidenum">
+            <a:fld id="{768CDB1B-B79A-444E-BEF8-E7F0210865EC}" type="slidenum">
               <a:rPr b="0" lang="pt-BR" sz="1400" spc="-1" strike="noStrike">
                 <a:latin typeface="Nimbus Roman"/>
               </a:rPr>
-              <a:t>1</a:t>
+              <a:t>&lt;número&gt;</a:t>
             </a:fld>
             <a:endParaRPr b="0" lang="pt-BR" sz="1400" spc="-1" strike="noStrike">
               <a:latin typeface="Nimbus Roman"/>
@@ -289,7 +292,7 @@
       </p:grpSpPr>
       <p:sp>
         <p:nvSpPr>
-          <p:cNvPr id="334" name="PlaceHolder 1"/>
+          <p:cNvPr id="315" name="PlaceHolder 1"/>
           <p:cNvSpPr>
             <a:spLocks noGrp="1"/>
           </p:cNvSpPr>
@@ -300,16 +303,16 @@
         <p:spPr>
           <a:xfrm>
             <a:off x="685800" y="1143000"/>
-            <a:ext cx="5485320" cy="3085200"/>
-          </a:xfrm>
-          <a:prstGeom prst="rect">
-            <a:avLst/>
-          </a:prstGeom>
-        </p:spPr>
-      </p:sp>
-      <p:sp>
-        <p:nvSpPr>
-          <p:cNvPr id="335" name="PlaceHolder 2"/>
+            <a:ext cx="5484960" cy="3084840"/>
+          </a:xfrm>
+          <a:prstGeom prst="rect">
+            <a:avLst/>
+          </a:prstGeom>
+        </p:spPr>
+      </p:sp>
+      <p:sp>
+        <p:nvSpPr>
+          <p:cNvPr id="316" name="PlaceHolder 2"/>
           <p:cNvSpPr>
             <a:spLocks noGrp="1"/>
           </p:cNvSpPr>
@@ -320,7 +323,7 @@
         <p:spPr>
           <a:xfrm>
             <a:off x="685800" y="4400640"/>
-            <a:ext cx="5484600" cy="3598560"/>
+            <a:ext cx="5484240" cy="3598200"/>
           </a:xfrm>
           <a:prstGeom prst="rect">
             <a:avLst/>
@@ -339,14 +342,14 @@
       </p:sp>
       <p:sp>
         <p:nvSpPr>
-          <p:cNvPr id="336" name="CustomShape 3"/>
+          <p:cNvPr id="317" name="CustomShape 3"/>
           <p:cNvSpPr/>
           <p:nvPr/>
         </p:nvSpPr>
         <p:spPr>
           <a:xfrm>
             <a:off x="3884760" y="8685360"/>
-            <a:ext cx="2970000" cy="456840"/>
+            <a:ext cx="2969640" cy="456480"/>
           </a:xfrm>
           <a:prstGeom prst="rect">
             <a:avLst/>
@@ -372,7 +375,376 @@
                 <a:spcPct val="100000"/>
               </a:lnSpc>
             </a:pPr>
-            <a:fld id="{F06909F3-9C0B-462E-8CF4-9CEA6C74098C}" type="slidenum">
+            <a:fld id="{BE56ABCB-F9F5-40F1-A40C-FF986C3E890E}" type="slidenum">
+              <a:rPr b="0" lang="pt-BR" sz="1200" spc="-1" strike="noStrike">
+                <a:solidFill>
+                  <a:srgbClr val="000000"/>
+                </a:solidFill>
+                <a:latin typeface="+mn-lt"/>
+                <a:ea typeface="+mn-ea"/>
+              </a:rPr>
+              <a:t>&lt;número&gt;</a:t>
+            </a:fld>
+            <a:endParaRPr b="0" lang="pt-BR" sz="1200" spc="-1" strike="noStrike">
+              <a:latin typeface="Nimbus Sans"/>
+            </a:endParaRPr>
+          </a:p>
+        </p:txBody>
+      </p:sp>
+    </p:spTree>
+  </p:cSld>
+</p:notes>
+</file>
+
+<file path=ppt/notesSlides/notesSlide10.xml><?xml version="1.0" encoding="utf-8"?>
+<p:notes xmlns:a="http://schemas.openxmlformats.org/drawingml/2006/main" xmlns:p="http://schemas.openxmlformats.org/presentationml/2006/main" xmlns:r="http://schemas.openxmlformats.org/officeDocument/2006/relationships" xmlns:p14="http://schemas.microsoft.com/office/powerpoint/2010/main" xmlns:p15="http://schemas.microsoft.com/office/powerpoint/2012/main" xmlns:mc="http://schemas.openxmlformats.org/markup-compatibility/2006">
+  <p:cSld>
+    <p:spTree>
+      <p:nvGrpSpPr>
+        <p:cNvPr id="1" name=""/>
+        <p:cNvGrpSpPr/>
+        <p:nvPr/>
+      </p:nvGrpSpPr>
+      <p:grpSpPr>
+        <a:xfrm>
+          <a:off x="0" y="0"/>
+          <a:ext cx="0" cy="0"/>
+          <a:chOff x="0" y="0"/>
+          <a:chExt cx="0" cy="0"/>
+        </a:xfrm>
+      </p:grpSpPr>
+      <p:sp>
+        <p:nvSpPr>
+          <p:cNvPr id="342" name="PlaceHolder 1"/>
+          <p:cNvSpPr>
+            <a:spLocks noGrp="1"/>
+          </p:cNvSpPr>
+          <p:nvPr>
+            <p:ph type="sldImg"/>
+          </p:nvPr>
+        </p:nvSpPr>
+        <p:spPr>
+          <a:xfrm>
+            <a:off x="685800" y="1143000"/>
+            <a:ext cx="5484960" cy="3084840"/>
+          </a:xfrm>
+          <a:prstGeom prst="rect">
+            <a:avLst/>
+          </a:prstGeom>
+        </p:spPr>
+      </p:sp>
+      <p:sp>
+        <p:nvSpPr>
+          <p:cNvPr id="343" name="PlaceHolder 2"/>
+          <p:cNvSpPr>
+            <a:spLocks noGrp="1"/>
+          </p:cNvSpPr>
+          <p:nvPr>
+            <p:ph type="body"/>
+          </p:nvPr>
+        </p:nvSpPr>
+        <p:spPr>
+          <a:xfrm>
+            <a:off x="685800" y="4400640"/>
+            <a:ext cx="5484240" cy="3598200"/>
+          </a:xfrm>
+          <a:prstGeom prst="rect">
+            <a:avLst/>
+          </a:prstGeom>
+        </p:spPr>
+        <p:txBody>
+          <a:bodyPr lIns="0" rIns="0" tIns="0" bIns="0">
+            <a:noAutofit/>
+          </a:bodyPr>
+          <a:p>
+            <a:endParaRPr b="0" lang="pt-BR" sz="2000" spc="-1" strike="noStrike">
+              <a:latin typeface="Nimbus Sans"/>
+            </a:endParaRPr>
+          </a:p>
+        </p:txBody>
+      </p:sp>
+      <p:sp>
+        <p:nvSpPr>
+          <p:cNvPr id="344" name="CustomShape 3"/>
+          <p:cNvSpPr/>
+          <p:nvPr/>
+        </p:nvSpPr>
+        <p:spPr>
+          <a:xfrm>
+            <a:off x="3884760" y="8685360"/>
+            <a:ext cx="2969640" cy="456480"/>
+          </a:xfrm>
+          <a:prstGeom prst="rect">
+            <a:avLst/>
+          </a:prstGeom>
+          <a:noFill/>
+          <a:ln>
+            <a:noFill/>
+          </a:ln>
+        </p:spPr>
+        <p:style>
+          <a:lnRef idx="0"/>
+          <a:fillRef idx="0"/>
+          <a:effectRef idx="0"/>
+          <a:fontRef idx="minor"/>
+        </p:style>
+        <p:txBody>
+          <a:bodyPr lIns="90000" rIns="90000" tIns="45000" bIns="45000" anchor="b">
+            <a:noAutofit/>
+          </a:bodyPr>
+          <a:p>
+            <a:pPr algn="r">
+              <a:lnSpc>
+                <a:spcPct val="100000"/>
+              </a:lnSpc>
+            </a:pPr>
+            <a:fld id="{AE4EBD2E-875B-4E2F-8039-0119F679EB28}" type="slidenum">
+              <a:rPr b="0" lang="pt-BR" sz="1200" spc="-1" strike="noStrike">
+                <a:solidFill>
+                  <a:srgbClr val="000000"/>
+                </a:solidFill>
+                <a:latin typeface="+mn-lt"/>
+                <a:ea typeface="+mn-ea"/>
+              </a:rPr>
+              <a:t>&lt;número&gt;</a:t>
+            </a:fld>
+            <a:endParaRPr b="0" lang="pt-BR" sz="1200" spc="-1" strike="noStrike">
+              <a:latin typeface="Nimbus Sans"/>
+            </a:endParaRPr>
+          </a:p>
+        </p:txBody>
+      </p:sp>
+    </p:spTree>
+  </p:cSld>
+</p:notes>
+</file>
+
+<file path=ppt/notesSlides/notesSlide11.xml><?xml version="1.0" encoding="utf-8"?>
+<p:notes xmlns:a="http://schemas.openxmlformats.org/drawingml/2006/main" xmlns:p="http://schemas.openxmlformats.org/presentationml/2006/main" xmlns:r="http://schemas.openxmlformats.org/officeDocument/2006/relationships" xmlns:p14="http://schemas.microsoft.com/office/powerpoint/2010/main" xmlns:p15="http://schemas.microsoft.com/office/powerpoint/2012/main" xmlns:mc="http://schemas.openxmlformats.org/markup-compatibility/2006">
+  <p:cSld>
+    <p:spTree>
+      <p:nvGrpSpPr>
+        <p:cNvPr id="1" name=""/>
+        <p:cNvGrpSpPr/>
+        <p:nvPr/>
+      </p:nvGrpSpPr>
+      <p:grpSpPr>
+        <a:xfrm>
+          <a:off x="0" y="0"/>
+          <a:ext cx="0" cy="0"/>
+          <a:chOff x="0" y="0"/>
+          <a:chExt cx="0" cy="0"/>
+        </a:xfrm>
+      </p:grpSpPr>
+      <p:sp>
+        <p:nvSpPr>
+          <p:cNvPr id="345" name="PlaceHolder 1"/>
+          <p:cNvSpPr>
+            <a:spLocks noGrp="1"/>
+          </p:cNvSpPr>
+          <p:nvPr>
+            <p:ph type="sldImg"/>
+          </p:nvPr>
+        </p:nvSpPr>
+        <p:spPr>
+          <a:xfrm>
+            <a:off x="685800" y="1143000"/>
+            <a:ext cx="5484960" cy="3084840"/>
+          </a:xfrm>
+          <a:prstGeom prst="rect">
+            <a:avLst/>
+          </a:prstGeom>
+        </p:spPr>
+      </p:sp>
+      <p:sp>
+        <p:nvSpPr>
+          <p:cNvPr id="346" name="PlaceHolder 2"/>
+          <p:cNvSpPr>
+            <a:spLocks noGrp="1"/>
+          </p:cNvSpPr>
+          <p:nvPr>
+            <p:ph type="body"/>
+          </p:nvPr>
+        </p:nvSpPr>
+        <p:spPr>
+          <a:xfrm>
+            <a:off x="685800" y="4400640"/>
+            <a:ext cx="5484240" cy="3598200"/>
+          </a:xfrm>
+          <a:prstGeom prst="rect">
+            <a:avLst/>
+          </a:prstGeom>
+        </p:spPr>
+        <p:txBody>
+          <a:bodyPr lIns="0" rIns="0" tIns="0" bIns="0">
+            <a:noAutofit/>
+          </a:bodyPr>
+          <a:p>
+            <a:endParaRPr b="0" lang="pt-BR" sz="2000" spc="-1" strike="noStrike">
+              <a:latin typeface="Nimbus Sans"/>
+            </a:endParaRPr>
+          </a:p>
+        </p:txBody>
+      </p:sp>
+      <p:sp>
+        <p:nvSpPr>
+          <p:cNvPr id="347" name="CustomShape 3"/>
+          <p:cNvSpPr/>
+          <p:nvPr/>
+        </p:nvSpPr>
+        <p:spPr>
+          <a:xfrm>
+            <a:off x="3884760" y="8685360"/>
+            <a:ext cx="2969640" cy="456480"/>
+          </a:xfrm>
+          <a:prstGeom prst="rect">
+            <a:avLst/>
+          </a:prstGeom>
+          <a:noFill/>
+          <a:ln>
+            <a:noFill/>
+          </a:ln>
+        </p:spPr>
+        <p:style>
+          <a:lnRef idx="0"/>
+          <a:fillRef idx="0"/>
+          <a:effectRef idx="0"/>
+          <a:fontRef idx="minor"/>
+        </p:style>
+        <p:txBody>
+          <a:bodyPr lIns="90000" rIns="90000" tIns="45000" bIns="45000" anchor="b">
+            <a:noAutofit/>
+          </a:bodyPr>
+          <a:p>
+            <a:pPr algn="r">
+              <a:lnSpc>
+                <a:spcPct val="100000"/>
+              </a:lnSpc>
+            </a:pPr>
+            <a:fld id="{4447ACC4-BF12-4F8C-AE8A-6D19841277B9}" type="slidenum">
+              <a:rPr b="0" lang="pt-BR" sz="1200" spc="-1" strike="noStrike">
+                <a:solidFill>
+                  <a:srgbClr val="000000"/>
+                </a:solidFill>
+                <a:latin typeface="+mn-lt"/>
+                <a:ea typeface="+mn-ea"/>
+              </a:rPr>
+              <a:t>&lt;número&gt;</a:t>
+            </a:fld>
+            <a:endParaRPr b="0" lang="pt-BR" sz="1200" spc="-1" strike="noStrike">
+              <a:latin typeface="Nimbus Sans"/>
+            </a:endParaRPr>
+          </a:p>
+        </p:txBody>
+      </p:sp>
+    </p:spTree>
+  </p:cSld>
+</p:notes>
+</file>
+
+<file path=ppt/notesSlides/notesSlide12.xml><?xml version="1.0" encoding="utf-8"?>
+<p:notes xmlns:a="http://schemas.openxmlformats.org/drawingml/2006/main" xmlns:p="http://schemas.openxmlformats.org/presentationml/2006/main" xmlns:r="http://schemas.openxmlformats.org/officeDocument/2006/relationships" xmlns:p14="http://schemas.microsoft.com/office/powerpoint/2010/main" xmlns:p15="http://schemas.microsoft.com/office/powerpoint/2012/main" xmlns:mc="http://schemas.openxmlformats.org/markup-compatibility/2006">
+  <p:cSld>
+    <p:spTree>
+      <p:nvGrpSpPr>
+        <p:cNvPr id="1" name=""/>
+        <p:cNvGrpSpPr/>
+        <p:nvPr/>
+      </p:nvGrpSpPr>
+      <p:grpSpPr>
+        <a:xfrm>
+          <a:off x="0" y="0"/>
+          <a:ext cx="0" cy="0"/>
+          <a:chOff x="0" y="0"/>
+          <a:chExt cx="0" cy="0"/>
+        </a:xfrm>
+      </p:grpSpPr>
+      <p:sp>
+        <p:nvSpPr>
+          <p:cNvPr id="348" name="PlaceHolder 1"/>
+          <p:cNvSpPr>
+            <a:spLocks noGrp="1"/>
+          </p:cNvSpPr>
+          <p:nvPr>
+            <p:ph type="sldImg"/>
+          </p:nvPr>
+        </p:nvSpPr>
+        <p:spPr>
+          <a:xfrm>
+            <a:off x="685800" y="1143000"/>
+            <a:ext cx="5484960" cy="3084840"/>
+          </a:xfrm>
+          <a:prstGeom prst="rect">
+            <a:avLst/>
+          </a:prstGeom>
+        </p:spPr>
+      </p:sp>
+      <p:sp>
+        <p:nvSpPr>
+          <p:cNvPr id="349" name="PlaceHolder 2"/>
+          <p:cNvSpPr>
+            <a:spLocks noGrp="1"/>
+          </p:cNvSpPr>
+          <p:nvPr>
+            <p:ph type="body"/>
+          </p:nvPr>
+        </p:nvSpPr>
+        <p:spPr>
+          <a:xfrm>
+            <a:off x="685800" y="4400640"/>
+            <a:ext cx="5484240" cy="3598200"/>
+          </a:xfrm>
+          <a:prstGeom prst="rect">
+            <a:avLst/>
+          </a:prstGeom>
+        </p:spPr>
+        <p:txBody>
+          <a:bodyPr lIns="0" rIns="0" tIns="0" bIns="0">
+            <a:noAutofit/>
+          </a:bodyPr>
+          <a:p>
+            <a:endParaRPr b="0" lang="pt-BR" sz="2000" spc="-1" strike="noStrike">
+              <a:latin typeface="Nimbus Sans"/>
+            </a:endParaRPr>
+          </a:p>
+        </p:txBody>
+      </p:sp>
+      <p:sp>
+        <p:nvSpPr>
+          <p:cNvPr id="350" name="CustomShape 3"/>
+          <p:cNvSpPr/>
+          <p:nvPr/>
+        </p:nvSpPr>
+        <p:spPr>
+          <a:xfrm>
+            <a:off x="3884760" y="8685360"/>
+            <a:ext cx="2969640" cy="456480"/>
+          </a:xfrm>
+          <a:prstGeom prst="rect">
+            <a:avLst/>
+          </a:prstGeom>
+          <a:noFill/>
+          <a:ln>
+            <a:noFill/>
+          </a:ln>
+        </p:spPr>
+        <p:style>
+          <a:lnRef idx="0"/>
+          <a:fillRef idx="0"/>
+          <a:effectRef idx="0"/>
+          <a:fontRef idx="minor"/>
+        </p:style>
+        <p:txBody>
+          <a:bodyPr lIns="90000" rIns="90000" tIns="45000" bIns="45000" anchor="b">
+            <a:noAutofit/>
+          </a:bodyPr>
+          <a:p>
+            <a:pPr algn="r">
+              <a:lnSpc>
+                <a:spcPct val="100000"/>
+              </a:lnSpc>
+            </a:pPr>
+            <a:fld id="{34E7AE99-F75B-4B30-8DC5-3BFDBBD3E564}" type="slidenum">
               <a:rPr b="0" lang="pt-BR" sz="1200" spc="-1" strike="noStrike">
                 <a:solidFill>
                   <a:srgbClr val="000000"/>
@@ -412,7 +784,7 @@
       </p:grpSpPr>
       <p:sp>
         <p:nvSpPr>
-          <p:cNvPr id="337" name="PlaceHolder 1"/>
+          <p:cNvPr id="318" name="PlaceHolder 1"/>
           <p:cNvSpPr>
             <a:spLocks noGrp="1"/>
           </p:cNvSpPr>
@@ -423,16 +795,16 @@
         <p:spPr>
           <a:xfrm>
             <a:off x="685800" y="1143000"/>
-            <a:ext cx="5484600" cy="3084480"/>
-          </a:xfrm>
-          <a:prstGeom prst="rect">
-            <a:avLst/>
-          </a:prstGeom>
-        </p:spPr>
-      </p:sp>
-      <p:sp>
-        <p:nvSpPr>
-          <p:cNvPr id="338" name="PlaceHolder 2"/>
+            <a:ext cx="5484240" cy="3084120"/>
+          </a:xfrm>
+          <a:prstGeom prst="rect">
+            <a:avLst/>
+          </a:prstGeom>
+        </p:spPr>
+      </p:sp>
+      <p:sp>
+        <p:nvSpPr>
+          <p:cNvPr id="319" name="PlaceHolder 2"/>
           <p:cNvSpPr>
             <a:spLocks noGrp="1"/>
           </p:cNvSpPr>
@@ -443,7 +815,7 @@
         <p:spPr>
           <a:xfrm>
             <a:off x="685800" y="4400640"/>
-            <a:ext cx="5484600" cy="3598560"/>
+            <a:ext cx="5484240" cy="3598200"/>
           </a:xfrm>
           <a:prstGeom prst="rect">
             <a:avLst/>
@@ -462,14 +834,14 @@
       </p:sp>
       <p:sp>
         <p:nvSpPr>
-          <p:cNvPr id="339" name="CustomShape 3"/>
+          <p:cNvPr id="320" name="CustomShape 3"/>
           <p:cNvSpPr/>
           <p:nvPr/>
         </p:nvSpPr>
         <p:spPr>
           <a:xfrm>
             <a:off x="3884760" y="8685360"/>
-            <a:ext cx="2970000" cy="456840"/>
+            <a:ext cx="2969640" cy="456480"/>
           </a:xfrm>
           <a:prstGeom prst="rect">
             <a:avLst/>
@@ -495,7 +867,7 @@
                 <a:spcPct val="100000"/>
               </a:lnSpc>
             </a:pPr>
-            <a:fld id="{13CB935F-DABF-458B-822C-1F8C3E4943C4}" type="slidenum">
+            <a:fld id="{D3DC3E41-37B2-43DB-AD99-ADFA4D8917D1}" type="slidenum">
               <a:rPr b="0" lang="pt-BR" sz="1200" spc="-1" strike="noStrike">
                 <a:solidFill>
                   <a:srgbClr val="000000"/>
@@ -535,7 +907,7 @@
       </p:grpSpPr>
       <p:sp>
         <p:nvSpPr>
-          <p:cNvPr id="340" name="PlaceHolder 1"/>
+          <p:cNvPr id="321" name="PlaceHolder 1"/>
           <p:cNvSpPr>
             <a:spLocks noGrp="1"/>
           </p:cNvSpPr>
@@ -546,16 +918,16 @@
         <p:spPr>
           <a:xfrm>
             <a:off x="685800" y="1143000"/>
-            <a:ext cx="5485320" cy="3085200"/>
-          </a:xfrm>
-          <a:prstGeom prst="rect">
-            <a:avLst/>
-          </a:prstGeom>
-        </p:spPr>
-      </p:sp>
-      <p:sp>
-        <p:nvSpPr>
-          <p:cNvPr id="341" name="PlaceHolder 2"/>
+            <a:ext cx="5484960" cy="3084840"/>
+          </a:xfrm>
+          <a:prstGeom prst="rect">
+            <a:avLst/>
+          </a:prstGeom>
+        </p:spPr>
+      </p:sp>
+      <p:sp>
+        <p:nvSpPr>
+          <p:cNvPr id="322" name="PlaceHolder 2"/>
           <p:cNvSpPr>
             <a:spLocks noGrp="1"/>
           </p:cNvSpPr>
@@ -566,7 +938,7 @@
         <p:spPr>
           <a:xfrm>
             <a:off x="685800" y="4400640"/>
-            <a:ext cx="5484600" cy="3598560"/>
+            <a:ext cx="5484240" cy="3598200"/>
           </a:xfrm>
           <a:prstGeom prst="rect">
             <a:avLst/>
@@ -585,14 +957,14 @@
       </p:sp>
       <p:sp>
         <p:nvSpPr>
-          <p:cNvPr id="342" name="CustomShape 3"/>
+          <p:cNvPr id="323" name="CustomShape 3"/>
           <p:cNvSpPr/>
           <p:nvPr/>
         </p:nvSpPr>
         <p:spPr>
           <a:xfrm>
             <a:off x="3884760" y="8685360"/>
-            <a:ext cx="2970000" cy="456840"/>
+            <a:ext cx="2969640" cy="456480"/>
           </a:xfrm>
           <a:prstGeom prst="rect">
             <a:avLst/>
@@ -618,7 +990,7 @@
                 <a:spcPct val="100000"/>
               </a:lnSpc>
             </a:pPr>
-            <a:fld id="{1C0A59DB-46B5-4725-AA0B-E36BB2492A63}" type="slidenum">
+            <a:fld id="{E1E3096B-F728-43B7-9CA6-5E5F60240244}" type="slidenum">
               <a:rPr b="0" lang="pt-BR" sz="1200" spc="-1" strike="noStrike">
                 <a:solidFill>
                   <a:srgbClr val="000000"/>
@@ -658,7 +1030,7 @@
       </p:grpSpPr>
       <p:sp>
         <p:nvSpPr>
-          <p:cNvPr id="343" name="PlaceHolder 1"/>
+          <p:cNvPr id="324" name="PlaceHolder 1"/>
           <p:cNvSpPr>
             <a:spLocks noGrp="1"/>
           </p:cNvSpPr>
@@ -669,16 +1041,16 @@
         <p:spPr>
           <a:xfrm>
             <a:off x="685800" y="1143000"/>
-            <a:ext cx="5485320" cy="3085200"/>
-          </a:xfrm>
-          <a:prstGeom prst="rect">
-            <a:avLst/>
-          </a:prstGeom>
-        </p:spPr>
-      </p:sp>
-      <p:sp>
-        <p:nvSpPr>
-          <p:cNvPr id="344" name="PlaceHolder 2"/>
+            <a:ext cx="5484960" cy="3084840"/>
+          </a:xfrm>
+          <a:prstGeom prst="rect">
+            <a:avLst/>
+          </a:prstGeom>
+        </p:spPr>
+      </p:sp>
+      <p:sp>
+        <p:nvSpPr>
+          <p:cNvPr id="325" name="PlaceHolder 2"/>
           <p:cNvSpPr>
             <a:spLocks noGrp="1"/>
           </p:cNvSpPr>
@@ -689,7 +1061,7 @@
         <p:spPr>
           <a:xfrm>
             <a:off x="685800" y="4400640"/>
-            <a:ext cx="5484600" cy="3598560"/>
+            <a:ext cx="5484240" cy="3598200"/>
           </a:xfrm>
           <a:prstGeom prst="rect">
             <a:avLst/>
@@ -708,14 +1080,14 @@
       </p:sp>
       <p:sp>
         <p:nvSpPr>
-          <p:cNvPr id="345" name="CustomShape 3"/>
+          <p:cNvPr id="326" name="CustomShape 3"/>
           <p:cNvSpPr/>
           <p:nvPr/>
         </p:nvSpPr>
         <p:spPr>
           <a:xfrm>
             <a:off x="3884760" y="8685360"/>
-            <a:ext cx="2970000" cy="456840"/>
+            <a:ext cx="2969640" cy="456480"/>
           </a:xfrm>
           <a:prstGeom prst="rect">
             <a:avLst/>
@@ -741,7 +1113,7 @@
                 <a:spcPct val="100000"/>
               </a:lnSpc>
             </a:pPr>
-            <a:fld id="{47646C8F-90AA-4514-898E-E5E20B15380E}" type="slidenum">
+            <a:fld id="{8F7422C3-1721-40FA-8D96-D3775E1355FA}" type="slidenum">
               <a:rPr b="0" lang="pt-BR" sz="1200" spc="-1" strike="noStrike">
                 <a:solidFill>
                   <a:srgbClr val="000000"/>
@@ -781,7 +1153,7 @@
       </p:grpSpPr>
       <p:sp>
         <p:nvSpPr>
-          <p:cNvPr id="346" name="PlaceHolder 1"/>
+          <p:cNvPr id="327" name="PlaceHolder 1"/>
           <p:cNvSpPr>
             <a:spLocks noGrp="1"/>
           </p:cNvSpPr>
@@ -792,16 +1164,16 @@
         <p:spPr>
           <a:xfrm>
             <a:off x="685800" y="1143000"/>
-            <a:ext cx="5484600" cy="3084480"/>
-          </a:xfrm>
-          <a:prstGeom prst="rect">
-            <a:avLst/>
-          </a:prstGeom>
-        </p:spPr>
-      </p:sp>
-      <p:sp>
-        <p:nvSpPr>
-          <p:cNvPr id="347" name="PlaceHolder 2"/>
+            <a:ext cx="5484960" cy="3084840"/>
+          </a:xfrm>
+          <a:prstGeom prst="rect">
+            <a:avLst/>
+          </a:prstGeom>
+        </p:spPr>
+      </p:sp>
+      <p:sp>
+        <p:nvSpPr>
+          <p:cNvPr id="328" name="PlaceHolder 2"/>
           <p:cNvSpPr>
             <a:spLocks noGrp="1"/>
           </p:cNvSpPr>
@@ -812,7 +1184,7 @@
         <p:spPr>
           <a:xfrm>
             <a:off x="685800" y="4400640"/>
-            <a:ext cx="5484600" cy="3598560"/>
+            <a:ext cx="5484240" cy="3598200"/>
           </a:xfrm>
           <a:prstGeom prst="rect">
             <a:avLst/>
@@ -831,14 +1203,14 @@
       </p:sp>
       <p:sp>
         <p:nvSpPr>
-          <p:cNvPr id="348" name="CustomShape 3"/>
+          <p:cNvPr id="329" name="CustomShape 3"/>
           <p:cNvSpPr/>
           <p:nvPr/>
         </p:nvSpPr>
         <p:spPr>
           <a:xfrm>
             <a:off x="3884760" y="8685360"/>
-            <a:ext cx="2970000" cy="456840"/>
+            <a:ext cx="2969640" cy="456480"/>
           </a:xfrm>
           <a:prstGeom prst="rect">
             <a:avLst/>
@@ -864,7 +1236,7 @@
                 <a:spcPct val="100000"/>
               </a:lnSpc>
             </a:pPr>
-            <a:fld id="{4CEAFB9E-7BDF-4E5F-9014-BF3162BF838D}" type="slidenum">
+            <a:fld id="{F361F874-E09E-44EC-BB0C-ED95623235AF}" type="slidenum">
               <a:rPr b="0" lang="pt-BR" sz="1200" spc="-1" strike="noStrike">
                 <a:solidFill>
                   <a:srgbClr val="000000"/>
@@ -904,7 +1276,7 @@
       </p:grpSpPr>
       <p:sp>
         <p:nvSpPr>
-          <p:cNvPr id="349" name="PlaceHolder 1"/>
+          <p:cNvPr id="330" name="PlaceHolder 1"/>
           <p:cNvSpPr>
             <a:spLocks noGrp="1"/>
           </p:cNvSpPr>
@@ -915,16 +1287,16 @@
         <p:spPr>
           <a:xfrm>
             <a:off x="685800" y="1143000"/>
-            <a:ext cx="5485320" cy="3085200"/>
-          </a:xfrm>
-          <a:prstGeom prst="rect">
-            <a:avLst/>
-          </a:prstGeom>
-        </p:spPr>
-      </p:sp>
-      <p:sp>
-        <p:nvSpPr>
-          <p:cNvPr id="350" name="PlaceHolder 2"/>
+            <a:ext cx="5484240" cy="3084120"/>
+          </a:xfrm>
+          <a:prstGeom prst="rect">
+            <a:avLst/>
+          </a:prstGeom>
+        </p:spPr>
+      </p:sp>
+      <p:sp>
+        <p:nvSpPr>
+          <p:cNvPr id="331" name="PlaceHolder 2"/>
           <p:cNvSpPr>
             <a:spLocks noGrp="1"/>
           </p:cNvSpPr>
@@ -935,7 +1307,7 @@
         <p:spPr>
           <a:xfrm>
             <a:off x="685800" y="4400640"/>
-            <a:ext cx="5484600" cy="3598560"/>
+            <a:ext cx="5484240" cy="3598200"/>
           </a:xfrm>
           <a:prstGeom prst="rect">
             <a:avLst/>
@@ -954,14 +1326,14 @@
       </p:sp>
       <p:sp>
         <p:nvSpPr>
-          <p:cNvPr id="351" name="CustomShape 3"/>
+          <p:cNvPr id="332" name="CustomShape 3"/>
           <p:cNvSpPr/>
           <p:nvPr/>
         </p:nvSpPr>
         <p:spPr>
           <a:xfrm>
             <a:off x="3884760" y="8685360"/>
-            <a:ext cx="2970000" cy="456840"/>
+            <a:ext cx="2969640" cy="456480"/>
           </a:xfrm>
           <a:prstGeom prst="rect">
             <a:avLst/>
@@ -987,7 +1359,7 @@
                 <a:spcPct val="100000"/>
               </a:lnSpc>
             </a:pPr>
-            <a:fld id="{25024866-E90F-48CD-B582-BE37AB2CBAAF}" type="slidenum">
+            <a:fld id="{739BD3FF-34C5-4D40-A953-6B9EDFB38EAE}" type="slidenum">
               <a:rPr b="0" lang="pt-BR" sz="1200" spc="-1" strike="noStrike">
                 <a:solidFill>
                   <a:srgbClr val="000000"/>
@@ -1027,7 +1399,7 @@
       </p:grpSpPr>
       <p:sp>
         <p:nvSpPr>
-          <p:cNvPr id="352" name="PlaceHolder 1"/>
+          <p:cNvPr id="333" name="PlaceHolder 1"/>
           <p:cNvSpPr>
             <a:spLocks noGrp="1"/>
           </p:cNvSpPr>
@@ -1038,16 +1410,16 @@
         <p:spPr>
           <a:xfrm>
             <a:off x="685800" y="1143000"/>
-            <a:ext cx="5485320" cy="3085200"/>
-          </a:xfrm>
-          <a:prstGeom prst="rect">
-            <a:avLst/>
-          </a:prstGeom>
-        </p:spPr>
-      </p:sp>
-      <p:sp>
-        <p:nvSpPr>
-          <p:cNvPr id="353" name="PlaceHolder 2"/>
+            <a:ext cx="5484240" cy="3084120"/>
+          </a:xfrm>
+          <a:prstGeom prst="rect">
+            <a:avLst/>
+          </a:prstGeom>
+        </p:spPr>
+      </p:sp>
+      <p:sp>
+        <p:nvSpPr>
+          <p:cNvPr id="334" name="PlaceHolder 2"/>
           <p:cNvSpPr>
             <a:spLocks noGrp="1"/>
           </p:cNvSpPr>
@@ -1058,7 +1430,7 @@
         <p:spPr>
           <a:xfrm>
             <a:off x="685800" y="4400640"/>
-            <a:ext cx="5484600" cy="3598560"/>
+            <a:ext cx="5484240" cy="3598200"/>
           </a:xfrm>
           <a:prstGeom prst="rect">
             <a:avLst/>
@@ -1077,14 +1449,14 @@
       </p:sp>
       <p:sp>
         <p:nvSpPr>
-          <p:cNvPr id="354" name="CustomShape 3"/>
+          <p:cNvPr id="335" name="CustomShape 3"/>
           <p:cNvSpPr/>
           <p:nvPr/>
         </p:nvSpPr>
         <p:spPr>
           <a:xfrm>
             <a:off x="3884760" y="8685360"/>
-            <a:ext cx="2970000" cy="456840"/>
+            <a:ext cx="2969640" cy="456480"/>
           </a:xfrm>
           <a:prstGeom prst="rect">
             <a:avLst/>
@@ -1110,7 +1482,7 @@
                 <a:spcPct val="100000"/>
               </a:lnSpc>
             </a:pPr>
-            <a:fld id="{ED72905E-2DF5-4409-AAA6-C50E15DE7554}" type="slidenum">
+            <a:fld id="{ECB1D5E1-D17E-4902-A698-AB4FD2C2DE90}" type="slidenum">
               <a:rPr b="0" lang="pt-BR" sz="1200" spc="-1" strike="noStrike">
                 <a:solidFill>
                   <a:srgbClr val="000000"/>
@@ -1150,7 +1522,7 @@
       </p:grpSpPr>
       <p:sp>
         <p:nvSpPr>
-          <p:cNvPr id="355" name="PlaceHolder 1"/>
+          <p:cNvPr id="336" name="PlaceHolder 1"/>
           <p:cNvSpPr>
             <a:spLocks noGrp="1"/>
           </p:cNvSpPr>
@@ -1161,16 +1533,16 @@
         <p:spPr>
           <a:xfrm>
             <a:off x="685800" y="1143000"/>
-            <a:ext cx="5485320" cy="3085200"/>
-          </a:xfrm>
-          <a:prstGeom prst="rect">
-            <a:avLst/>
-          </a:prstGeom>
-        </p:spPr>
-      </p:sp>
-      <p:sp>
-        <p:nvSpPr>
-          <p:cNvPr id="356" name="PlaceHolder 2"/>
+            <a:ext cx="5484960" cy="3084840"/>
+          </a:xfrm>
+          <a:prstGeom prst="rect">
+            <a:avLst/>
+          </a:prstGeom>
+        </p:spPr>
+      </p:sp>
+      <p:sp>
+        <p:nvSpPr>
+          <p:cNvPr id="337" name="PlaceHolder 2"/>
           <p:cNvSpPr>
             <a:spLocks noGrp="1"/>
           </p:cNvSpPr>
@@ -1181,7 +1553,7 @@
         <p:spPr>
           <a:xfrm>
             <a:off x="685800" y="4400640"/>
-            <a:ext cx="5484600" cy="3598560"/>
+            <a:ext cx="5484240" cy="3598200"/>
           </a:xfrm>
           <a:prstGeom prst="rect">
             <a:avLst/>
@@ -1200,14 +1572,14 @@
       </p:sp>
       <p:sp>
         <p:nvSpPr>
-          <p:cNvPr id="357" name="CustomShape 3"/>
+          <p:cNvPr id="338" name="CustomShape 3"/>
           <p:cNvSpPr/>
           <p:nvPr/>
         </p:nvSpPr>
         <p:spPr>
           <a:xfrm>
             <a:off x="3884760" y="8685360"/>
-            <a:ext cx="2970000" cy="456840"/>
+            <a:ext cx="2969640" cy="456480"/>
           </a:xfrm>
           <a:prstGeom prst="rect">
             <a:avLst/>
@@ -1233,7 +1605,130 @@
                 <a:spcPct val="100000"/>
               </a:lnSpc>
             </a:pPr>
-            <a:fld id="{BE9606C5-4D30-40CD-932B-BA473281D237}" type="slidenum">
+            <a:fld id="{3646484D-E230-4553-964C-395738D61DF5}" type="slidenum">
+              <a:rPr b="0" lang="pt-BR" sz="1200" spc="-1" strike="noStrike">
+                <a:solidFill>
+                  <a:srgbClr val="000000"/>
+                </a:solidFill>
+                <a:latin typeface="+mn-lt"/>
+                <a:ea typeface="+mn-ea"/>
+              </a:rPr>
+              <a:t>&lt;número&gt;</a:t>
+            </a:fld>
+            <a:endParaRPr b="0" lang="pt-BR" sz="1200" spc="-1" strike="noStrike">
+              <a:latin typeface="Nimbus Sans"/>
+            </a:endParaRPr>
+          </a:p>
+        </p:txBody>
+      </p:sp>
+    </p:spTree>
+  </p:cSld>
+</p:notes>
+</file>
+
+<file path=ppt/notesSlides/notesSlide9.xml><?xml version="1.0" encoding="utf-8"?>
+<p:notes xmlns:a="http://schemas.openxmlformats.org/drawingml/2006/main" xmlns:p="http://schemas.openxmlformats.org/presentationml/2006/main" xmlns:r="http://schemas.openxmlformats.org/officeDocument/2006/relationships" xmlns:p14="http://schemas.microsoft.com/office/powerpoint/2010/main" xmlns:p15="http://schemas.microsoft.com/office/powerpoint/2012/main" xmlns:mc="http://schemas.openxmlformats.org/markup-compatibility/2006">
+  <p:cSld>
+    <p:spTree>
+      <p:nvGrpSpPr>
+        <p:cNvPr id="1" name=""/>
+        <p:cNvGrpSpPr/>
+        <p:nvPr/>
+      </p:nvGrpSpPr>
+      <p:grpSpPr>
+        <a:xfrm>
+          <a:off x="0" y="0"/>
+          <a:ext cx="0" cy="0"/>
+          <a:chOff x="0" y="0"/>
+          <a:chExt cx="0" cy="0"/>
+        </a:xfrm>
+      </p:grpSpPr>
+      <p:sp>
+        <p:nvSpPr>
+          <p:cNvPr id="339" name="PlaceHolder 1"/>
+          <p:cNvSpPr>
+            <a:spLocks noGrp="1"/>
+          </p:cNvSpPr>
+          <p:nvPr>
+            <p:ph type="sldImg"/>
+          </p:nvPr>
+        </p:nvSpPr>
+        <p:spPr>
+          <a:xfrm>
+            <a:off x="685800" y="1143000"/>
+            <a:ext cx="5484960" cy="3084840"/>
+          </a:xfrm>
+          <a:prstGeom prst="rect">
+            <a:avLst/>
+          </a:prstGeom>
+        </p:spPr>
+      </p:sp>
+      <p:sp>
+        <p:nvSpPr>
+          <p:cNvPr id="340" name="PlaceHolder 2"/>
+          <p:cNvSpPr>
+            <a:spLocks noGrp="1"/>
+          </p:cNvSpPr>
+          <p:nvPr>
+            <p:ph type="body"/>
+          </p:nvPr>
+        </p:nvSpPr>
+        <p:spPr>
+          <a:xfrm>
+            <a:off x="685800" y="4400640"/>
+            <a:ext cx="5484240" cy="3598200"/>
+          </a:xfrm>
+          <a:prstGeom prst="rect">
+            <a:avLst/>
+          </a:prstGeom>
+        </p:spPr>
+        <p:txBody>
+          <a:bodyPr lIns="0" rIns="0" tIns="0" bIns="0">
+            <a:noAutofit/>
+          </a:bodyPr>
+          <a:p>
+            <a:endParaRPr b="0" lang="pt-BR" sz="2000" spc="-1" strike="noStrike">
+              <a:latin typeface="Nimbus Sans"/>
+            </a:endParaRPr>
+          </a:p>
+        </p:txBody>
+      </p:sp>
+      <p:sp>
+        <p:nvSpPr>
+          <p:cNvPr id="341" name="CustomShape 3"/>
+          <p:cNvSpPr/>
+          <p:nvPr/>
+        </p:nvSpPr>
+        <p:spPr>
+          <a:xfrm>
+            <a:off x="3884760" y="8685360"/>
+            <a:ext cx="2969640" cy="456480"/>
+          </a:xfrm>
+          <a:prstGeom prst="rect">
+            <a:avLst/>
+          </a:prstGeom>
+          <a:noFill/>
+          <a:ln>
+            <a:noFill/>
+          </a:ln>
+        </p:spPr>
+        <p:style>
+          <a:lnRef idx="0"/>
+          <a:fillRef idx="0"/>
+          <a:effectRef idx="0"/>
+          <a:fontRef idx="minor"/>
+        </p:style>
+        <p:txBody>
+          <a:bodyPr lIns="90000" rIns="90000" tIns="45000" bIns="45000" anchor="b">
+            <a:noAutofit/>
+          </a:bodyPr>
+          <a:p>
+            <a:pPr algn="r">
+              <a:lnSpc>
+                <a:spcPct val="100000"/>
+              </a:lnSpc>
+            </a:pPr>
+            <a:fld id="{32AA7724-BA70-4785-89D4-E81E1850B5BA}" type="slidenum">
               <a:rPr b="0" lang="pt-BR" sz="1200" spc="-1" strike="noStrike">
                 <a:solidFill>
                   <a:srgbClr val="000000"/>
@@ -1306,7 +1801,7 @@
         <p:spPr>
           <a:xfrm>
             <a:off x="838080" y="454320"/>
-            <a:ext cx="10513800" cy="1145160"/>
+            <a:ext cx="10513440" cy="1145160"/>
           </a:xfrm>
           <a:prstGeom prst="rect">
             <a:avLst/>
@@ -1419,7 +1914,7 @@
         <p:spPr>
           <a:xfrm>
             <a:off x="838080" y="454320"/>
-            <a:ext cx="10513800" cy="1145160"/>
+            <a:ext cx="10513440" cy="1145160"/>
           </a:xfrm>
           <a:prstGeom prst="rect">
             <a:avLst/>
@@ -1592,7 +2087,7 @@
         <p:spPr>
           <a:xfrm>
             <a:off x="838080" y="454320"/>
-            <a:ext cx="10513800" cy="1145160"/>
+            <a:ext cx="10513440" cy="1145160"/>
           </a:xfrm>
           <a:prstGeom prst="rect">
             <a:avLst/>
@@ -1847,7 +2342,7 @@
         <p:spPr>
           <a:xfrm>
             <a:off x="838080" y="454320"/>
-            <a:ext cx="10513800" cy="1145160"/>
+            <a:ext cx="10513440" cy="1145160"/>
           </a:xfrm>
           <a:prstGeom prst="rect">
             <a:avLst/>
@@ -1931,7 +2426,7 @@
         <p:spPr>
           <a:xfrm>
             <a:off x="838080" y="454320"/>
-            <a:ext cx="10513800" cy="1145160"/>
+            <a:ext cx="10513440" cy="1145160"/>
           </a:xfrm>
           <a:prstGeom prst="rect">
             <a:avLst/>
@@ -2014,7 +2509,7 @@
         <p:spPr>
           <a:xfrm>
             <a:off x="838080" y="454320"/>
-            <a:ext cx="10513800" cy="1145160"/>
+            <a:ext cx="10513440" cy="1145160"/>
           </a:xfrm>
           <a:prstGeom prst="rect">
             <a:avLst/>
@@ -2127,7 +2622,7 @@
         <p:spPr>
           <a:xfrm>
             <a:off x="838080" y="454320"/>
-            <a:ext cx="10513800" cy="1145160"/>
+            <a:ext cx="10513440" cy="1145160"/>
           </a:xfrm>
           <a:prstGeom prst="rect">
             <a:avLst/>
@@ -2180,7 +2675,7 @@
         <p:spPr>
           <a:xfrm>
             <a:off x="838080" y="454320"/>
-            <a:ext cx="10513800" cy="5309640"/>
+            <a:ext cx="10513440" cy="5309640"/>
           </a:xfrm>
           <a:prstGeom prst="rect">
             <a:avLst/>
@@ -2233,7 +2728,7 @@
         <p:spPr>
           <a:xfrm>
             <a:off x="838080" y="454320"/>
-            <a:ext cx="10513800" cy="1145160"/>
+            <a:ext cx="10513440" cy="1145160"/>
           </a:xfrm>
           <a:prstGeom prst="rect">
             <a:avLst/>
@@ -2376,7 +2871,7 @@
         <p:spPr>
           <a:xfrm>
             <a:off x="838080" y="454320"/>
-            <a:ext cx="10513800" cy="1145160"/>
+            <a:ext cx="10513440" cy="1145160"/>
           </a:xfrm>
           <a:prstGeom prst="rect">
             <a:avLst/>
@@ -2460,7 +2955,7 @@
         <p:spPr>
           <a:xfrm>
             <a:off x="838080" y="454320"/>
-            <a:ext cx="10513800" cy="1145160"/>
+            <a:ext cx="10513440" cy="1145160"/>
           </a:xfrm>
           <a:prstGeom prst="rect">
             <a:avLst/>
@@ -2603,7 +3098,7 @@
         <p:spPr>
           <a:xfrm>
             <a:off x="838080" y="454320"/>
-            <a:ext cx="10513800" cy="1145160"/>
+            <a:ext cx="10513440" cy="1145160"/>
           </a:xfrm>
           <a:prstGeom prst="rect">
             <a:avLst/>
@@ -2746,7 +3241,7 @@
         <p:spPr>
           <a:xfrm>
             <a:off x="838080" y="454320"/>
-            <a:ext cx="10513800" cy="1145160"/>
+            <a:ext cx="10513440" cy="1145160"/>
           </a:xfrm>
           <a:prstGeom prst="rect">
             <a:avLst/>
@@ -2859,7 +3354,7 @@
         <p:spPr>
           <a:xfrm>
             <a:off x="838080" y="454320"/>
-            <a:ext cx="10513800" cy="1145160"/>
+            <a:ext cx="10513440" cy="1145160"/>
           </a:xfrm>
           <a:prstGeom prst="rect">
             <a:avLst/>
@@ -3032,7 +3527,7 @@
         <p:spPr>
           <a:xfrm>
             <a:off x="838080" y="454320"/>
-            <a:ext cx="10513800" cy="1145160"/>
+            <a:ext cx="10513440" cy="1145160"/>
           </a:xfrm>
           <a:prstGeom prst="rect">
             <a:avLst/>
@@ -3287,7 +3782,7 @@
         <p:spPr>
           <a:xfrm>
             <a:off x="838080" y="454320"/>
-            <a:ext cx="10513800" cy="1145160"/>
+            <a:ext cx="10513440" cy="1145160"/>
           </a:xfrm>
           <a:prstGeom prst="rect">
             <a:avLst/>
@@ -3371,7 +3866,7 @@
         <p:spPr>
           <a:xfrm>
             <a:off x="838080" y="454320"/>
-            <a:ext cx="10513800" cy="1145160"/>
+            <a:ext cx="10513440" cy="1145160"/>
           </a:xfrm>
           <a:prstGeom prst="rect">
             <a:avLst/>
@@ -3454,7 +3949,7 @@
         <p:spPr>
           <a:xfrm>
             <a:off x="838080" y="454320"/>
-            <a:ext cx="10513800" cy="1145160"/>
+            <a:ext cx="10513440" cy="1145160"/>
           </a:xfrm>
           <a:prstGeom prst="rect">
             <a:avLst/>
@@ -3567,7 +4062,7 @@
         <p:spPr>
           <a:xfrm>
             <a:off x="838080" y="454320"/>
-            <a:ext cx="10513800" cy="1145160"/>
+            <a:ext cx="10513440" cy="1145160"/>
           </a:xfrm>
           <a:prstGeom prst="rect">
             <a:avLst/>
@@ -3620,7 +4115,7 @@
         <p:spPr>
           <a:xfrm>
             <a:off x="838080" y="454320"/>
-            <a:ext cx="10513800" cy="1145160"/>
+            <a:ext cx="10513440" cy="1145160"/>
           </a:xfrm>
           <a:prstGeom prst="rect">
             <a:avLst/>
@@ -3703,7 +4198,7 @@
         <p:spPr>
           <a:xfrm>
             <a:off x="838080" y="454320"/>
-            <a:ext cx="10513800" cy="5309640"/>
+            <a:ext cx="10513440" cy="5309640"/>
           </a:xfrm>
           <a:prstGeom prst="rect">
             <a:avLst/>
@@ -3756,7 +4251,7 @@
         <p:spPr>
           <a:xfrm>
             <a:off x="838080" y="454320"/>
-            <a:ext cx="10513800" cy="1145160"/>
+            <a:ext cx="10513440" cy="1145160"/>
           </a:xfrm>
           <a:prstGeom prst="rect">
             <a:avLst/>
@@ -3899,7 +4394,7 @@
         <p:spPr>
           <a:xfrm>
             <a:off x="838080" y="454320"/>
-            <a:ext cx="10513800" cy="1145160"/>
+            <a:ext cx="10513440" cy="1145160"/>
           </a:xfrm>
           <a:prstGeom prst="rect">
             <a:avLst/>
@@ -4042,7 +4537,7 @@
         <p:spPr>
           <a:xfrm>
             <a:off x="838080" y="454320"/>
-            <a:ext cx="10513800" cy="1145160"/>
+            <a:ext cx="10513440" cy="1145160"/>
           </a:xfrm>
           <a:prstGeom prst="rect">
             <a:avLst/>
@@ -4185,7 +4680,7 @@
         <p:spPr>
           <a:xfrm>
             <a:off x="838080" y="454320"/>
-            <a:ext cx="10513800" cy="1145160"/>
+            <a:ext cx="10513440" cy="1145160"/>
           </a:xfrm>
           <a:prstGeom prst="rect">
             <a:avLst/>
@@ -4298,7 +4793,7 @@
         <p:spPr>
           <a:xfrm>
             <a:off x="838080" y="454320"/>
-            <a:ext cx="10513800" cy="1145160"/>
+            <a:ext cx="10513440" cy="1145160"/>
           </a:xfrm>
           <a:prstGeom prst="rect">
             <a:avLst/>
@@ -4471,7 +4966,7 @@
         <p:spPr>
           <a:xfrm>
             <a:off x="838080" y="454320"/>
-            <a:ext cx="10513800" cy="1145160"/>
+            <a:ext cx="10513440" cy="1145160"/>
           </a:xfrm>
           <a:prstGeom prst="rect">
             <a:avLst/>
@@ -4726,7 +5221,7 @@
         <p:spPr>
           <a:xfrm>
             <a:off x="838080" y="454320"/>
-            <a:ext cx="10513800" cy="1145160"/>
+            <a:ext cx="10513440" cy="1145160"/>
           </a:xfrm>
           <a:prstGeom prst="rect">
             <a:avLst/>
@@ -4810,7 +5305,7 @@
         <p:spPr>
           <a:xfrm>
             <a:off x="838080" y="454320"/>
-            <a:ext cx="10513800" cy="1145160"/>
+            <a:ext cx="10513440" cy="1145160"/>
           </a:xfrm>
           <a:prstGeom prst="rect">
             <a:avLst/>
@@ -4893,7 +5388,7 @@
         <p:spPr>
           <a:xfrm>
             <a:off x="838080" y="454320"/>
-            <a:ext cx="10513800" cy="1145160"/>
+            <a:ext cx="10513440" cy="1145160"/>
           </a:xfrm>
           <a:prstGeom prst="rect">
             <a:avLst/>
@@ -5006,7 +5501,7 @@
         <p:spPr>
           <a:xfrm>
             <a:off x="838080" y="454320"/>
-            <a:ext cx="10513800" cy="1145160"/>
+            <a:ext cx="10513440" cy="1145160"/>
           </a:xfrm>
           <a:prstGeom prst="rect">
             <a:avLst/>
@@ -5119,7 +5614,7 @@
         <p:spPr>
           <a:xfrm>
             <a:off x="838080" y="454320"/>
-            <a:ext cx="10513800" cy="1145160"/>
+            <a:ext cx="10513440" cy="1145160"/>
           </a:xfrm>
           <a:prstGeom prst="rect">
             <a:avLst/>
@@ -5172,7 +5667,7 @@
         <p:spPr>
           <a:xfrm>
             <a:off x="838080" y="454320"/>
-            <a:ext cx="10513800" cy="5309640"/>
+            <a:ext cx="10513440" cy="5309640"/>
           </a:xfrm>
           <a:prstGeom prst="rect">
             <a:avLst/>
@@ -5225,7 +5720,7 @@
         <p:spPr>
           <a:xfrm>
             <a:off x="838080" y="454320"/>
-            <a:ext cx="10513800" cy="1145160"/>
+            <a:ext cx="10513440" cy="1145160"/>
           </a:xfrm>
           <a:prstGeom prst="rect">
             <a:avLst/>
@@ -5368,7 +5863,7 @@
         <p:spPr>
           <a:xfrm>
             <a:off x="838080" y="454320"/>
-            <a:ext cx="10513800" cy="1145160"/>
+            <a:ext cx="10513440" cy="1145160"/>
           </a:xfrm>
           <a:prstGeom prst="rect">
             <a:avLst/>
@@ -5511,7 +6006,7 @@
         <p:spPr>
           <a:xfrm>
             <a:off x="838080" y="454320"/>
-            <a:ext cx="10513800" cy="1145160"/>
+            <a:ext cx="10513440" cy="1145160"/>
           </a:xfrm>
           <a:prstGeom prst="rect">
             <a:avLst/>
@@ -5654,7 +6149,7 @@
         <p:spPr>
           <a:xfrm>
             <a:off x="838080" y="454320"/>
-            <a:ext cx="10513800" cy="1145160"/>
+            <a:ext cx="10513440" cy="1145160"/>
           </a:xfrm>
           <a:prstGeom prst="rect">
             <a:avLst/>
@@ -5767,7 +6262,7 @@
         <p:spPr>
           <a:xfrm>
             <a:off x="838080" y="454320"/>
-            <a:ext cx="10513800" cy="1145160"/>
+            <a:ext cx="10513440" cy="1145160"/>
           </a:xfrm>
           <a:prstGeom prst="rect">
             <a:avLst/>
@@ -5940,7 +6435,7 @@
         <p:spPr>
           <a:xfrm>
             <a:off x="838080" y="454320"/>
-            <a:ext cx="10513800" cy="1145160"/>
+            <a:ext cx="10513440" cy="1145160"/>
           </a:xfrm>
           <a:prstGeom prst="rect">
             <a:avLst/>
@@ -6195,7 +6690,7 @@
         <p:spPr>
           <a:xfrm>
             <a:off x="838080" y="454320"/>
-            <a:ext cx="10513800" cy="1145160"/>
+            <a:ext cx="10513440" cy="1145160"/>
           </a:xfrm>
           <a:prstGeom prst="rect">
             <a:avLst/>
@@ -6237,7 +6732,7 @@
       </p:grpSpPr>
       <p:sp>
         <p:nvSpPr>
-          <p:cNvPr id="161" name="PlaceHolder 1"/>
+          <p:cNvPr id="160" name="PlaceHolder 1"/>
           <p:cNvSpPr>
             <a:spLocks noGrp="1"/>
           </p:cNvSpPr>
@@ -6248,7 +6743,7 @@
         <p:spPr>
           <a:xfrm>
             <a:off x="838080" y="454320"/>
-            <a:ext cx="10513800" cy="1145160"/>
+            <a:ext cx="10513440" cy="1145160"/>
           </a:xfrm>
           <a:prstGeom prst="rect">
             <a:avLst/>
@@ -6268,7 +6763,7 @@
       </p:sp>
       <p:sp>
         <p:nvSpPr>
-          <p:cNvPr id="162" name="PlaceHolder 2"/>
+          <p:cNvPr id="161" name="PlaceHolder 2"/>
           <p:cNvSpPr>
             <a:spLocks noGrp="1"/>
           </p:cNvSpPr>
@@ -6321,7 +6816,7 @@
       </p:grpSpPr>
       <p:sp>
         <p:nvSpPr>
-          <p:cNvPr id="163" name="PlaceHolder 1"/>
+          <p:cNvPr id="162" name="PlaceHolder 1"/>
           <p:cNvSpPr>
             <a:spLocks noGrp="1"/>
           </p:cNvSpPr>
@@ -6332,7 +6827,7 @@
         <p:spPr>
           <a:xfrm>
             <a:off x="838080" y="454320"/>
-            <a:ext cx="10513800" cy="1145160"/>
+            <a:ext cx="10513440" cy="1145160"/>
           </a:xfrm>
           <a:prstGeom prst="rect">
             <a:avLst/>
@@ -6352,7 +6847,7 @@
       </p:sp>
       <p:sp>
         <p:nvSpPr>
-          <p:cNvPr id="164" name="PlaceHolder 2"/>
+          <p:cNvPr id="163" name="PlaceHolder 2"/>
           <p:cNvSpPr>
             <a:spLocks noGrp="1"/>
           </p:cNvSpPr>
@@ -6404,7 +6899,7 @@
       </p:grpSpPr>
       <p:sp>
         <p:nvSpPr>
-          <p:cNvPr id="165" name="PlaceHolder 1"/>
+          <p:cNvPr id="164" name="PlaceHolder 1"/>
           <p:cNvSpPr>
             <a:spLocks noGrp="1"/>
           </p:cNvSpPr>
@@ -6415,7 +6910,7 @@
         <p:spPr>
           <a:xfrm>
             <a:off x="838080" y="454320"/>
-            <a:ext cx="10513800" cy="1145160"/>
+            <a:ext cx="10513440" cy="1145160"/>
           </a:xfrm>
           <a:prstGeom prst="rect">
             <a:avLst/>
@@ -6435,7 +6930,7 @@
       </p:sp>
       <p:sp>
         <p:nvSpPr>
-          <p:cNvPr id="166" name="PlaceHolder 2"/>
+          <p:cNvPr id="165" name="PlaceHolder 2"/>
           <p:cNvSpPr>
             <a:spLocks noGrp="1"/>
           </p:cNvSpPr>
@@ -6465,7 +6960,7 @@
       </p:sp>
       <p:sp>
         <p:nvSpPr>
-          <p:cNvPr id="167" name="PlaceHolder 3"/>
+          <p:cNvPr id="166" name="PlaceHolder 3"/>
           <p:cNvSpPr>
             <a:spLocks noGrp="1"/>
           </p:cNvSpPr>
@@ -6517,7 +7012,7 @@
       </p:grpSpPr>
       <p:sp>
         <p:nvSpPr>
-          <p:cNvPr id="168" name="PlaceHolder 1"/>
+          <p:cNvPr id="167" name="PlaceHolder 1"/>
           <p:cNvSpPr>
             <a:spLocks noGrp="1"/>
           </p:cNvSpPr>
@@ -6528,7 +7023,7 @@
         <p:spPr>
           <a:xfrm>
             <a:off x="838080" y="454320"/>
-            <a:ext cx="10513800" cy="1145160"/>
+            <a:ext cx="10513440" cy="1145160"/>
           </a:xfrm>
           <a:prstGeom prst="rect">
             <a:avLst/>
@@ -6570,7 +7065,7 @@
       </p:grpSpPr>
       <p:sp>
         <p:nvSpPr>
-          <p:cNvPr id="169" name="PlaceHolder 1"/>
+          <p:cNvPr id="168" name="PlaceHolder 1"/>
           <p:cNvSpPr>
             <a:spLocks noGrp="1"/>
           </p:cNvSpPr>
@@ -6581,7 +7076,7 @@
         <p:spPr>
           <a:xfrm>
             <a:off x="838080" y="454320"/>
-            <a:ext cx="10513800" cy="5309640"/>
+            <a:ext cx="10513440" cy="5309640"/>
           </a:xfrm>
           <a:prstGeom prst="rect">
             <a:avLst/>
@@ -6623,7 +7118,7 @@
       </p:grpSpPr>
       <p:sp>
         <p:nvSpPr>
-          <p:cNvPr id="170" name="PlaceHolder 1"/>
+          <p:cNvPr id="169" name="PlaceHolder 1"/>
           <p:cNvSpPr>
             <a:spLocks noGrp="1"/>
           </p:cNvSpPr>
@@ -6634,7 +7129,7 @@
         <p:spPr>
           <a:xfrm>
             <a:off x="838080" y="454320"/>
-            <a:ext cx="10513800" cy="1145160"/>
+            <a:ext cx="10513440" cy="1145160"/>
           </a:xfrm>
           <a:prstGeom prst="rect">
             <a:avLst/>
@@ -6654,7 +7149,7 @@
       </p:sp>
       <p:sp>
         <p:nvSpPr>
-          <p:cNvPr id="171" name="PlaceHolder 2"/>
+          <p:cNvPr id="170" name="PlaceHolder 2"/>
           <p:cNvSpPr>
             <a:spLocks noGrp="1"/>
           </p:cNvSpPr>
@@ -6684,7 +7179,7 @@
       </p:sp>
       <p:sp>
         <p:nvSpPr>
-          <p:cNvPr id="172" name="PlaceHolder 3"/>
+          <p:cNvPr id="171" name="PlaceHolder 3"/>
           <p:cNvSpPr>
             <a:spLocks noGrp="1"/>
           </p:cNvSpPr>
@@ -6714,7 +7209,7 @@
       </p:sp>
       <p:sp>
         <p:nvSpPr>
-          <p:cNvPr id="173" name="PlaceHolder 4"/>
+          <p:cNvPr id="172" name="PlaceHolder 4"/>
           <p:cNvSpPr>
             <a:spLocks noGrp="1"/>
           </p:cNvSpPr>
@@ -6766,7 +7261,7 @@
       </p:grpSpPr>
       <p:sp>
         <p:nvSpPr>
-          <p:cNvPr id="174" name="PlaceHolder 1"/>
+          <p:cNvPr id="173" name="PlaceHolder 1"/>
           <p:cNvSpPr>
             <a:spLocks noGrp="1"/>
           </p:cNvSpPr>
@@ -6777,7 +7272,7 @@
         <p:spPr>
           <a:xfrm>
             <a:off x="838080" y="454320"/>
-            <a:ext cx="10513800" cy="1145160"/>
+            <a:ext cx="10513440" cy="1145160"/>
           </a:xfrm>
           <a:prstGeom prst="rect">
             <a:avLst/>
@@ -6797,7 +7292,7 @@
       </p:sp>
       <p:sp>
         <p:nvSpPr>
-          <p:cNvPr id="175" name="PlaceHolder 2"/>
+          <p:cNvPr id="174" name="PlaceHolder 2"/>
           <p:cNvSpPr>
             <a:spLocks noGrp="1"/>
           </p:cNvSpPr>
@@ -6827,7 +7322,7 @@
       </p:sp>
       <p:sp>
         <p:nvSpPr>
-          <p:cNvPr id="176" name="PlaceHolder 3"/>
+          <p:cNvPr id="175" name="PlaceHolder 3"/>
           <p:cNvSpPr>
             <a:spLocks noGrp="1"/>
           </p:cNvSpPr>
@@ -6857,7 +7352,7 @@
       </p:sp>
       <p:sp>
         <p:nvSpPr>
-          <p:cNvPr id="177" name="PlaceHolder 4"/>
+          <p:cNvPr id="176" name="PlaceHolder 4"/>
           <p:cNvSpPr>
             <a:spLocks noGrp="1"/>
           </p:cNvSpPr>
@@ -6909,7 +7404,7 @@
       </p:grpSpPr>
       <p:sp>
         <p:nvSpPr>
-          <p:cNvPr id="178" name="PlaceHolder 1"/>
+          <p:cNvPr id="177" name="PlaceHolder 1"/>
           <p:cNvSpPr>
             <a:spLocks noGrp="1"/>
           </p:cNvSpPr>
@@ -6920,7 +7415,7 @@
         <p:spPr>
           <a:xfrm>
             <a:off x="838080" y="454320"/>
-            <a:ext cx="10513800" cy="1145160"/>
+            <a:ext cx="10513440" cy="1145160"/>
           </a:xfrm>
           <a:prstGeom prst="rect">
             <a:avLst/>
@@ -6940,7 +7435,7 @@
       </p:sp>
       <p:sp>
         <p:nvSpPr>
-          <p:cNvPr id="179" name="PlaceHolder 2"/>
+          <p:cNvPr id="178" name="PlaceHolder 2"/>
           <p:cNvSpPr>
             <a:spLocks noGrp="1"/>
           </p:cNvSpPr>
@@ -6970,7 +7465,7 @@
       </p:sp>
       <p:sp>
         <p:nvSpPr>
-          <p:cNvPr id="180" name="PlaceHolder 3"/>
+          <p:cNvPr id="179" name="PlaceHolder 3"/>
           <p:cNvSpPr>
             <a:spLocks noGrp="1"/>
           </p:cNvSpPr>
@@ -7000,7 +7495,7 @@
       </p:sp>
       <p:sp>
         <p:nvSpPr>
-          <p:cNvPr id="181" name="PlaceHolder 4"/>
+          <p:cNvPr id="180" name="PlaceHolder 4"/>
           <p:cNvSpPr>
             <a:spLocks noGrp="1"/>
           </p:cNvSpPr>
@@ -7052,7 +7547,7 @@
       </p:grpSpPr>
       <p:sp>
         <p:nvSpPr>
-          <p:cNvPr id="182" name="PlaceHolder 1"/>
+          <p:cNvPr id="181" name="PlaceHolder 1"/>
           <p:cNvSpPr>
             <a:spLocks noGrp="1"/>
           </p:cNvSpPr>
@@ -7063,7 +7558,7 @@
         <p:spPr>
           <a:xfrm>
             <a:off x="838080" y="454320"/>
-            <a:ext cx="10513800" cy="1145160"/>
+            <a:ext cx="10513440" cy="1145160"/>
           </a:xfrm>
           <a:prstGeom prst="rect">
             <a:avLst/>
@@ -7083,7 +7578,7 @@
       </p:sp>
       <p:sp>
         <p:nvSpPr>
-          <p:cNvPr id="183" name="PlaceHolder 2"/>
+          <p:cNvPr id="182" name="PlaceHolder 2"/>
           <p:cNvSpPr>
             <a:spLocks noGrp="1"/>
           </p:cNvSpPr>
@@ -7113,7 +7608,7 @@
       </p:sp>
       <p:sp>
         <p:nvSpPr>
-          <p:cNvPr id="184" name="PlaceHolder 3"/>
+          <p:cNvPr id="183" name="PlaceHolder 3"/>
           <p:cNvSpPr>
             <a:spLocks noGrp="1"/>
           </p:cNvSpPr>
@@ -7165,7 +7660,7 @@
       </p:grpSpPr>
       <p:sp>
         <p:nvSpPr>
-          <p:cNvPr id="185" name="PlaceHolder 1"/>
+          <p:cNvPr id="184" name="PlaceHolder 1"/>
           <p:cNvSpPr>
             <a:spLocks noGrp="1"/>
           </p:cNvSpPr>
@@ -7176,7 +7671,7 @@
         <p:spPr>
           <a:xfrm>
             <a:off x="838080" y="454320"/>
-            <a:ext cx="10513800" cy="1145160"/>
+            <a:ext cx="10513440" cy="1145160"/>
           </a:xfrm>
           <a:prstGeom prst="rect">
             <a:avLst/>
@@ -7196,7 +7691,7 @@
       </p:sp>
       <p:sp>
         <p:nvSpPr>
-          <p:cNvPr id="186" name="PlaceHolder 2"/>
+          <p:cNvPr id="185" name="PlaceHolder 2"/>
           <p:cNvSpPr>
             <a:spLocks noGrp="1"/>
           </p:cNvSpPr>
@@ -7226,7 +7721,7 @@
       </p:sp>
       <p:sp>
         <p:nvSpPr>
-          <p:cNvPr id="187" name="PlaceHolder 3"/>
+          <p:cNvPr id="186" name="PlaceHolder 3"/>
           <p:cNvSpPr>
             <a:spLocks noGrp="1"/>
           </p:cNvSpPr>
@@ -7256,7 +7751,7 @@
       </p:sp>
       <p:sp>
         <p:nvSpPr>
-          <p:cNvPr id="188" name="PlaceHolder 4"/>
+          <p:cNvPr id="187" name="PlaceHolder 4"/>
           <p:cNvSpPr>
             <a:spLocks noGrp="1"/>
           </p:cNvSpPr>
@@ -7286,7 +7781,7 @@
       </p:sp>
       <p:sp>
         <p:nvSpPr>
-          <p:cNvPr id="189" name="PlaceHolder 5"/>
+          <p:cNvPr id="188" name="PlaceHolder 5"/>
           <p:cNvSpPr>
             <a:spLocks noGrp="1"/>
           </p:cNvSpPr>
@@ -7349,7 +7844,7 @@
         <p:spPr>
           <a:xfrm>
             <a:off x="838080" y="454320"/>
-            <a:ext cx="10513800" cy="5309640"/>
+            <a:ext cx="10513440" cy="5309640"/>
           </a:xfrm>
           <a:prstGeom prst="rect">
             <a:avLst/>
@@ -7391,7 +7886,7 @@
       </p:grpSpPr>
       <p:sp>
         <p:nvSpPr>
-          <p:cNvPr id="190" name="PlaceHolder 1"/>
+          <p:cNvPr id="189" name="PlaceHolder 1"/>
           <p:cNvSpPr>
             <a:spLocks noGrp="1"/>
           </p:cNvSpPr>
@@ -7402,7 +7897,7 @@
         <p:spPr>
           <a:xfrm>
             <a:off x="838080" y="454320"/>
-            <a:ext cx="10513800" cy="1145160"/>
+            <a:ext cx="10513440" cy="1145160"/>
           </a:xfrm>
           <a:prstGeom prst="rect">
             <a:avLst/>
@@ -7422,7 +7917,7 @@
       </p:sp>
       <p:sp>
         <p:nvSpPr>
-          <p:cNvPr id="191" name="PlaceHolder 2"/>
+          <p:cNvPr id="190" name="PlaceHolder 2"/>
           <p:cNvSpPr>
             <a:spLocks noGrp="1"/>
           </p:cNvSpPr>
@@ -7452,7 +7947,7 @@
       </p:sp>
       <p:sp>
         <p:nvSpPr>
-          <p:cNvPr id="192" name="PlaceHolder 3"/>
+          <p:cNvPr id="191" name="PlaceHolder 3"/>
           <p:cNvSpPr>
             <a:spLocks noGrp="1"/>
           </p:cNvSpPr>
@@ -7482,7 +7977,7 @@
       </p:sp>
       <p:sp>
         <p:nvSpPr>
-          <p:cNvPr id="193" name="PlaceHolder 4"/>
+          <p:cNvPr id="192" name="PlaceHolder 4"/>
           <p:cNvSpPr>
             <a:spLocks noGrp="1"/>
           </p:cNvSpPr>
@@ -7512,7 +8007,7 @@
       </p:sp>
       <p:sp>
         <p:nvSpPr>
-          <p:cNvPr id="194" name="PlaceHolder 5"/>
+          <p:cNvPr id="193" name="PlaceHolder 5"/>
           <p:cNvSpPr>
             <a:spLocks noGrp="1"/>
           </p:cNvSpPr>
@@ -7542,7 +8037,7 @@
       </p:sp>
       <p:sp>
         <p:nvSpPr>
-          <p:cNvPr id="195" name="PlaceHolder 6"/>
+          <p:cNvPr id="194" name="PlaceHolder 6"/>
           <p:cNvSpPr>
             <a:spLocks noGrp="1"/>
           </p:cNvSpPr>
@@ -7572,7 +8067,7 @@
       </p:sp>
       <p:sp>
         <p:nvSpPr>
-          <p:cNvPr id="196" name="PlaceHolder 7"/>
+          <p:cNvPr id="195" name="PlaceHolder 7"/>
           <p:cNvSpPr>
             <a:spLocks noGrp="1"/>
           </p:cNvSpPr>
@@ -7646,7 +8141,7 @@
       </p:grpSpPr>
       <p:sp>
         <p:nvSpPr>
-          <p:cNvPr id="201" name="PlaceHolder 1"/>
+          <p:cNvPr id="200" name="PlaceHolder 1"/>
           <p:cNvSpPr>
             <a:spLocks noGrp="1"/>
           </p:cNvSpPr>
@@ -7657,7 +8152,7 @@
         <p:spPr>
           <a:xfrm>
             <a:off x="838080" y="454320"/>
-            <a:ext cx="10513800" cy="1145160"/>
+            <a:ext cx="10513440" cy="1145160"/>
           </a:xfrm>
           <a:prstGeom prst="rect">
             <a:avLst/>
@@ -7677,7 +8172,7 @@
       </p:sp>
       <p:sp>
         <p:nvSpPr>
-          <p:cNvPr id="202" name="PlaceHolder 2"/>
+          <p:cNvPr id="201" name="PlaceHolder 2"/>
           <p:cNvSpPr>
             <a:spLocks noGrp="1"/>
           </p:cNvSpPr>
@@ -7730,7 +8225,7 @@
       </p:grpSpPr>
       <p:sp>
         <p:nvSpPr>
-          <p:cNvPr id="203" name="PlaceHolder 1"/>
+          <p:cNvPr id="202" name="PlaceHolder 1"/>
           <p:cNvSpPr>
             <a:spLocks noGrp="1"/>
           </p:cNvSpPr>
@@ -7741,7 +8236,7 @@
         <p:spPr>
           <a:xfrm>
             <a:off x="838080" y="454320"/>
-            <a:ext cx="10513800" cy="1145160"/>
+            <a:ext cx="10513440" cy="1145160"/>
           </a:xfrm>
           <a:prstGeom prst="rect">
             <a:avLst/>
@@ -7761,7 +8256,7 @@
       </p:sp>
       <p:sp>
         <p:nvSpPr>
-          <p:cNvPr id="204" name="PlaceHolder 2"/>
+          <p:cNvPr id="203" name="PlaceHolder 2"/>
           <p:cNvSpPr>
             <a:spLocks noGrp="1"/>
           </p:cNvSpPr>
@@ -7813,7 +8308,7 @@
       </p:grpSpPr>
       <p:sp>
         <p:nvSpPr>
-          <p:cNvPr id="205" name="PlaceHolder 1"/>
+          <p:cNvPr id="204" name="PlaceHolder 1"/>
           <p:cNvSpPr>
             <a:spLocks noGrp="1"/>
           </p:cNvSpPr>
@@ -7824,7 +8319,7 @@
         <p:spPr>
           <a:xfrm>
             <a:off x="838080" y="454320"/>
-            <a:ext cx="10513800" cy="1145160"/>
+            <a:ext cx="10513440" cy="1145160"/>
           </a:xfrm>
           <a:prstGeom prst="rect">
             <a:avLst/>
@@ -7844,7 +8339,7 @@
       </p:sp>
       <p:sp>
         <p:nvSpPr>
-          <p:cNvPr id="206" name="PlaceHolder 2"/>
+          <p:cNvPr id="205" name="PlaceHolder 2"/>
           <p:cNvSpPr>
             <a:spLocks noGrp="1"/>
           </p:cNvSpPr>
@@ -7874,7 +8369,7 @@
       </p:sp>
       <p:sp>
         <p:nvSpPr>
-          <p:cNvPr id="207" name="PlaceHolder 3"/>
+          <p:cNvPr id="206" name="PlaceHolder 3"/>
           <p:cNvSpPr>
             <a:spLocks noGrp="1"/>
           </p:cNvSpPr>
@@ -7926,7 +8421,7 @@
       </p:grpSpPr>
       <p:sp>
         <p:nvSpPr>
-          <p:cNvPr id="208" name="PlaceHolder 1"/>
+          <p:cNvPr id="207" name="PlaceHolder 1"/>
           <p:cNvSpPr>
             <a:spLocks noGrp="1"/>
           </p:cNvSpPr>
@@ -7937,7 +8432,7 @@
         <p:spPr>
           <a:xfrm>
             <a:off x="838080" y="454320"/>
-            <a:ext cx="10513800" cy="1145160"/>
+            <a:ext cx="10513440" cy="1145160"/>
           </a:xfrm>
           <a:prstGeom prst="rect">
             <a:avLst/>
@@ -7979,7 +8474,7 @@
       </p:grpSpPr>
       <p:sp>
         <p:nvSpPr>
-          <p:cNvPr id="209" name="PlaceHolder 1"/>
+          <p:cNvPr id="208" name="PlaceHolder 1"/>
           <p:cNvSpPr>
             <a:spLocks noGrp="1"/>
           </p:cNvSpPr>
@@ -7990,7 +8485,7 @@
         <p:spPr>
           <a:xfrm>
             <a:off x="838080" y="454320"/>
-            <a:ext cx="10513800" cy="5309640"/>
+            <a:ext cx="10513440" cy="5309640"/>
           </a:xfrm>
           <a:prstGeom prst="rect">
             <a:avLst/>
@@ -8032,7 +8527,7 @@
       </p:grpSpPr>
       <p:sp>
         <p:nvSpPr>
-          <p:cNvPr id="210" name="PlaceHolder 1"/>
+          <p:cNvPr id="209" name="PlaceHolder 1"/>
           <p:cNvSpPr>
             <a:spLocks noGrp="1"/>
           </p:cNvSpPr>
@@ -8043,7 +8538,7 @@
         <p:spPr>
           <a:xfrm>
             <a:off x="838080" y="454320"/>
-            <a:ext cx="10513800" cy="1145160"/>
+            <a:ext cx="10513440" cy="1145160"/>
           </a:xfrm>
           <a:prstGeom prst="rect">
             <a:avLst/>
@@ -8063,7 +8558,7 @@
       </p:sp>
       <p:sp>
         <p:nvSpPr>
-          <p:cNvPr id="211" name="PlaceHolder 2"/>
+          <p:cNvPr id="210" name="PlaceHolder 2"/>
           <p:cNvSpPr>
             <a:spLocks noGrp="1"/>
           </p:cNvSpPr>
@@ -8093,7 +8588,7 @@
       </p:sp>
       <p:sp>
         <p:nvSpPr>
-          <p:cNvPr id="212" name="PlaceHolder 3"/>
+          <p:cNvPr id="211" name="PlaceHolder 3"/>
           <p:cNvSpPr>
             <a:spLocks noGrp="1"/>
           </p:cNvSpPr>
@@ -8123,7 +8618,7 @@
       </p:sp>
       <p:sp>
         <p:nvSpPr>
-          <p:cNvPr id="213" name="PlaceHolder 4"/>
+          <p:cNvPr id="212" name="PlaceHolder 4"/>
           <p:cNvSpPr>
             <a:spLocks noGrp="1"/>
           </p:cNvSpPr>
@@ -8175,7 +8670,7 @@
       </p:grpSpPr>
       <p:sp>
         <p:nvSpPr>
-          <p:cNvPr id="214" name="PlaceHolder 1"/>
+          <p:cNvPr id="213" name="PlaceHolder 1"/>
           <p:cNvSpPr>
             <a:spLocks noGrp="1"/>
           </p:cNvSpPr>
@@ -8186,7 +8681,7 @@
         <p:spPr>
           <a:xfrm>
             <a:off x="838080" y="454320"/>
-            <a:ext cx="10513800" cy="1145160"/>
+            <a:ext cx="10513440" cy="1145160"/>
           </a:xfrm>
           <a:prstGeom prst="rect">
             <a:avLst/>
@@ -8206,7 +8701,7 @@
       </p:sp>
       <p:sp>
         <p:nvSpPr>
-          <p:cNvPr id="215" name="PlaceHolder 2"/>
+          <p:cNvPr id="214" name="PlaceHolder 2"/>
           <p:cNvSpPr>
             <a:spLocks noGrp="1"/>
           </p:cNvSpPr>
@@ -8236,7 +8731,7 @@
       </p:sp>
       <p:sp>
         <p:nvSpPr>
-          <p:cNvPr id="216" name="PlaceHolder 3"/>
+          <p:cNvPr id="215" name="PlaceHolder 3"/>
           <p:cNvSpPr>
             <a:spLocks noGrp="1"/>
           </p:cNvSpPr>
@@ -8266,7 +8761,7 @@
       </p:sp>
       <p:sp>
         <p:nvSpPr>
-          <p:cNvPr id="217" name="PlaceHolder 4"/>
+          <p:cNvPr id="216" name="PlaceHolder 4"/>
           <p:cNvSpPr>
             <a:spLocks noGrp="1"/>
           </p:cNvSpPr>
@@ -8318,7 +8813,7 @@
       </p:grpSpPr>
       <p:sp>
         <p:nvSpPr>
-          <p:cNvPr id="218" name="PlaceHolder 1"/>
+          <p:cNvPr id="217" name="PlaceHolder 1"/>
           <p:cNvSpPr>
             <a:spLocks noGrp="1"/>
           </p:cNvSpPr>
@@ -8329,7 +8824,7 @@
         <p:spPr>
           <a:xfrm>
             <a:off x="838080" y="454320"/>
-            <a:ext cx="10513800" cy="1145160"/>
+            <a:ext cx="10513440" cy="1145160"/>
           </a:xfrm>
           <a:prstGeom prst="rect">
             <a:avLst/>
@@ -8349,7 +8844,7 @@
       </p:sp>
       <p:sp>
         <p:nvSpPr>
-          <p:cNvPr id="219" name="PlaceHolder 2"/>
+          <p:cNvPr id="218" name="PlaceHolder 2"/>
           <p:cNvSpPr>
             <a:spLocks noGrp="1"/>
           </p:cNvSpPr>
@@ -8379,7 +8874,7 @@
       </p:sp>
       <p:sp>
         <p:nvSpPr>
-          <p:cNvPr id="220" name="PlaceHolder 3"/>
+          <p:cNvPr id="219" name="PlaceHolder 3"/>
           <p:cNvSpPr>
             <a:spLocks noGrp="1"/>
           </p:cNvSpPr>
@@ -8409,7 +8904,7 @@
       </p:sp>
       <p:sp>
         <p:nvSpPr>
-          <p:cNvPr id="221" name="PlaceHolder 4"/>
+          <p:cNvPr id="220" name="PlaceHolder 4"/>
           <p:cNvSpPr>
             <a:spLocks noGrp="1"/>
           </p:cNvSpPr>
@@ -8472,7 +8967,7 @@
         <p:spPr>
           <a:xfrm>
             <a:off x="838080" y="454320"/>
-            <a:ext cx="10513800" cy="1145160"/>
+            <a:ext cx="10513440" cy="1145160"/>
           </a:xfrm>
           <a:prstGeom prst="rect">
             <a:avLst/>
@@ -8604,7 +9099,7 @@
       </p:grpSpPr>
       <p:sp>
         <p:nvSpPr>
-          <p:cNvPr id="222" name="PlaceHolder 1"/>
+          <p:cNvPr id="221" name="PlaceHolder 1"/>
           <p:cNvSpPr>
             <a:spLocks noGrp="1"/>
           </p:cNvSpPr>
@@ -8615,7 +9110,7 @@
         <p:spPr>
           <a:xfrm>
             <a:off x="838080" y="454320"/>
-            <a:ext cx="10513800" cy="1145160"/>
+            <a:ext cx="10513440" cy="1145160"/>
           </a:xfrm>
           <a:prstGeom prst="rect">
             <a:avLst/>
@@ -8635,7 +9130,7 @@
       </p:sp>
       <p:sp>
         <p:nvSpPr>
-          <p:cNvPr id="223" name="PlaceHolder 2"/>
+          <p:cNvPr id="222" name="PlaceHolder 2"/>
           <p:cNvSpPr>
             <a:spLocks noGrp="1"/>
           </p:cNvSpPr>
@@ -8665,7 +9160,7 @@
       </p:sp>
       <p:sp>
         <p:nvSpPr>
-          <p:cNvPr id="224" name="PlaceHolder 3"/>
+          <p:cNvPr id="223" name="PlaceHolder 3"/>
           <p:cNvSpPr>
             <a:spLocks noGrp="1"/>
           </p:cNvSpPr>
@@ -8717,7 +9212,7 @@
       </p:grpSpPr>
       <p:sp>
         <p:nvSpPr>
-          <p:cNvPr id="225" name="PlaceHolder 1"/>
+          <p:cNvPr id="224" name="PlaceHolder 1"/>
           <p:cNvSpPr>
             <a:spLocks noGrp="1"/>
           </p:cNvSpPr>
@@ -8728,7 +9223,7 @@
         <p:spPr>
           <a:xfrm>
             <a:off x="838080" y="454320"/>
-            <a:ext cx="10513800" cy="1145160"/>
+            <a:ext cx="10513440" cy="1145160"/>
           </a:xfrm>
           <a:prstGeom prst="rect">
             <a:avLst/>
@@ -8748,7 +9243,7 @@
       </p:sp>
       <p:sp>
         <p:nvSpPr>
-          <p:cNvPr id="226" name="PlaceHolder 2"/>
+          <p:cNvPr id="225" name="PlaceHolder 2"/>
           <p:cNvSpPr>
             <a:spLocks noGrp="1"/>
           </p:cNvSpPr>
@@ -8778,7 +9273,7 @@
       </p:sp>
       <p:sp>
         <p:nvSpPr>
-          <p:cNvPr id="227" name="PlaceHolder 3"/>
+          <p:cNvPr id="226" name="PlaceHolder 3"/>
           <p:cNvSpPr>
             <a:spLocks noGrp="1"/>
           </p:cNvSpPr>
@@ -8808,7 +9303,7 @@
       </p:sp>
       <p:sp>
         <p:nvSpPr>
-          <p:cNvPr id="228" name="PlaceHolder 4"/>
+          <p:cNvPr id="227" name="PlaceHolder 4"/>
           <p:cNvSpPr>
             <a:spLocks noGrp="1"/>
           </p:cNvSpPr>
@@ -8838,7 +9333,7 @@
       </p:sp>
       <p:sp>
         <p:nvSpPr>
-          <p:cNvPr id="229" name="PlaceHolder 5"/>
+          <p:cNvPr id="228" name="PlaceHolder 5"/>
           <p:cNvSpPr>
             <a:spLocks noGrp="1"/>
           </p:cNvSpPr>
@@ -8890,7 +9385,7 @@
       </p:grpSpPr>
       <p:sp>
         <p:nvSpPr>
-          <p:cNvPr id="230" name="PlaceHolder 1"/>
+          <p:cNvPr id="229" name="PlaceHolder 1"/>
           <p:cNvSpPr>
             <a:spLocks noGrp="1"/>
           </p:cNvSpPr>
@@ -8901,7 +9396,7 @@
         <p:spPr>
           <a:xfrm>
             <a:off x="838080" y="454320"/>
-            <a:ext cx="10513800" cy="1145160"/>
+            <a:ext cx="10513440" cy="1145160"/>
           </a:xfrm>
           <a:prstGeom prst="rect">
             <a:avLst/>
@@ -8921,7 +9416,7 @@
       </p:sp>
       <p:sp>
         <p:nvSpPr>
-          <p:cNvPr id="231" name="PlaceHolder 2"/>
+          <p:cNvPr id="230" name="PlaceHolder 2"/>
           <p:cNvSpPr>
             <a:spLocks noGrp="1"/>
           </p:cNvSpPr>
@@ -8951,7 +9446,7 @@
       </p:sp>
       <p:sp>
         <p:nvSpPr>
-          <p:cNvPr id="232" name="PlaceHolder 3"/>
+          <p:cNvPr id="231" name="PlaceHolder 3"/>
           <p:cNvSpPr>
             <a:spLocks noGrp="1"/>
           </p:cNvSpPr>
@@ -8981,7 +9476,7 @@
       </p:sp>
       <p:sp>
         <p:nvSpPr>
-          <p:cNvPr id="233" name="PlaceHolder 4"/>
+          <p:cNvPr id="232" name="PlaceHolder 4"/>
           <p:cNvSpPr>
             <a:spLocks noGrp="1"/>
           </p:cNvSpPr>
@@ -9011,7 +9506,7 @@
       </p:sp>
       <p:sp>
         <p:nvSpPr>
-          <p:cNvPr id="234" name="PlaceHolder 5"/>
+          <p:cNvPr id="233" name="PlaceHolder 5"/>
           <p:cNvSpPr>
             <a:spLocks noGrp="1"/>
           </p:cNvSpPr>
@@ -9041,7 +9536,7 @@
       </p:sp>
       <p:sp>
         <p:nvSpPr>
-          <p:cNvPr id="235" name="PlaceHolder 6"/>
+          <p:cNvPr id="234" name="PlaceHolder 6"/>
           <p:cNvSpPr>
             <a:spLocks noGrp="1"/>
           </p:cNvSpPr>
@@ -9071,7 +9566,7 @@
       </p:sp>
       <p:sp>
         <p:nvSpPr>
-          <p:cNvPr id="236" name="PlaceHolder 7"/>
+          <p:cNvPr id="235" name="PlaceHolder 7"/>
           <p:cNvSpPr>
             <a:spLocks noGrp="1"/>
           </p:cNvSpPr>
@@ -9083,557 +9578,6 @@
           <a:xfrm>
             <a:off x="8029800" y="3682080"/>
             <a:ext cx="3533040" cy="1896840"/>
-          </a:xfrm>
-          <a:prstGeom prst="rect">
-            <a:avLst/>
-          </a:prstGeom>
-        </p:spPr>
-        <p:txBody>
-          <a:bodyPr lIns="0" rIns="0" tIns="0" bIns="0">
-            <a:normAutofit/>
-          </a:bodyPr>
-          <a:p>
-            <a:endParaRPr b="0" lang="pt-BR" sz="3200" spc="-1" strike="noStrike">
-              <a:latin typeface="Nimbus Sans"/>
-            </a:endParaRPr>
-          </a:p>
-        </p:txBody>
-      </p:sp>
-    </p:spTree>
-  </p:cSld>
-</p:sldLayout>
-</file>
-
-<file path=ppt/slideLayouts/slideLayout73.xml><?xml version="1.0" encoding="utf-8"?>
-<p:sldLayout xmlns:a="http://schemas.openxmlformats.org/drawingml/2006/main" xmlns:p="http://schemas.openxmlformats.org/presentationml/2006/main" xmlns:r="http://schemas.openxmlformats.org/officeDocument/2006/relationships" xmlns:p14="http://schemas.microsoft.com/office/powerpoint/2010/main" xmlns:p15="http://schemas.microsoft.com/office/powerpoint/2012/main" xmlns:mc="http://schemas.openxmlformats.org/markup-compatibility/2006" type="blank" preserve="1">
-  <p:cSld name="Blank Slide">
-    <p:spTree>
-      <p:nvGrpSpPr>
-        <p:cNvPr id="1" name=""/>
-        <p:cNvGrpSpPr/>
-        <p:nvPr/>
-      </p:nvGrpSpPr>
-      <p:grpSpPr>
-        <a:xfrm>
-          <a:off x="0" y="0"/>
-          <a:ext cx="0" cy="0"/>
-          <a:chOff x="0" y="0"/>
-          <a:chExt cx="0" cy="0"/>
-        </a:xfrm>
-      </p:grpSpPr>
-    </p:spTree>
-  </p:cSld>
-</p:sldLayout>
-</file>
-
-<file path=ppt/slideLayouts/slideLayout74.xml><?xml version="1.0" encoding="utf-8"?>
-<p:sldLayout xmlns:a="http://schemas.openxmlformats.org/drawingml/2006/main" xmlns:p="http://schemas.openxmlformats.org/presentationml/2006/main" xmlns:r="http://schemas.openxmlformats.org/officeDocument/2006/relationships" xmlns:p14="http://schemas.microsoft.com/office/powerpoint/2010/main" xmlns:p15="http://schemas.microsoft.com/office/powerpoint/2012/main" xmlns:mc="http://schemas.openxmlformats.org/markup-compatibility/2006" type="tx" preserve="1">
-  <p:cSld name="Title Slide">
-    <p:spTree>
-      <p:nvGrpSpPr>
-        <p:cNvPr id="1" name=""/>
-        <p:cNvGrpSpPr/>
-        <p:nvPr/>
-      </p:nvGrpSpPr>
-      <p:grpSpPr>
-        <a:xfrm>
-          <a:off x="0" y="0"/>
-          <a:ext cx="0" cy="0"/>
-          <a:chOff x="0" y="0"/>
-          <a:chExt cx="0" cy="0"/>
-        </a:xfrm>
-      </p:grpSpPr>
-      <p:sp>
-        <p:nvSpPr>
-          <p:cNvPr id="243" name="PlaceHolder 1"/>
-          <p:cNvSpPr>
-            <a:spLocks noGrp="1"/>
-          </p:cNvSpPr>
-          <p:nvPr>
-            <p:ph type="title"/>
-          </p:nvPr>
-        </p:nvSpPr>
-        <p:spPr>
-          <a:xfrm>
-            <a:off x="838080" y="454320"/>
-            <a:ext cx="10513800" cy="1145160"/>
-          </a:xfrm>
-          <a:prstGeom prst="rect">
-            <a:avLst/>
-          </a:prstGeom>
-        </p:spPr>
-        <p:txBody>
-          <a:bodyPr lIns="0" rIns="0" tIns="0" bIns="0" anchor="ctr">
-            <a:spAutoFit/>
-          </a:bodyPr>
-          <a:p>
-            <a:pPr algn="ctr"/>
-            <a:endParaRPr b="0" lang="pt-BR" sz="4400" spc="-1" strike="noStrike">
-              <a:latin typeface="Nimbus Sans"/>
-            </a:endParaRPr>
-          </a:p>
-        </p:txBody>
-      </p:sp>
-      <p:sp>
-        <p:nvSpPr>
-          <p:cNvPr id="244" name="PlaceHolder 2"/>
-          <p:cNvSpPr>
-            <a:spLocks noGrp="1"/>
-          </p:cNvSpPr>
-          <p:nvPr>
-            <p:ph type="subTitle"/>
-          </p:nvPr>
-        </p:nvSpPr>
-        <p:spPr>
-          <a:xfrm>
-            <a:off x="609480" y="1604520"/>
-            <a:ext cx="10972440" cy="3977280"/>
-          </a:xfrm>
-          <a:prstGeom prst="rect">
-            <a:avLst/>
-          </a:prstGeom>
-        </p:spPr>
-        <p:txBody>
-          <a:bodyPr lIns="0" rIns="0" tIns="0" bIns="0" anchor="ctr">
-            <a:spAutoFit/>
-          </a:bodyPr>
-          <a:p>
-            <a:pPr algn="ctr"/>
-            <a:endParaRPr b="0" lang="pt-BR" sz="3200" spc="-1" strike="noStrike">
-              <a:latin typeface="Nimbus Sans"/>
-            </a:endParaRPr>
-          </a:p>
-        </p:txBody>
-      </p:sp>
-    </p:spTree>
-  </p:cSld>
-</p:sldLayout>
-</file>
-
-<file path=ppt/slideLayouts/slideLayout75.xml><?xml version="1.0" encoding="utf-8"?>
-<p:sldLayout xmlns:a="http://schemas.openxmlformats.org/drawingml/2006/main" xmlns:p="http://schemas.openxmlformats.org/presentationml/2006/main" xmlns:r="http://schemas.openxmlformats.org/officeDocument/2006/relationships" xmlns:p14="http://schemas.microsoft.com/office/powerpoint/2010/main" xmlns:p15="http://schemas.microsoft.com/office/powerpoint/2012/main" xmlns:mc="http://schemas.openxmlformats.org/markup-compatibility/2006" type="obj" preserve="1">
-  <p:cSld name="Title, Content">
-    <p:spTree>
-      <p:nvGrpSpPr>
-        <p:cNvPr id="1" name=""/>
-        <p:cNvGrpSpPr/>
-        <p:nvPr/>
-      </p:nvGrpSpPr>
-      <p:grpSpPr>
-        <a:xfrm>
-          <a:off x="0" y="0"/>
-          <a:ext cx="0" cy="0"/>
-          <a:chOff x="0" y="0"/>
-          <a:chExt cx="0" cy="0"/>
-        </a:xfrm>
-      </p:grpSpPr>
-      <p:sp>
-        <p:nvSpPr>
-          <p:cNvPr id="245" name="PlaceHolder 1"/>
-          <p:cNvSpPr>
-            <a:spLocks noGrp="1"/>
-          </p:cNvSpPr>
-          <p:nvPr>
-            <p:ph type="title"/>
-          </p:nvPr>
-        </p:nvSpPr>
-        <p:spPr>
-          <a:xfrm>
-            <a:off x="838080" y="454320"/>
-            <a:ext cx="10513800" cy="1145160"/>
-          </a:xfrm>
-          <a:prstGeom prst="rect">
-            <a:avLst/>
-          </a:prstGeom>
-        </p:spPr>
-        <p:txBody>
-          <a:bodyPr lIns="0" rIns="0" tIns="0" bIns="0" anchor="ctr">
-            <a:spAutoFit/>
-          </a:bodyPr>
-          <a:p>
-            <a:pPr algn="ctr"/>
-            <a:endParaRPr b="0" lang="pt-BR" sz="4400" spc="-1" strike="noStrike">
-              <a:latin typeface="Nimbus Sans"/>
-            </a:endParaRPr>
-          </a:p>
-        </p:txBody>
-      </p:sp>
-      <p:sp>
-        <p:nvSpPr>
-          <p:cNvPr id="246" name="PlaceHolder 2"/>
-          <p:cNvSpPr>
-            <a:spLocks noGrp="1"/>
-          </p:cNvSpPr>
-          <p:nvPr>
-            <p:ph type="body"/>
-          </p:nvPr>
-        </p:nvSpPr>
-        <p:spPr>
-          <a:xfrm>
-            <a:off x="609480" y="1604520"/>
-            <a:ext cx="10972440" cy="3977280"/>
-          </a:xfrm>
-          <a:prstGeom prst="rect">
-            <a:avLst/>
-          </a:prstGeom>
-        </p:spPr>
-        <p:txBody>
-          <a:bodyPr lIns="0" rIns="0" tIns="0" bIns="0">
-            <a:normAutofit/>
-          </a:bodyPr>
-          <a:p>
-            <a:endParaRPr b="0" lang="pt-BR" sz="3200" spc="-1" strike="noStrike">
-              <a:latin typeface="Nimbus Sans"/>
-            </a:endParaRPr>
-          </a:p>
-        </p:txBody>
-      </p:sp>
-    </p:spTree>
-  </p:cSld>
-</p:sldLayout>
-</file>
-
-<file path=ppt/slideLayouts/slideLayout76.xml><?xml version="1.0" encoding="utf-8"?>
-<p:sldLayout xmlns:a="http://schemas.openxmlformats.org/drawingml/2006/main" xmlns:p="http://schemas.openxmlformats.org/presentationml/2006/main" xmlns:r="http://schemas.openxmlformats.org/officeDocument/2006/relationships" xmlns:p14="http://schemas.microsoft.com/office/powerpoint/2010/main" xmlns:p15="http://schemas.microsoft.com/office/powerpoint/2012/main" xmlns:mc="http://schemas.openxmlformats.org/markup-compatibility/2006" type="twoObj" preserve="1">
-  <p:cSld name="Title, 2 Content">
-    <p:spTree>
-      <p:nvGrpSpPr>
-        <p:cNvPr id="1" name=""/>
-        <p:cNvGrpSpPr/>
-        <p:nvPr/>
-      </p:nvGrpSpPr>
-      <p:grpSpPr>
-        <a:xfrm>
-          <a:off x="0" y="0"/>
-          <a:ext cx="0" cy="0"/>
-          <a:chOff x="0" y="0"/>
-          <a:chExt cx="0" cy="0"/>
-        </a:xfrm>
-      </p:grpSpPr>
-      <p:sp>
-        <p:nvSpPr>
-          <p:cNvPr id="247" name="PlaceHolder 1"/>
-          <p:cNvSpPr>
-            <a:spLocks noGrp="1"/>
-          </p:cNvSpPr>
-          <p:nvPr>
-            <p:ph type="title"/>
-          </p:nvPr>
-        </p:nvSpPr>
-        <p:spPr>
-          <a:xfrm>
-            <a:off x="838080" y="454320"/>
-            <a:ext cx="10513800" cy="1145160"/>
-          </a:xfrm>
-          <a:prstGeom prst="rect">
-            <a:avLst/>
-          </a:prstGeom>
-        </p:spPr>
-        <p:txBody>
-          <a:bodyPr lIns="0" rIns="0" tIns="0" bIns="0" anchor="ctr">
-            <a:spAutoFit/>
-          </a:bodyPr>
-          <a:p>
-            <a:pPr algn="ctr"/>
-            <a:endParaRPr b="0" lang="pt-BR" sz="4400" spc="-1" strike="noStrike">
-              <a:latin typeface="Nimbus Sans"/>
-            </a:endParaRPr>
-          </a:p>
-        </p:txBody>
-      </p:sp>
-      <p:sp>
-        <p:nvSpPr>
-          <p:cNvPr id="248" name="PlaceHolder 2"/>
-          <p:cNvSpPr>
-            <a:spLocks noGrp="1"/>
-          </p:cNvSpPr>
-          <p:nvPr>
-            <p:ph type="body"/>
-          </p:nvPr>
-        </p:nvSpPr>
-        <p:spPr>
-          <a:xfrm>
-            <a:off x="609480" y="1604520"/>
-            <a:ext cx="5354280" cy="3977280"/>
-          </a:xfrm>
-          <a:prstGeom prst="rect">
-            <a:avLst/>
-          </a:prstGeom>
-        </p:spPr>
-        <p:txBody>
-          <a:bodyPr lIns="0" rIns="0" tIns="0" bIns="0">
-            <a:normAutofit/>
-          </a:bodyPr>
-          <a:p>
-            <a:endParaRPr b="0" lang="pt-BR" sz="3200" spc="-1" strike="noStrike">
-              <a:latin typeface="Nimbus Sans"/>
-            </a:endParaRPr>
-          </a:p>
-        </p:txBody>
-      </p:sp>
-      <p:sp>
-        <p:nvSpPr>
-          <p:cNvPr id="249" name="PlaceHolder 3"/>
-          <p:cNvSpPr>
-            <a:spLocks noGrp="1"/>
-          </p:cNvSpPr>
-          <p:nvPr>
-            <p:ph type="body"/>
-          </p:nvPr>
-        </p:nvSpPr>
-        <p:spPr>
-          <a:xfrm>
-            <a:off x="6231960" y="1604520"/>
-            <a:ext cx="5354280" cy="3977280"/>
-          </a:xfrm>
-          <a:prstGeom prst="rect">
-            <a:avLst/>
-          </a:prstGeom>
-        </p:spPr>
-        <p:txBody>
-          <a:bodyPr lIns="0" rIns="0" tIns="0" bIns="0">
-            <a:normAutofit/>
-          </a:bodyPr>
-          <a:p>
-            <a:endParaRPr b="0" lang="pt-BR" sz="3200" spc="-1" strike="noStrike">
-              <a:latin typeface="Nimbus Sans"/>
-            </a:endParaRPr>
-          </a:p>
-        </p:txBody>
-      </p:sp>
-    </p:spTree>
-  </p:cSld>
-</p:sldLayout>
-</file>
-
-<file path=ppt/slideLayouts/slideLayout77.xml><?xml version="1.0" encoding="utf-8"?>
-<p:sldLayout xmlns:a="http://schemas.openxmlformats.org/drawingml/2006/main" xmlns:p="http://schemas.openxmlformats.org/presentationml/2006/main" xmlns:r="http://schemas.openxmlformats.org/officeDocument/2006/relationships" xmlns:p14="http://schemas.microsoft.com/office/powerpoint/2010/main" xmlns:p15="http://schemas.microsoft.com/office/powerpoint/2012/main" xmlns:mc="http://schemas.openxmlformats.org/markup-compatibility/2006" type="titleOnly" preserve="1">
-  <p:cSld name="Title Only">
-    <p:spTree>
-      <p:nvGrpSpPr>
-        <p:cNvPr id="1" name=""/>
-        <p:cNvGrpSpPr/>
-        <p:nvPr/>
-      </p:nvGrpSpPr>
-      <p:grpSpPr>
-        <a:xfrm>
-          <a:off x="0" y="0"/>
-          <a:ext cx="0" cy="0"/>
-          <a:chOff x="0" y="0"/>
-          <a:chExt cx="0" cy="0"/>
-        </a:xfrm>
-      </p:grpSpPr>
-      <p:sp>
-        <p:nvSpPr>
-          <p:cNvPr id="250" name="PlaceHolder 1"/>
-          <p:cNvSpPr>
-            <a:spLocks noGrp="1"/>
-          </p:cNvSpPr>
-          <p:nvPr>
-            <p:ph type="title"/>
-          </p:nvPr>
-        </p:nvSpPr>
-        <p:spPr>
-          <a:xfrm>
-            <a:off x="838080" y="454320"/>
-            <a:ext cx="10513800" cy="1145160"/>
-          </a:xfrm>
-          <a:prstGeom prst="rect">
-            <a:avLst/>
-          </a:prstGeom>
-        </p:spPr>
-        <p:txBody>
-          <a:bodyPr lIns="0" rIns="0" tIns="0" bIns="0" anchor="ctr">
-            <a:spAutoFit/>
-          </a:bodyPr>
-          <a:p>
-            <a:pPr algn="ctr"/>
-            <a:endParaRPr b="0" lang="pt-BR" sz="4400" spc="-1" strike="noStrike">
-              <a:latin typeface="Nimbus Sans"/>
-            </a:endParaRPr>
-          </a:p>
-        </p:txBody>
-      </p:sp>
-    </p:spTree>
-  </p:cSld>
-</p:sldLayout>
-</file>
-
-<file path=ppt/slideLayouts/slideLayout78.xml><?xml version="1.0" encoding="utf-8"?>
-<p:sldLayout xmlns:a="http://schemas.openxmlformats.org/drawingml/2006/main" xmlns:p="http://schemas.openxmlformats.org/presentationml/2006/main" xmlns:r="http://schemas.openxmlformats.org/officeDocument/2006/relationships" xmlns:p14="http://schemas.microsoft.com/office/powerpoint/2010/main" xmlns:p15="http://schemas.microsoft.com/office/powerpoint/2012/main" xmlns:mc="http://schemas.openxmlformats.org/markup-compatibility/2006" type="objOnly" preserve="1">
-  <p:cSld name="Centered Text">
-    <p:spTree>
-      <p:nvGrpSpPr>
-        <p:cNvPr id="1" name=""/>
-        <p:cNvGrpSpPr/>
-        <p:nvPr/>
-      </p:nvGrpSpPr>
-      <p:grpSpPr>
-        <a:xfrm>
-          <a:off x="0" y="0"/>
-          <a:ext cx="0" cy="0"/>
-          <a:chOff x="0" y="0"/>
-          <a:chExt cx="0" cy="0"/>
-        </a:xfrm>
-      </p:grpSpPr>
-      <p:sp>
-        <p:nvSpPr>
-          <p:cNvPr id="251" name="PlaceHolder 1"/>
-          <p:cNvSpPr>
-            <a:spLocks noGrp="1"/>
-          </p:cNvSpPr>
-          <p:nvPr>
-            <p:ph type="subTitle"/>
-          </p:nvPr>
-        </p:nvSpPr>
-        <p:spPr>
-          <a:xfrm>
-            <a:off x="838080" y="454320"/>
-            <a:ext cx="10513800" cy="5309640"/>
-          </a:xfrm>
-          <a:prstGeom prst="rect">
-            <a:avLst/>
-          </a:prstGeom>
-        </p:spPr>
-        <p:txBody>
-          <a:bodyPr lIns="0" rIns="0" tIns="0" bIns="0" anchor="ctr">
-            <a:spAutoFit/>
-          </a:bodyPr>
-          <a:p>
-            <a:pPr algn="ctr"/>
-            <a:endParaRPr b="0" lang="pt-BR" sz="3200" spc="-1" strike="noStrike">
-              <a:latin typeface="Nimbus Sans"/>
-            </a:endParaRPr>
-          </a:p>
-        </p:txBody>
-      </p:sp>
-    </p:spTree>
-  </p:cSld>
-</p:sldLayout>
-</file>
-
-<file path=ppt/slideLayouts/slideLayout79.xml><?xml version="1.0" encoding="utf-8"?>
-<p:sldLayout xmlns:a="http://schemas.openxmlformats.org/drawingml/2006/main" xmlns:p="http://schemas.openxmlformats.org/presentationml/2006/main" xmlns:r="http://schemas.openxmlformats.org/officeDocument/2006/relationships" xmlns:p14="http://schemas.microsoft.com/office/powerpoint/2010/main" xmlns:p15="http://schemas.microsoft.com/office/powerpoint/2012/main" xmlns:mc="http://schemas.openxmlformats.org/markup-compatibility/2006" type="twoObjAndObj" preserve="1">
-  <p:cSld name="Title, 2 Content and Content">
-    <p:spTree>
-      <p:nvGrpSpPr>
-        <p:cNvPr id="1" name=""/>
-        <p:cNvGrpSpPr/>
-        <p:nvPr/>
-      </p:nvGrpSpPr>
-      <p:grpSpPr>
-        <a:xfrm>
-          <a:off x="0" y="0"/>
-          <a:ext cx="0" cy="0"/>
-          <a:chOff x="0" y="0"/>
-          <a:chExt cx="0" cy="0"/>
-        </a:xfrm>
-      </p:grpSpPr>
-      <p:sp>
-        <p:nvSpPr>
-          <p:cNvPr id="252" name="PlaceHolder 1"/>
-          <p:cNvSpPr>
-            <a:spLocks noGrp="1"/>
-          </p:cNvSpPr>
-          <p:nvPr>
-            <p:ph type="title"/>
-          </p:nvPr>
-        </p:nvSpPr>
-        <p:spPr>
-          <a:xfrm>
-            <a:off x="838080" y="454320"/>
-            <a:ext cx="10513800" cy="1145160"/>
-          </a:xfrm>
-          <a:prstGeom prst="rect">
-            <a:avLst/>
-          </a:prstGeom>
-        </p:spPr>
-        <p:txBody>
-          <a:bodyPr lIns="0" rIns="0" tIns="0" bIns="0" anchor="ctr">
-            <a:spAutoFit/>
-          </a:bodyPr>
-          <a:p>
-            <a:pPr algn="ctr"/>
-            <a:endParaRPr b="0" lang="pt-BR" sz="4400" spc="-1" strike="noStrike">
-              <a:latin typeface="Nimbus Sans"/>
-            </a:endParaRPr>
-          </a:p>
-        </p:txBody>
-      </p:sp>
-      <p:sp>
-        <p:nvSpPr>
-          <p:cNvPr id="253" name="PlaceHolder 2"/>
-          <p:cNvSpPr>
-            <a:spLocks noGrp="1"/>
-          </p:cNvSpPr>
-          <p:nvPr>
-            <p:ph type="body"/>
-          </p:nvPr>
-        </p:nvSpPr>
-        <p:spPr>
-          <a:xfrm>
-            <a:off x="609480" y="1604520"/>
-            <a:ext cx="5354280" cy="1896840"/>
-          </a:xfrm>
-          <a:prstGeom prst="rect">
-            <a:avLst/>
-          </a:prstGeom>
-        </p:spPr>
-        <p:txBody>
-          <a:bodyPr lIns="0" rIns="0" tIns="0" bIns="0">
-            <a:normAutofit/>
-          </a:bodyPr>
-          <a:p>
-            <a:endParaRPr b="0" lang="pt-BR" sz="3200" spc="-1" strike="noStrike">
-              <a:latin typeface="Nimbus Sans"/>
-            </a:endParaRPr>
-          </a:p>
-        </p:txBody>
-      </p:sp>
-      <p:sp>
-        <p:nvSpPr>
-          <p:cNvPr id="254" name="PlaceHolder 3"/>
-          <p:cNvSpPr>
-            <a:spLocks noGrp="1"/>
-          </p:cNvSpPr>
-          <p:nvPr>
-            <p:ph type="body"/>
-          </p:nvPr>
-        </p:nvSpPr>
-        <p:spPr>
-          <a:xfrm>
-            <a:off x="6231960" y="1604520"/>
-            <a:ext cx="5354280" cy="3977280"/>
-          </a:xfrm>
-          <a:prstGeom prst="rect">
-            <a:avLst/>
-          </a:prstGeom>
-        </p:spPr>
-        <p:txBody>
-          <a:bodyPr lIns="0" rIns="0" tIns="0" bIns="0">
-            <a:normAutofit/>
-          </a:bodyPr>
-          <a:p>
-            <a:endParaRPr b="0" lang="pt-BR" sz="3200" spc="-1" strike="noStrike">
-              <a:latin typeface="Nimbus Sans"/>
-            </a:endParaRPr>
-          </a:p>
-        </p:txBody>
-      </p:sp>
-      <p:sp>
-        <p:nvSpPr>
-          <p:cNvPr id="255" name="PlaceHolder 4"/>
-          <p:cNvSpPr>
-            <a:spLocks noGrp="1"/>
-          </p:cNvSpPr>
-          <p:nvPr>
-            <p:ph type="body"/>
-          </p:nvPr>
-        </p:nvSpPr>
-        <p:spPr>
-          <a:xfrm>
-            <a:off x="609480" y="3682080"/>
-            <a:ext cx="5354280" cy="1896840"/>
           </a:xfrm>
           <a:prstGeom prst="rect">
             <a:avLst/>
@@ -9685,7 +9629,7 @@
         <p:spPr>
           <a:xfrm>
             <a:off x="838080" y="454320"/>
-            <a:ext cx="10513800" cy="1145160"/>
+            <a:ext cx="10513440" cy="1145160"/>
           </a:xfrm>
           <a:prstGeom prst="rect">
             <a:avLst/>
@@ -9777,811 +9721,6 @@
           <a:xfrm>
             <a:off x="6231960" y="3682080"/>
             <a:ext cx="5354280" cy="1896840"/>
-          </a:xfrm>
-          <a:prstGeom prst="rect">
-            <a:avLst/>
-          </a:prstGeom>
-        </p:spPr>
-        <p:txBody>
-          <a:bodyPr lIns="0" rIns="0" tIns="0" bIns="0">
-            <a:normAutofit/>
-          </a:bodyPr>
-          <a:p>
-            <a:endParaRPr b="0" lang="pt-BR" sz="3200" spc="-1" strike="noStrike">
-              <a:latin typeface="Nimbus Sans"/>
-            </a:endParaRPr>
-          </a:p>
-        </p:txBody>
-      </p:sp>
-    </p:spTree>
-  </p:cSld>
-</p:sldLayout>
-</file>
-
-<file path=ppt/slideLayouts/slideLayout80.xml><?xml version="1.0" encoding="utf-8"?>
-<p:sldLayout xmlns:a="http://schemas.openxmlformats.org/drawingml/2006/main" xmlns:p="http://schemas.openxmlformats.org/presentationml/2006/main" xmlns:r="http://schemas.openxmlformats.org/officeDocument/2006/relationships" xmlns:p14="http://schemas.microsoft.com/office/powerpoint/2010/main" xmlns:p15="http://schemas.microsoft.com/office/powerpoint/2012/main" xmlns:mc="http://schemas.openxmlformats.org/markup-compatibility/2006" type="objAndTwoObj" preserve="1">
-  <p:cSld name="Title Content and 2 Content">
-    <p:spTree>
-      <p:nvGrpSpPr>
-        <p:cNvPr id="1" name=""/>
-        <p:cNvGrpSpPr/>
-        <p:nvPr/>
-      </p:nvGrpSpPr>
-      <p:grpSpPr>
-        <a:xfrm>
-          <a:off x="0" y="0"/>
-          <a:ext cx="0" cy="0"/>
-          <a:chOff x="0" y="0"/>
-          <a:chExt cx="0" cy="0"/>
-        </a:xfrm>
-      </p:grpSpPr>
-      <p:sp>
-        <p:nvSpPr>
-          <p:cNvPr id="256" name="PlaceHolder 1"/>
-          <p:cNvSpPr>
-            <a:spLocks noGrp="1"/>
-          </p:cNvSpPr>
-          <p:nvPr>
-            <p:ph type="title"/>
-          </p:nvPr>
-        </p:nvSpPr>
-        <p:spPr>
-          <a:xfrm>
-            <a:off x="838080" y="454320"/>
-            <a:ext cx="10513800" cy="1145160"/>
-          </a:xfrm>
-          <a:prstGeom prst="rect">
-            <a:avLst/>
-          </a:prstGeom>
-        </p:spPr>
-        <p:txBody>
-          <a:bodyPr lIns="0" rIns="0" tIns="0" bIns="0" anchor="ctr">
-            <a:spAutoFit/>
-          </a:bodyPr>
-          <a:p>
-            <a:pPr algn="ctr"/>
-            <a:endParaRPr b="0" lang="pt-BR" sz="4400" spc="-1" strike="noStrike">
-              <a:latin typeface="Nimbus Sans"/>
-            </a:endParaRPr>
-          </a:p>
-        </p:txBody>
-      </p:sp>
-      <p:sp>
-        <p:nvSpPr>
-          <p:cNvPr id="257" name="PlaceHolder 2"/>
-          <p:cNvSpPr>
-            <a:spLocks noGrp="1"/>
-          </p:cNvSpPr>
-          <p:nvPr>
-            <p:ph type="body"/>
-          </p:nvPr>
-        </p:nvSpPr>
-        <p:spPr>
-          <a:xfrm>
-            <a:off x="609480" y="1604520"/>
-            <a:ext cx="5354280" cy="3977280"/>
-          </a:xfrm>
-          <a:prstGeom prst="rect">
-            <a:avLst/>
-          </a:prstGeom>
-        </p:spPr>
-        <p:txBody>
-          <a:bodyPr lIns="0" rIns="0" tIns="0" bIns="0">
-            <a:normAutofit/>
-          </a:bodyPr>
-          <a:p>
-            <a:endParaRPr b="0" lang="pt-BR" sz="3200" spc="-1" strike="noStrike">
-              <a:latin typeface="Nimbus Sans"/>
-            </a:endParaRPr>
-          </a:p>
-        </p:txBody>
-      </p:sp>
-      <p:sp>
-        <p:nvSpPr>
-          <p:cNvPr id="258" name="PlaceHolder 3"/>
-          <p:cNvSpPr>
-            <a:spLocks noGrp="1"/>
-          </p:cNvSpPr>
-          <p:nvPr>
-            <p:ph type="body"/>
-          </p:nvPr>
-        </p:nvSpPr>
-        <p:spPr>
-          <a:xfrm>
-            <a:off x="6231960" y="1604520"/>
-            <a:ext cx="5354280" cy="1896840"/>
-          </a:xfrm>
-          <a:prstGeom prst="rect">
-            <a:avLst/>
-          </a:prstGeom>
-        </p:spPr>
-        <p:txBody>
-          <a:bodyPr lIns="0" rIns="0" tIns="0" bIns="0">
-            <a:normAutofit/>
-          </a:bodyPr>
-          <a:p>
-            <a:endParaRPr b="0" lang="pt-BR" sz="3200" spc="-1" strike="noStrike">
-              <a:latin typeface="Nimbus Sans"/>
-            </a:endParaRPr>
-          </a:p>
-        </p:txBody>
-      </p:sp>
-      <p:sp>
-        <p:nvSpPr>
-          <p:cNvPr id="259" name="PlaceHolder 4"/>
-          <p:cNvSpPr>
-            <a:spLocks noGrp="1"/>
-          </p:cNvSpPr>
-          <p:nvPr>
-            <p:ph type="body"/>
-          </p:nvPr>
-        </p:nvSpPr>
-        <p:spPr>
-          <a:xfrm>
-            <a:off x="6231960" y="3682080"/>
-            <a:ext cx="5354280" cy="1896840"/>
-          </a:xfrm>
-          <a:prstGeom prst="rect">
-            <a:avLst/>
-          </a:prstGeom>
-        </p:spPr>
-        <p:txBody>
-          <a:bodyPr lIns="0" rIns="0" tIns="0" bIns="0">
-            <a:normAutofit/>
-          </a:bodyPr>
-          <a:p>
-            <a:endParaRPr b="0" lang="pt-BR" sz="3200" spc="-1" strike="noStrike">
-              <a:latin typeface="Nimbus Sans"/>
-            </a:endParaRPr>
-          </a:p>
-        </p:txBody>
-      </p:sp>
-    </p:spTree>
-  </p:cSld>
-</p:sldLayout>
-</file>
-
-<file path=ppt/slideLayouts/slideLayout81.xml><?xml version="1.0" encoding="utf-8"?>
-<p:sldLayout xmlns:a="http://schemas.openxmlformats.org/drawingml/2006/main" xmlns:p="http://schemas.openxmlformats.org/presentationml/2006/main" xmlns:r="http://schemas.openxmlformats.org/officeDocument/2006/relationships" xmlns:p14="http://schemas.microsoft.com/office/powerpoint/2010/main" xmlns:p15="http://schemas.microsoft.com/office/powerpoint/2012/main" xmlns:mc="http://schemas.openxmlformats.org/markup-compatibility/2006" type="twoObjOverTx" preserve="1">
-  <p:cSld name="Title, 2 Content over Content">
-    <p:spTree>
-      <p:nvGrpSpPr>
-        <p:cNvPr id="1" name=""/>
-        <p:cNvGrpSpPr/>
-        <p:nvPr/>
-      </p:nvGrpSpPr>
-      <p:grpSpPr>
-        <a:xfrm>
-          <a:off x="0" y="0"/>
-          <a:ext cx="0" cy="0"/>
-          <a:chOff x="0" y="0"/>
-          <a:chExt cx="0" cy="0"/>
-        </a:xfrm>
-      </p:grpSpPr>
-      <p:sp>
-        <p:nvSpPr>
-          <p:cNvPr id="260" name="PlaceHolder 1"/>
-          <p:cNvSpPr>
-            <a:spLocks noGrp="1"/>
-          </p:cNvSpPr>
-          <p:nvPr>
-            <p:ph type="title"/>
-          </p:nvPr>
-        </p:nvSpPr>
-        <p:spPr>
-          <a:xfrm>
-            <a:off x="838080" y="454320"/>
-            <a:ext cx="10513800" cy="1145160"/>
-          </a:xfrm>
-          <a:prstGeom prst="rect">
-            <a:avLst/>
-          </a:prstGeom>
-        </p:spPr>
-        <p:txBody>
-          <a:bodyPr lIns="0" rIns="0" tIns="0" bIns="0" anchor="ctr">
-            <a:spAutoFit/>
-          </a:bodyPr>
-          <a:p>
-            <a:pPr algn="ctr"/>
-            <a:endParaRPr b="0" lang="pt-BR" sz="4400" spc="-1" strike="noStrike">
-              <a:latin typeface="Nimbus Sans"/>
-            </a:endParaRPr>
-          </a:p>
-        </p:txBody>
-      </p:sp>
-      <p:sp>
-        <p:nvSpPr>
-          <p:cNvPr id="261" name="PlaceHolder 2"/>
-          <p:cNvSpPr>
-            <a:spLocks noGrp="1"/>
-          </p:cNvSpPr>
-          <p:nvPr>
-            <p:ph type="body"/>
-          </p:nvPr>
-        </p:nvSpPr>
-        <p:spPr>
-          <a:xfrm>
-            <a:off x="609480" y="1604520"/>
-            <a:ext cx="5354280" cy="1896840"/>
-          </a:xfrm>
-          <a:prstGeom prst="rect">
-            <a:avLst/>
-          </a:prstGeom>
-        </p:spPr>
-        <p:txBody>
-          <a:bodyPr lIns="0" rIns="0" tIns="0" bIns="0">
-            <a:normAutofit/>
-          </a:bodyPr>
-          <a:p>
-            <a:endParaRPr b="0" lang="pt-BR" sz="3200" spc="-1" strike="noStrike">
-              <a:latin typeface="Nimbus Sans"/>
-            </a:endParaRPr>
-          </a:p>
-        </p:txBody>
-      </p:sp>
-      <p:sp>
-        <p:nvSpPr>
-          <p:cNvPr id="262" name="PlaceHolder 3"/>
-          <p:cNvSpPr>
-            <a:spLocks noGrp="1"/>
-          </p:cNvSpPr>
-          <p:nvPr>
-            <p:ph type="body"/>
-          </p:nvPr>
-        </p:nvSpPr>
-        <p:spPr>
-          <a:xfrm>
-            <a:off x="6231960" y="1604520"/>
-            <a:ext cx="5354280" cy="1896840"/>
-          </a:xfrm>
-          <a:prstGeom prst="rect">
-            <a:avLst/>
-          </a:prstGeom>
-        </p:spPr>
-        <p:txBody>
-          <a:bodyPr lIns="0" rIns="0" tIns="0" bIns="0">
-            <a:normAutofit/>
-          </a:bodyPr>
-          <a:p>
-            <a:endParaRPr b="0" lang="pt-BR" sz="3200" spc="-1" strike="noStrike">
-              <a:latin typeface="Nimbus Sans"/>
-            </a:endParaRPr>
-          </a:p>
-        </p:txBody>
-      </p:sp>
-      <p:sp>
-        <p:nvSpPr>
-          <p:cNvPr id="263" name="PlaceHolder 4"/>
-          <p:cNvSpPr>
-            <a:spLocks noGrp="1"/>
-          </p:cNvSpPr>
-          <p:nvPr>
-            <p:ph type="body"/>
-          </p:nvPr>
-        </p:nvSpPr>
-        <p:spPr>
-          <a:xfrm>
-            <a:off x="609480" y="3682080"/>
-            <a:ext cx="10972440" cy="1896840"/>
-          </a:xfrm>
-          <a:prstGeom prst="rect">
-            <a:avLst/>
-          </a:prstGeom>
-        </p:spPr>
-        <p:txBody>
-          <a:bodyPr lIns="0" rIns="0" tIns="0" bIns="0">
-            <a:normAutofit/>
-          </a:bodyPr>
-          <a:p>
-            <a:endParaRPr b="0" lang="pt-BR" sz="3200" spc="-1" strike="noStrike">
-              <a:latin typeface="Nimbus Sans"/>
-            </a:endParaRPr>
-          </a:p>
-        </p:txBody>
-      </p:sp>
-    </p:spTree>
-  </p:cSld>
-</p:sldLayout>
-</file>
-
-<file path=ppt/slideLayouts/slideLayout82.xml><?xml version="1.0" encoding="utf-8"?>
-<p:sldLayout xmlns:a="http://schemas.openxmlformats.org/drawingml/2006/main" xmlns:p="http://schemas.openxmlformats.org/presentationml/2006/main" xmlns:r="http://schemas.openxmlformats.org/officeDocument/2006/relationships" xmlns:p14="http://schemas.microsoft.com/office/powerpoint/2010/main" xmlns:p15="http://schemas.microsoft.com/office/powerpoint/2012/main" xmlns:mc="http://schemas.openxmlformats.org/markup-compatibility/2006" type="objOverTx" preserve="1">
-  <p:cSld name="Title, Content over Content">
-    <p:spTree>
-      <p:nvGrpSpPr>
-        <p:cNvPr id="1" name=""/>
-        <p:cNvGrpSpPr/>
-        <p:nvPr/>
-      </p:nvGrpSpPr>
-      <p:grpSpPr>
-        <a:xfrm>
-          <a:off x="0" y="0"/>
-          <a:ext cx="0" cy="0"/>
-          <a:chOff x="0" y="0"/>
-          <a:chExt cx="0" cy="0"/>
-        </a:xfrm>
-      </p:grpSpPr>
-      <p:sp>
-        <p:nvSpPr>
-          <p:cNvPr id="264" name="PlaceHolder 1"/>
-          <p:cNvSpPr>
-            <a:spLocks noGrp="1"/>
-          </p:cNvSpPr>
-          <p:nvPr>
-            <p:ph type="title"/>
-          </p:nvPr>
-        </p:nvSpPr>
-        <p:spPr>
-          <a:xfrm>
-            <a:off x="838080" y="454320"/>
-            <a:ext cx="10513800" cy="1145160"/>
-          </a:xfrm>
-          <a:prstGeom prst="rect">
-            <a:avLst/>
-          </a:prstGeom>
-        </p:spPr>
-        <p:txBody>
-          <a:bodyPr lIns="0" rIns="0" tIns="0" bIns="0" anchor="ctr">
-            <a:spAutoFit/>
-          </a:bodyPr>
-          <a:p>
-            <a:pPr algn="ctr"/>
-            <a:endParaRPr b="0" lang="pt-BR" sz="4400" spc="-1" strike="noStrike">
-              <a:latin typeface="Nimbus Sans"/>
-            </a:endParaRPr>
-          </a:p>
-        </p:txBody>
-      </p:sp>
-      <p:sp>
-        <p:nvSpPr>
-          <p:cNvPr id="265" name="PlaceHolder 2"/>
-          <p:cNvSpPr>
-            <a:spLocks noGrp="1"/>
-          </p:cNvSpPr>
-          <p:nvPr>
-            <p:ph type="body"/>
-          </p:nvPr>
-        </p:nvSpPr>
-        <p:spPr>
-          <a:xfrm>
-            <a:off x="609480" y="1604520"/>
-            <a:ext cx="10972440" cy="1896840"/>
-          </a:xfrm>
-          <a:prstGeom prst="rect">
-            <a:avLst/>
-          </a:prstGeom>
-        </p:spPr>
-        <p:txBody>
-          <a:bodyPr lIns="0" rIns="0" tIns="0" bIns="0">
-            <a:normAutofit/>
-          </a:bodyPr>
-          <a:p>
-            <a:endParaRPr b="0" lang="pt-BR" sz="3200" spc="-1" strike="noStrike">
-              <a:latin typeface="Nimbus Sans"/>
-            </a:endParaRPr>
-          </a:p>
-        </p:txBody>
-      </p:sp>
-      <p:sp>
-        <p:nvSpPr>
-          <p:cNvPr id="266" name="PlaceHolder 3"/>
-          <p:cNvSpPr>
-            <a:spLocks noGrp="1"/>
-          </p:cNvSpPr>
-          <p:nvPr>
-            <p:ph type="body"/>
-          </p:nvPr>
-        </p:nvSpPr>
-        <p:spPr>
-          <a:xfrm>
-            <a:off x="609480" y="3682080"/>
-            <a:ext cx="10972440" cy="1896840"/>
-          </a:xfrm>
-          <a:prstGeom prst="rect">
-            <a:avLst/>
-          </a:prstGeom>
-        </p:spPr>
-        <p:txBody>
-          <a:bodyPr lIns="0" rIns="0" tIns="0" bIns="0">
-            <a:normAutofit/>
-          </a:bodyPr>
-          <a:p>
-            <a:endParaRPr b="0" lang="pt-BR" sz="3200" spc="-1" strike="noStrike">
-              <a:latin typeface="Nimbus Sans"/>
-            </a:endParaRPr>
-          </a:p>
-        </p:txBody>
-      </p:sp>
-    </p:spTree>
-  </p:cSld>
-</p:sldLayout>
-</file>
-
-<file path=ppt/slideLayouts/slideLayout83.xml><?xml version="1.0" encoding="utf-8"?>
-<p:sldLayout xmlns:a="http://schemas.openxmlformats.org/drawingml/2006/main" xmlns:p="http://schemas.openxmlformats.org/presentationml/2006/main" xmlns:r="http://schemas.openxmlformats.org/officeDocument/2006/relationships" xmlns:p14="http://schemas.microsoft.com/office/powerpoint/2010/main" xmlns:p15="http://schemas.microsoft.com/office/powerpoint/2012/main" xmlns:mc="http://schemas.openxmlformats.org/markup-compatibility/2006" type="fourObj" preserve="1">
-  <p:cSld name="Title, 4 Content">
-    <p:spTree>
-      <p:nvGrpSpPr>
-        <p:cNvPr id="1" name=""/>
-        <p:cNvGrpSpPr/>
-        <p:nvPr/>
-      </p:nvGrpSpPr>
-      <p:grpSpPr>
-        <a:xfrm>
-          <a:off x="0" y="0"/>
-          <a:ext cx="0" cy="0"/>
-          <a:chOff x="0" y="0"/>
-          <a:chExt cx="0" cy="0"/>
-        </a:xfrm>
-      </p:grpSpPr>
-      <p:sp>
-        <p:nvSpPr>
-          <p:cNvPr id="267" name="PlaceHolder 1"/>
-          <p:cNvSpPr>
-            <a:spLocks noGrp="1"/>
-          </p:cNvSpPr>
-          <p:nvPr>
-            <p:ph type="title"/>
-          </p:nvPr>
-        </p:nvSpPr>
-        <p:spPr>
-          <a:xfrm>
-            <a:off x="838080" y="454320"/>
-            <a:ext cx="10513800" cy="1145160"/>
-          </a:xfrm>
-          <a:prstGeom prst="rect">
-            <a:avLst/>
-          </a:prstGeom>
-        </p:spPr>
-        <p:txBody>
-          <a:bodyPr lIns="0" rIns="0" tIns="0" bIns="0" anchor="ctr">
-            <a:spAutoFit/>
-          </a:bodyPr>
-          <a:p>
-            <a:pPr algn="ctr"/>
-            <a:endParaRPr b="0" lang="pt-BR" sz="4400" spc="-1" strike="noStrike">
-              <a:latin typeface="Nimbus Sans"/>
-            </a:endParaRPr>
-          </a:p>
-        </p:txBody>
-      </p:sp>
-      <p:sp>
-        <p:nvSpPr>
-          <p:cNvPr id="268" name="PlaceHolder 2"/>
-          <p:cNvSpPr>
-            <a:spLocks noGrp="1"/>
-          </p:cNvSpPr>
-          <p:nvPr>
-            <p:ph type="body"/>
-          </p:nvPr>
-        </p:nvSpPr>
-        <p:spPr>
-          <a:xfrm>
-            <a:off x="609480" y="1604520"/>
-            <a:ext cx="5354280" cy="1896840"/>
-          </a:xfrm>
-          <a:prstGeom prst="rect">
-            <a:avLst/>
-          </a:prstGeom>
-        </p:spPr>
-        <p:txBody>
-          <a:bodyPr lIns="0" rIns="0" tIns="0" bIns="0">
-            <a:normAutofit/>
-          </a:bodyPr>
-          <a:p>
-            <a:endParaRPr b="0" lang="pt-BR" sz="3200" spc="-1" strike="noStrike">
-              <a:latin typeface="Nimbus Sans"/>
-            </a:endParaRPr>
-          </a:p>
-        </p:txBody>
-      </p:sp>
-      <p:sp>
-        <p:nvSpPr>
-          <p:cNvPr id="269" name="PlaceHolder 3"/>
-          <p:cNvSpPr>
-            <a:spLocks noGrp="1"/>
-          </p:cNvSpPr>
-          <p:nvPr>
-            <p:ph type="body"/>
-          </p:nvPr>
-        </p:nvSpPr>
-        <p:spPr>
-          <a:xfrm>
-            <a:off x="6231960" y="1604520"/>
-            <a:ext cx="5354280" cy="1896840"/>
-          </a:xfrm>
-          <a:prstGeom prst="rect">
-            <a:avLst/>
-          </a:prstGeom>
-        </p:spPr>
-        <p:txBody>
-          <a:bodyPr lIns="0" rIns="0" tIns="0" bIns="0">
-            <a:normAutofit/>
-          </a:bodyPr>
-          <a:p>
-            <a:endParaRPr b="0" lang="pt-BR" sz="3200" spc="-1" strike="noStrike">
-              <a:latin typeface="Nimbus Sans"/>
-            </a:endParaRPr>
-          </a:p>
-        </p:txBody>
-      </p:sp>
-      <p:sp>
-        <p:nvSpPr>
-          <p:cNvPr id="270" name="PlaceHolder 4"/>
-          <p:cNvSpPr>
-            <a:spLocks noGrp="1"/>
-          </p:cNvSpPr>
-          <p:nvPr>
-            <p:ph type="body"/>
-          </p:nvPr>
-        </p:nvSpPr>
-        <p:spPr>
-          <a:xfrm>
-            <a:off x="609480" y="3682080"/>
-            <a:ext cx="5354280" cy="1896840"/>
-          </a:xfrm>
-          <a:prstGeom prst="rect">
-            <a:avLst/>
-          </a:prstGeom>
-        </p:spPr>
-        <p:txBody>
-          <a:bodyPr lIns="0" rIns="0" tIns="0" bIns="0">
-            <a:normAutofit/>
-          </a:bodyPr>
-          <a:p>
-            <a:endParaRPr b="0" lang="pt-BR" sz="3200" spc="-1" strike="noStrike">
-              <a:latin typeface="Nimbus Sans"/>
-            </a:endParaRPr>
-          </a:p>
-        </p:txBody>
-      </p:sp>
-      <p:sp>
-        <p:nvSpPr>
-          <p:cNvPr id="271" name="PlaceHolder 5"/>
-          <p:cNvSpPr>
-            <a:spLocks noGrp="1"/>
-          </p:cNvSpPr>
-          <p:nvPr>
-            <p:ph type="body"/>
-          </p:nvPr>
-        </p:nvSpPr>
-        <p:spPr>
-          <a:xfrm>
-            <a:off x="6231960" y="3682080"/>
-            <a:ext cx="5354280" cy="1896840"/>
-          </a:xfrm>
-          <a:prstGeom prst="rect">
-            <a:avLst/>
-          </a:prstGeom>
-        </p:spPr>
-        <p:txBody>
-          <a:bodyPr lIns="0" rIns="0" tIns="0" bIns="0">
-            <a:normAutofit/>
-          </a:bodyPr>
-          <a:p>
-            <a:endParaRPr b="0" lang="pt-BR" sz="3200" spc="-1" strike="noStrike">
-              <a:latin typeface="Nimbus Sans"/>
-            </a:endParaRPr>
-          </a:p>
-        </p:txBody>
-      </p:sp>
-    </p:spTree>
-  </p:cSld>
-</p:sldLayout>
-</file>
-
-<file path=ppt/slideLayouts/slideLayout84.xml><?xml version="1.0" encoding="utf-8"?>
-<p:sldLayout xmlns:a="http://schemas.openxmlformats.org/drawingml/2006/main" xmlns:p="http://schemas.openxmlformats.org/presentationml/2006/main" xmlns:r="http://schemas.openxmlformats.org/officeDocument/2006/relationships" xmlns:p14="http://schemas.microsoft.com/office/powerpoint/2010/main" xmlns:p15="http://schemas.microsoft.com/office/powerpoint/2012/main" xmlns:mc="http://schemas.openxmlformats.org/markup-compatibility/2006" type="blank" preserve="1">
-  <p:cSld name="Title, 6 Content">
-    <p:spTree>
-      <p:nvGrpSpPr>
-        <p:cNvPr id="1" name=""/>
-        <p:cNvGrpSpPr/>
-        <p:nvPr/>
-      </p:nvGrpSpPr>
-      <p:grpSpPr>
-        <a:xfrm>
-          <a:off x="0" y="0"/>
-          <a:ext cx="0" cy="0"/>
-          <a:chOff x="0" y="0"/>
-          <a:chExt cx="0" cy="0"/>
-        </a:xfrm>
-      </p:grpSpPr>
-      <p:sp>
-        <p:nvSpPr>
-          <p:cNvPr id="272" name="PlaceHolder 1"/>
-          <p:cNvSpPr>
-            <a:spLocks noGrp="1"/>
-          </p:cNvSpPr>
-          <p:nvPr>
-            <p:ph type="title"/>
-          </p:nvPr>
-        </p:nvSpPr>
-        <p:spPr>
-          <a:xfrm>
-            <a:off x="838080" y="454320"/>
-            <a:ext cx="10513800" cy="1145160"/>
-          </a:xfrm>
-          <a:prstGeom prst="rect">
-            <a:avLst/>
-          </a:prstGeom>
-        </p:spPr>
-        <p:txBody>
-          <a:bodyPr lIns="0" rIns="0" tIns="0" bIns="0" anchor="ctr">
-            <a:spAutoFit/>
-          </a:bodyPr>
-          <a:p>
-            <a:pPr algn="ctr"/>
-            <a:endParaRPr b="0" lang="pt-BR" sz="4400" spc="-1" strike="noStrike">
-              <a:latin typeface="Nimbus Sans"/>
-            </a:endParaRPr>
-          </a:p>
-        </p:txBody>
-      </p:sp>
-      <p:sp>
-        <p:nvSpPr>
-          <p:cNvPr id="273" name="PlaceHolder 2"/>
-          <p:cNvSpPr>
-            <a:spLocks noGrp="1"/>
-          </p:cNvSpPr>
-          <p:nvPr>
-            <p:ph type="body"/>
-          </p:nvPr>
-        </p:nvSpPr>
-        <p:spPr>
-          <a:xfrm>
-            <a:off x="609480" y="1604520"/>
-            <a:ext cx="3533040" cy="1896840"/>
-          </a:xfrm>
-          <a:prstGeom prst="rect">
-            <a:avLst/>
-          </a:prstGeom>
-        </p:spPr>
-        <p:txBody>
-          <a:bodyPr lIns="0" rIns="0" tIns="0" bIns="0">
-            <a:normAutofit/>
-          </a:bodyPr>
-          <a:p>
-            <a:endParaRPr b="0" lang="pt-BR" sz="3200" spc="-1" strike="noStrike">
-              <a:latin typeface="Nimbus Sans"/>
-            </a:endParaRPr>
-          </a:p>
-        </p:txBody>
-      </p:sp>
-      <p:sp>
-        <p:nvSpPr>
-          <p:cNvPr id="274" name="PlaceHolder 3"/>
-          <p:cNvSpPr>
-            <a:spLocks noGrp="1"/>
-          </p:cNvSpPr>
-          <p:nvPr>
-            <p:ph type="body"/>
-          </p:nvPr>
-        </p:nvSpPr>
-        <p:spPr>
-          <a:xfrm>
-            <a:off x="4319640" y="1604520"/>
-            <a:ext cx="3533040" cy="1896840"/>
-          </a:xfrm>
-          <a:prstGeom prst="rect">
-            <a:avLst/>
-          </a:prstGeom>
-        </p:spPr>
-        <p:txBody>
-          <a:bodyPr lIns="0" rIns="0" tIns="0" bIns="0">
-            <a:normAutofit/>
-          </a:bodyPr>
-          <a:p>
-            <a:endParaRPr b="0" lang="pt-BR" sz="3200" spc="-1" strike="noStrike">
-              <a:latin typeface="Nimbus Sans"/>
-            </a:endParaRPr>
-          </a:p>
-        </p:txBody>
-      </p:sp>
-      <p:sp>
-        <p:nvSpPr>
-          <p:cNvPr id="275" name="PlaceHolder 4"/>
-          <p:cNvSpPr>
-            <a:spLocks noGrp="1"/>
-          </p:cNvSpPr>
-          <p:nvPr>
-            <p:ph type="body"/>
-          </p:nvPr>
-        </p:nvSpPr>
-        <p:spPr>
-          <a:xfrm>
-            <a:off x="8029800" y="1604520"/>
-            <a:ext cx="3533040" cy="1896840"/>
-          </a:xfrm>
-          <a:prstGeom prst="rect">
-            <a:avLst/>
-          </a:prstGeom>
-        </p:spPr>
-        <p:txBody>
-          <a:bodyPr lIns="0" rIns="0" tIns="0" bIns="0">
-            <a:normAutofit/>
-          </a:bodyPr>
-          <a:p>
-            <a:endParaRPr b="0" lang="pt-BR" sz="3200" spc="-1" strike="noStrike">
-              <a:latin typeface="Nimbus Sans"/>
-            </a:endParaRPr>
-          </a:p>
-        </p:txBody>
-      </p:sp>
-      <p:sp>
-        <p:nvSpPr>
-          <p:cNvPr id="276" name="PlaceHolder 5"/>
-          <p:cNvSpPr>
-            <a:spLocks noGrp="1"/>
-          </p:cNvSpPr>
-          <p:nvPr>
-            <p:ph type="body"/>
-          </p:nvPr>
-        </p:nvSpPr>
-        <p:spPr>
-          <a:xfrm>
-            <a:off x="609480" y="3682080"/>
-            <a:ext cx="3533040" cy="1896840"/>
-          </a:xfrm>
-          <a:prstGeom prst="rect">
-            <a:avLst/>
-          </a:prstGeom>
-        </p:spPr>
-        <p:txBody>
-          <a:bodyPr lIns="0" rIns="0" tIns="0" bIns="0">
-            <a:normAutofit/>
-          </a:bodyPr>
-          <a:p>
-            <a:endParaRPr b="0" lang="pt-BR" sz="3200" spc="-1" strike="noStrike">
-              <a:latin typeface="Nimbus Sans"/>
-            </a:endParaRPr>
-          </a:p>
-        </p:txBody>
-      </p:sp>
-      <p:sp>
-        <p:nvSpPr>
-          <p:cNvPr id="277" name="PlaceHolder 6"/>
-          <p:cNvSpPr>
-            <a:spLocks noGrp="1"/>
-          </p:cNvSpPr>
-          <p:nvPr>
-            <p:ph type="body"/>
-          </p:nvPr>
-        </p:nvSpPr>
-        <p:spPr>
-          <a:xfrm>
-            <a:off x="4319640" y="3682080"/>
-            <a:ext cx="3533040" cy="1896840"/>
-          </a:xfrm>
-          <a:prstGeom prst="rect">
-            <a:avLst/>
-          </a:prstGeom>
-        </p:spPr>
-        <p:txBody>
-          <a:bodyPr lIns="0" rIns="0" tIns="0" bIns="0">
-            <a:normAutofit/>
-          </a:bodyPr>
-          <a:p>
-            <a:endParaRPr b="0" lang="pt-BR" sz="3200" spc="-1" strike="noStrike">
-              <a:latin typeface="Nimbus Sans"/>
-            </a:endParaRPr>
-          </a:p>
-        </p:txBody>
-      </p:sp>
-      <p:sp>
-        <p:nvSpPr>
-          <p:cNvPr id="278" name="PlaceHolder 7"/>
-          <p:cNvSpPr>
-            <a:spLocks noGrp="1"/>
-          </p:cNvSpPr>
-          <p:nvPr>
-            <p:ph type="body"/>
-          </p:nvPr>
-        </p:nvSpPr>
-        <p:spPr>
-          <a:xfrm>
-            <a:off x="8029800" y="3682080"/>
-            <a:ext cx="3533040" cy="1896840"/>
           </a:xfrm>
           <a:prstGeom prst="rect">
             <a:avLst/>
@@ -10633,7 +9772,7 @@
         <p:spPr>
           <a:xfrm>
             <a:off x="838080" y="454320"/>
-            <a:ext cx="10513800" cy="1145160"/>
+            <a:ext cx="10513440" cy="1145160"/>
           </a:xfrm>
           <a:prstGeom prst="rect">
             <a:avLst/>
@@ -10779,7 +9918,7 @@
         <p:spPr>
           <a:xfrm>
             <a:off x="11562120" y="6227280"/>
-            <a:ext cx="264600" cy="264600"/>
+            <a:ext cx="264240" cy="264240"/>
           </a:xfrm>
           <a:prstGeom prst="ellipse">
             <a:avLst/>
@@ -11075,7 +10214,7 @@
         <p:spPr>
           <a:xfrm>
             <a:off x="11562120" y="6227280"/>
-            <a:ext cx="264600" cy="264600"/>
+            <a:ext cx="264240" cy="264240"/>
           </a:xfrm>
           <a:prstGeom prst="ellipse">
             <a:avLst/>
@@ -11115,7 +10254,7 @@
         <p:spPr>
           <a:xfrm>
             <a:off x="838080" y="454320"/>
-            <a:ext cx="10513800" cy="1145160"/>
+            <a:ext cx="10513440" cy="1145160"/>
           </a:xfrm>
           <a:prstGeom prst="rect">
             <a:avLst/>
@@ -11370,7 +10509,7 @@
         <p:spPr>
           <a:xfrm>
             <a:off x="11562120" y="6227280"/>
-            <a:ext cx="264600" cy="264600"/>
+            <a:ext cx="264240" cy="264240"/>
           </a:xfrm>
           <a:prstGeom prst="ellipse">
             <a:avLst/>
@@ -11666,7 +10805,7 @@
         <p:spPr>
           <a:xfrm>
             <a:off x="11562120" y="6227280"/>
-            <a:ext cx="264600" cy="264600"/>
+            <a:ext cx="264240" cy="264240"/>
           </a:xfrm>
           <a:prstGeom prst="ellipse">
             <a:avLst/>
@@ -11701,46 +10840,31 @@
         </p:nvSpPr>
         <p:spPr>
           <a:xfrm>
-            <a:off x="2520" y="1999800"/>
-            <a:ext cx="12187800" cy="1113840"/>
-          </a:xfrm>
-          <a:custGeom>
-            <a:avLst/>
-            <a:gdLst/>
-            <a:ahLst/>
-            <a:rect l="l" t="t" r="r" b="b"/>
-            <a:pathLst>
-              <a:path w="12189460" h="6858000">
-                <a:moveTo>
-                  <a:pt x="0" y="6858000"/>
-                </a:moveTo>
-                <a:lnTo>
-                  <a:pt x="12188952" y="6858000"/>
-                </a:lnTo>
-                <a:lnTo>
-                  <a:pt x="12188952" y="0"/>
-                </a:lnTo>
-                <a:lnTo>
-                  <a:pt x="0" y="0"/>
-                </a:lnTo>
-                <a:lnTo>
-                  <a:pt x="0" y="6858000"/>
-                </a:lnTo>
-                <a:close/>
-              </a:path>
-            </a:pathLst>
-          </a:custGeom>
+            <a:off x="11562120" y="6227280"/>
+            <a:ext cx="264240" cy="264240"/>
+          </a:xfrm>
+          <a:prstGeom prst="ellipse">
+            <a:avLst/>
+          </a:prstGeom>
           <a:solidFill>
-            <a:schemeClr val="accent2"/>
+            <a:schemeClr val="accent1"/>
           </a:solidFill>
           <a:ln>
             <a:noFill/>
           </a:ln>
         </p:spPr>
         <p:style>
-          <a:lnRef idx="0"/>
-          <a:fillRef idx="0"/>
-          <a:effectRef idx="0"/>
+          <a:lnRef idx="2">
+            <a:schemeClr val="accent1">
+              <a:shade val="50000"/>
+            </a:schemeClr>
+          </a:lnRef>
+          <a:fillRef idx="1">
+            <a:schemeClr val="accent1"/>
+          </a:fillRef>
+          <a:effectRef idx="0">
+            <a:schemeClr val="accent1"/>
+          </a:effectRef>
           <a:fontRef idx="minor"/>
         </p:style>
       </p:sp>
@@ -12013,7 +11137,7 @@
         <p:spPr>
           <a:xfrm>
             <a:off x="11562120" y="6227280"/>
-            <a:ext cx="264600" cy="264600"/>
+            <a:ext cx="264240" cy="264240"/>
           </a:xfrm>
           <a:prstGeom prst="ellipse">
             <a:avLst/>
@@ -12042,58 +11166,7 @@
       </p:sp>
       <p:sp>
         <p:nvSpPr>
-          <p:cNvPr id="158" name="CustomShape 2"/>
-          <p:cNvSpPr/>
-          <p:nvPr/>
-        </p:nvSpPr>
-        <p:spPr>
-          <a:xfrm>
-            <a:off x="0" y="1562040"/>
-            <a:ext cx="11268360" cy="2358000"/>
-          </a:xfrm>
-          <a:custGeom>
-            <a:avLst/>
-            <a:gdLst/>
-            <a:ahLst/>
-            <a:rect l="l" t="t" r="r" b="b"/>
-            <a:pathLst>
-              <a:path w="11269980" h="2359660">
-                <a:moveTo>
-                  <a:pt x="0" y="2359152"/>
-                </a:moveTo>
-                <a:lnTo>
-                  <a:pt x="11269980" y="2359152"/>
-                </a:lnTo>
-                <a:lnTo>
-                  <a:pt x="11269980" y="0"/>
-                </a:lnTo>
-                <a:lnTo>
-                  <a:pt x="0" y="0"/>
-                </a:lnTo>
-                <a:lnTo>
-                  <a:pt x="0" y="2359152"/>
-                </a:lnTo>
-                <a:close/>
-              </a:path>
-            </a:pathLst>
-          </a:custGeom>
-          <a:solidFill>
-            <a:schemeClr val="accent2"/>
-          </a:solidFill>
-          <a:ln>
-            <a:noFill/>
-          </a:ln>
-        </p:spPr>
-        <p:style>
-          <a:lnRef idx="0"/>
-          <a:fillRef idx="0"/>
-          <a:effectRef idx="0"/>
-          <a:fontRef idx="minor"/>
-        </p:style>
-      </p:sp>
-      <p:sp>
-        <p:nvSpPr>
-          <p:cNvPr id="159" name="PlaceHolder 3"/>
+          <p:cNvPr id="158" name="PlaceHolder 2"/>
           <p:cNvSpPr>
             <a:spLocks noGrp="1"/>
           </p:cNvSpPr>
@@ -12103,8 +11176,8 @@
         </p:nvSpPr>
         <p:spPr>
           <a:xfrm>
-            <a:off x="609480" y="273600"/>
-            <a:ext cx="10972440" cy="1144800"/>
+            <a:off x="838080" y="454320"/>
+            <a:ext cx="10513440" cy="1145160"/>
           </a:xfrm>
           <a:prstGeom prst="rect">
             <a:avLst/>
@@ -12112,25 +11185,24 @@
         </p:spPr>
         <p:txBody>
           <a:bodyPr lIns="0" rIns="0" tIns="0" bIns="0" anchor="ctr">
-            <a:noAutofit/>
-          </a:bodyPr>
-          <a:p>
-            <a:pPr algn="ctr"/>
+            <a:spAutoFit/>
+          </a:bodyPr>
+          <a:p>
             <a:r>
-              <a:rPr b="0" lang="pt-BR" sz="4400" spc="-1" strike="noStrike">
+              <a:rPr b="0" lang="pt-BR" sz="1800" spc="-1" strike="noStrike">
                 <a:latin typeface="Nimbus Sans"/>
               </a:rPr>
               <a:t>Clique para editar o formato do texto do título</a:t>
             </a:r>
-            <a:endParaRPr b="0" lang="pt-BR" sz="4400" spc="-1" strike="noStrike">
-              <a:latin typeface="Nimbus Sans"/>
-            </a:endParaRPr>
-          </a:p>
-        </p:txBody>
-      </p:sp>
-      <p:sp>
-        <p:nvSpPr>
-          <p:cNvPr id="160" name="PlaceHolder 4"/>
+            <a:endParaRPr b="0" lang="pt-BR" sz="1800" spc="-1" strike="noStrike">
+              <a:latin typeface="Nimbus Sans"/>
+            </a:endParaRPr>
+          </a:p>
+        </p:txBody>
+      </p:sp>
+      <p:sp>
+        <p:nvSpPr>
+          <p:cNvPr id="159" name="PlaceHolder 3"/>
           <p:cNvSpPr>
             <a:spLocks noGrp="1"/>
           </p:cNvSpPr>
@@ -12353,14 +11425,14 @@
       </p:grpSpPr>
       <p:sp>
         <p:nvSpPr>
-          <p:cNvPr id="197" name="CustomShape 1"/>
+          <p:cNvPr id="196" name="CustomShape 1"/>
           <p:cNvSpPr/>
           <p:nvPr/>
         </p:nvSpPr>
         <p:spPr>
           <a:xfrm>
             <a:off x="11562120" y="6227280"/>
-            <a:ext cx="264600" cy="264600"/>
+            <a:ext cx="264240" cy="264240"/>
           </a:xfrm>
           <a:prstGeom prst="ellipse">
             <a:avLst/>
@@ -12389,14 +11461,14 @@
       </p:sp>
       <p:sp>
         <p:nvSpPr>
-          <p:cNvPr id="198" name="CustomShape 2"/>
+          <p:cNvPr id="197" name="CustomShape 2"/>
           <p:cNvSpPr/>
           <p:nvPr/>
         </p:nvSpPr>
         <p:spPr>
           <a:xfrm>
             <a:off x="11562120" y="6227280"/>
-            <a:ext cx="264600" cy="264600"/>
+            <a:ext cx="264240" cy="264240"/>
           </a:xfrm>
           <a:prstGeom prst="ellipse">
             <a:avLst/>
@@ -12425,7 +11497,7 @@
       </p:sp>
       <p:sp>
         <p:nvSpPr>
-          <p:cNvPr id="199" name="PlaceHolder 3"/>
+          <p:cNvPr id="198" name="PlaceHolder 3"/>
           <p:cNvSpPr>
             <a:spLocks noGrp="1"/>
           </p:cNvSpPr>
@@ -12462,7 +11534,7 @@
       </p:sp>
       <p:sp>
         <p:nvSpPr>
-          <p:cNvPr id="200" name="PlaceHolder 4"/>
+          <p:cNvPr id="199" name="PlaceHolder 4"/>
           <p:cNvSpPr>
             <a:spLocks noGrp="1"/>
           </p:cNvSpPr>
@@ -12655,440 +11727,6 @@
     <p:sldLayoutId id="2147483723" r:id="rId11"/>
     <p:sldLayoutId id="2147483724" r:id="rId12"/>
     <p:sldLayoutId id="2147483725" r:id="rId13"/>
-  </p:sldLayoutIdLst>
-</p:sldMaster>
-</file>
-
-<file path=ppt/slideMasters/slideMaster7.xml><?xml version="1.0" encoding="utf-8"?>
-<p:sldMaster xmlns:a="http://schemas.openxmlformats.org/drawingml/2006/main" xmlns:p="http://schemas.openxmlformats.org/presentationml/2006/main" xmlns:r="http://schemas.openxmlformats.org/officeDocument/2006/relationships" xmlns:p14="http://schemas.microsoft.com/office/powerpoint/2010/main" xmlns:p15="http://schemas.microsoft.com/office/powerpoint/2012/main" xmlns:mc="http://schemas.openxmlformats.org/markup-compatibility/2006">
-  <p:cSld>
-    <p:bg>
-      <p:bgPr>
-        <a:solidFill>
-          <a:srgbClr val="ffffff"/>
-        </a:solidFill>
-      </p:bgPr>
-    </p:bg>
-    <p:spTree>
-      <p:nvGrpSpPr>
-        <p:cNvPr id="1" name=""/>
-        <p:cNvGrpSpPr/>
-        <p:nvPr/>
-      </p:nvGrpSpPr>
-      <p:grpSpPr>
-        <a:xfrm>
-          <a:off x="0" y="0"/>
-          <a:ext cx="0" cy="0"/>
-          <a:chOff x="0" y="0"/>
-          <a:chExt cx="0" cy="0"/>
-        </a:xfrm>
-      </p:grpSpPr>
-      <p:sp>
-        <p:nvSpPr>
-          <p:cNvPr id="237" name="CustomShape 1"/>
-          <p:cNvSpPr/>
-          <p:nvPr/>
-        </p:nvSpPr>
-        <p:spPr>
-          <a:xfrm>
-            <a:off x="11562120" y="6227280"/>
-            <a:ext cx="264600" cy="264600"/>
-          </a:xfrm>
-          <a:prstGeom prst="ellipse">
-            <a:avLst/>
-          </a:prstGeom>
-          <a:solidFill>
-            <a:schemeClr val="accent1"/>
-          </a:solidFill>
-          <a:ln>
-            <a:noFill/>
-          </a:ln>
-        </p:spPr>
-        <p:style>
-          <a:lnRef idx="2">
-            <a:schemeClr val="accent1">
-              <a:shade val="50000"/>
-            </a:schemeClr>
-          </a:lnRef>
-          <a:fillRef idx="1">
-            <a:schemeClr val="accent1"/>
-          </a:fillRef>
-          <a:effectRef idx="0">
-            <a:schemeClr val="accent1"/>
-          </a:effectRef>
-          <a:fontRef idx="minor"/>
-        </p:style>
-      </p:sp>
-      <p:sp>
-        <p:nvSpPr>
-          <p:cNvPr id="238" name="CustomShape 2"/>
-          <p:cNvSpPr/>
-          <p:nvPr/>
-        </p:nvSpPr>
-        <p:spPr>
-          <a:xfrm>
-            <a:off x="5294520" y="0"/>
-            <a:ext cx="6895440" cy="6856200"/>
-          </a:xfrm>
-          <a:custGeom>
-            <a:avLst/>
-            <a:gdLst/>
-            <a:ahLst/>
-            <a:rect l="l" t="t" r="r" b="b"/>
-            <a:pathLst>
-              <a:path w="6897370" h="6858000">
-                <a:moveTo>
-                  <a:pt x="0" y="6858000"/>
-                </a:moveTo>
-                <a:lnTo>
-                  <a:pt x="6896900" y="6858000"/>
-                </a:lnTo>
-                <a:lnTo>
-                  <a:pt x="6896900" y="0"/>
-                </a:lnTo>
-                <a:lnTo>
-                  <a:pt x="0" y="0"/>
-                </a:lnTo>
-                <a:lnTo>
-                  <a:pt x="0" y="6858000"/>
-                </a:lnTo>
-                <a:close/>
-              </a:path>
-            </a:pathLst>
-          </a:custGeom>
-          <a:solidFill>
-            <a:schemeClr val="accent2"/>
-          </a:solidFill>
-          <a:ln>
-            <a:noFill/>
-          </a:ln>
-        </p:spPr>
-        <p:style>
-          <a:lnRef idx="0"/>
-          <a:fillRef idx="0"/>
-          <a:effectRef idx="0"/>
-          <a:fontRef idx="minor"/>
-        </p:style>
-      </p:sp>
-      <p:sp>
-        <p:nvSpPr>
-          <p:cNvPr id="239" name="CustomShape 3"/>
-          <p:cNvSpPr/>
-          <p:nvPr/>
-        </p:nvSpPr>
-        <p:spPr>
-          <a:xfrm>
-            <a:off x="11562120" y="6227280"/>
-            <a:ext cx="264600" cy="264600"/>
-          </a:xfrm>
-          <a:prstGeom prst="ellipse">
-            <a:avLst/>
-          </a:prstGeom>
-          <a:solidFill>
-            <a:schemeClr val="accent1"/>
-          </a:solidFill>
-          <a:ln>
-            <a:noFill/>
-          </a:ln>
-        </p:spPr>
-        <p:style>
-          <a:lnRef idx="2">
-            <a:schemeClr val="accent1">
-              <a:shade val="50000"/>
-            </a:schemeClr>
-          </a:lnRef>
-          <a:fillRef idx="1">
-            <a:schemeClr val="accent1"/>
-          </a:fillRef>
-          <a:effectRef idx="0">
-            <a:schemeClr val="accent1"/>
-          </a:effectRef>
-          <a:fontRef idx="minor"/>
-        </p:style>
-      </p:sp>
-      <p:sp>
-        <p:nvSpPr>
-          <p:cNvPr id="240" name="CustomShape 4"/>
-          <p:cNvSpPr/>
-          <p:nvPr/>
-        </p:nvSpPr>
-        <p:spPr>
-          <a:xfrm>
-            <a:off x="0" y="2430360"/>
-            <a:ext cx="3624120" cy="3436560"/>
-          </a:xfrm>
-          <a:custGeom>
-            <a:avLst/>
-            <a:gdLst/>
-            <a:ahLst/>
-            <a:rect l="l" t="t" r="r" b="b"/>
-            <a:pathLst>
-              <a:path w="3625850" h="3438525">
-                <a:moveTo>
-                  <a:pt x="0" y="3438486"/>
-                </a:moveTo>
-                <a:lnTo>
-                  <a:pt x="3625596" y="3438486"/>
-                </a:lnTo>
-                <a:lnTo>
-                  <a:pt x="3625596" y="0"/>
-                </a:lnTo>
-                <a:lnTo>
-                  <a:pt x="0" y="0"/>
-                </a:lnTo>
-                <a:lnTo>
-                  <a:pt x="0" y="3438486"/>
-                </a:lnTo>
-                <a:close/>
-              </a:path>
-            </a:pathLst>
-          </a:custGeom>
-          <a:solidFill>
-            <a:schemeClr val="accent1"/>
-          </a:solidFill>
-          <a:ln>
-            <a:noFill/>
-          </a:ln>
-        </p:spPr>
-        <p:style>
-          <a:lnRef idx="0"/>
-          <a:fillRef idx="0"/>
-          <a:effectRef idx="0"/>
-          <a:fontRef idx="minor"/>
-        </p:style>
-      </p:sp>
-      <p:sp>
-        <p:nvSpPr>
-          <p:cNvPr id="241" name="PlaceHolder 5"/>
-          <p:cNvSpPr>
-            <a:spLocks noGrp="1"/>
-          </p:cNvSpPr>
-          <p:nvPr>
-            <p:ph type="title"/>
-          </p:nvPr>
-        </p:nvSpPr>
-        <p:spPr>
-          <a:xfrm>
-            <a:off x="609480" y="273600"/>
-            <a:ext cx="10972440" cy="1144800"/>
-          </a:xfrm>
-          <a:prstGeom prst="rect">
-            <a:avLst/>
-          </a:prstGeom>
-        </p:spPr>
-        <p:txBody>
-          <a:bodyPr lIns="0" rIns="0" tIns="0" bIns="0" anchor="ctr">
-            <a:noAutofit/>
-          </a:bodyPr>
-          <a:p>
-            <a:pPr algn="ctr"/>
-            <a:r>
-              <a:rPr b="0" lang="pt-BR" sz="4400" spc="-1" strike="noStrike">
-                <a:latin typeface="Nimbus Sans"/>
-              </a:rPr>
-              <a:t>Clique para editar o formato do texto do título</a:t>
-            </a:r>
-            <a:endParaRPr b="0" lang="pt-BR" sz="4400" spc="-1" strike="noStrike">
-              <a:latin typeface="Nimbus Sans"/>
-            </a:endParaRPr>
-          </a:p>
-        </p:txBody>
-      </p:sp>
-      <p:sp>
-        <p:nvSpPr>
-          <p:cNvPr id="242" name="PlaceHolder 6"/>
-          <p:cNvSpPr>
-            <a:spLocks noGrp="1"/>
-          </p:cNvSpPr>
-          <p:nvPr>
-            <p:ph type="body"/>
-          </p:nvPr>
-        </p:nvSpPr>
-        <p:spPr>
-          <a:xfrm>
-            <a:off x="609480" y="1604520"/>
-            <a:ext cx="10972440" cy="3977280"/>
-          </a:xfrm>
-          <a:prstGeom prst="rect">
-            <a:avLst/>
-          </a:prstGeom>
-        </p:spPr>
-        <p:txBody>
-          <a:bodyPr lIns="0" rIns="0" tIns="0" bIns="0">
-            <a:normAutofit/>
-          </a:bodyPr>
-          <a:p>
-            <a:pPr marL="432000" indent="-324000">
-              <a:spcBef>
-                <a:spcPts val="1417"/>
-              </a:spcBef>
-              <a:buClr>
-                <a:srgbClr val="000000"/>
-              </a:buClr>
-              <a:buSzPct val="45000"/>
-              <a:buFont typeface="Wingdings" charset="2"/>
-              <a:buChar char=""/>
-            </a:pPr>
-            <a:r>
-              <a:rPr b="0" lang="pt-BR" sz="3200" spc="-1" strike="noStrike">
-                <a:latin typeface="Nimbus Sans"/>
-              </a:rPr>
-              <a:t>Clique para editar o formato do texto da estrutura de tópicos</a:t>
-            </a:r>
-            <a:endParaRPr b="0" lang="pt-BR" sz="3200" spc="-1" strike="noStrike">
-              <a:latin typeface="Nimbus Sans"/>
-            </a:endParaRPr>
-          </a:p>
-          <a:p>
-            <a:pPr lvl="1" marL="864000" indent="-324000">
-              <a:spcBef>
-                <a:spcPts val="1134"/>
-              </a:spcBef>
-              <a:buClr>
-                <a:srgbClr val="000000"/>
-              </a:buClr>
-              <a:buSzPct val="75000"/>
-              <a:buFont typeface="Symbol" charset="2"/>
-              <a:buChar char=""/>
-            </a:pPr>
-            <a:r>
-              <a:rPr b="0" lang="pt-BR" sz="2800" spc="-1" strike="noStrike">
-                <a:latin typeface="Nimbus Sans"/>
-              </a:rPr>
-              <a:t>2.º nível da estrutura de tópicos</a:t>
-            </a:r>
-            <a:endParaRPr b="0" lang="pt-BR" sz="2800" spc="-1" strike="noStrike">
-              <a:latin typeface="Nimbus Sans"/>
-            </a:endParaRPr>
-          </a:p>
-          <a:p>
-            <a:pPr lvl="2" marL="1296000" indent="-288000">
-              <a:spcBef>
-                <a:spcPts val="850"/>
-              </a:spcBef>
-              <a:buClr>
-                <a:srgbClr val="000000"/>
-              </a:buClr>
-              <a:buSzPct val="45000"/>
-              <a:buFont typeface="Wingdings" charset="2"/>
-              <a:buChar char=""/>
-            </a:pPr>
-            <a:r>
-              <a:rPr b="0" lang="pt-BR" sz="2400" spc="-1" strike="noStrike">
-                <a:latin typeface="Nimbus Sans"/>
-              </a:rPr>
-              <a:t>3.º nível da estrutura de tópicos</a:t>
-            </a:r>
-            <a:endParaRPr b="0" lang="pt-BR" sz="2400" spc="-1" strike="noStrike">
-              <a:latin typeface="Nimbus Sans"/>
-            </a:endParaRPr>
-          </a:p>
-          <a:p>
-            <a:pPr lvl="3" marL="1728000" indent="-216000">
-              <a:spcBef>
-                <a:spcPts val="567"/>
-              </a:spcBef>
-              <a:buClr>
-                <a:srgbClr val="000000"/>
-              </a:buClr>
-              <a:buSzPct val="75000"/>
-              <a:buFont typeface="Symbol" charset="2"/>
-              <a:buChar char=""/>
-            </a:pPr>
-            <a:r>
-              <a:rPr b="0" lang="pt-BR" sz="2000" spc="-1" strike="noStrike">
-                <a:latin typeface="Nimbus Sans"/>
-              </a:rPr>
-              <a:t>4.º nível da estrutura de tópicos</a:t>
-            </a:r>
-            <a:endParaRPr b="0" lang="pt-BR" sz="2000" spc="-1" strike="noStrike">
-              <a:latin typeface="Nimbus Sans"/>
-            </a:endParaRPr>
-          </a:p>
-          <a:p>
-            <a:pPr lvl="4" marL="2160000" indent="-216000">
-              <a:spcBef>
-                <a:spcPts val="283"/>
-              </a:spcBef>
-              <a:buClr>
-                <a:srgbClr val="000000"/>
-              </a:buClr>
-              <a:buSzPct val="45000"/>
-              <a:buFont typeface="Wingdings" charset="2"/>
-              <a:buChar char=""/>
-            </a:pPr>
-            <a:r>
-              <a:rPr b="0" lang="pt-BR" sz="2000" spc="-1" strike="noStrike">
-                <a:latin typeface="Nimbus Sans"/>
-              </a:rPr>
-              <a:t>5.º nível da estrutura de tópicos</a:t>
-            </a:r>
-            <a:endParaRPr b="0" lang="pt-BR" sz="2000" spc="-1" strike="noStrike">
-              <a:latin typeface="Nimbus Sans"/>
-            </a:endParaRPr>
-          </a:p>
-          <a:p>
-            <a:pPr lvl="5" marL="2592000" indent="-216000">
-              <a:spcBef>
-                <a:spcPts val="283"/>
-              </a:spcBef>
-              <a:buClr>
-                <a:srgbClr val="000000"/>
-              </a:buClr>
-              <a:buSzPct val="45000"/>
-              <a:buFont typeface="Wingdings" charset="2"/>
-              <a:buChar char=""/>
-            </a:pPr>
-            <a:r>
-              <a:rPr b="0" lang="pt-BR" sz="2000" spc="-1" strike="noStrike">
-                <a:latin typeface="Nimbus Sans"/>
-              </a:rPr>
-              <a:t>6.º nível da estrutura de tópicos</a:t>
-            </a:r>
-            <a:endParaRPr b="0" lang="pt-BR" sz="2000" spc="-1" strike="noStrike">
-              <a:latin typeface="Nimbus Sans"/>
-            </a:endParaRPr>
-          </a:p>
-          <a:p>
-            <a:pPr lvl="6" marL="3024000" indent="-216000">
-              <a:spcBef>
-                <a:spcPts val="283"/>
-              </a:spcBef>
-              <a:buClr>
-                <a:srgbClr val="000000"/>
-              </a:buClr>
-              <a:buSzPct val="45000"/>
-              <a:buFont typeface="Wingdings" charset="2"/>
-              <a:buChar char=""/>
-            </a:pPr>
-            <a:r>
-              <a:rPr b="0" lang="pt-BR" sz="2000" spc="-1" strike="noStrike">
-                <a:latin typeface="Nimbus Sans"/>
-              </a:rPr>
-              <a:t>7.º nível da estrutura de tópicos</a:t>
-            </a:r>
-            <a:endParaRPr b="0" lang="pt-BR" sz="2000" spc="-1" strike="noStrike">
-              <a:latin typeface="Nimbus Sans"/>
-            </a:endParaRPr>
-          </a:p>
-        </p:txBody>
-      </p:sp>
-    </p:spTree>
-  </p:cSld>
-  <p:clrMap bg1="lt1" bg2="lt2" tx1="dk1" tx2="dk2" accent1="accent1" accent2="accent2" accent3="accent3" accent4="accent4" accent5="accent5" accent6="accent6" hlink="hlink" folHlink="folHlink"/>
-  <p:sldLayoutIdLst>
-    <p:sldLayoutId id="2147483727" r:id="rId2"/>
-    <p:sldLayoutId id="2147483728" r:id="rId3"/>
-    <p:sldLayoutId id="2147483729" r:id="rId4"/>
-    <p:sldLayoutId id="2147483730" r:id="rId5"/>
-    <p:sldLayoutId id="2147483731" r:id="rId6"/>
-    <p:sldLayoutId id="2147483732" r:id="rId7"/>
-    <p:sldLayoutId id="2147483733" r:id="rId8"/>
-    <p:sldLayoutId id="2147483734" r:id="rId9"/>
-    <p:sldLayoutId id="2147483735" r:id="rId10"/>
-    <p:sldLayoutId id="2147483736" r:id="rId11"/>
-    <p:sldLayoutId id="2147483737" r:id="rId12"/>
-    <p:sldLayoutId id="2147483738" r:id="rId13"/>
   </p:sldLayoutIdLst>
 </p:sldMaster>
 </file>
@@ -13112,14 +11750,14 @@
       </p:grpSpPr>
       <p:sp>
         <p:nvSpPr>
-          <p:cNvPr id="285" name="CustomShape 1"/>
+          <p:cNvPr id="242" name="CustomShape 1"/>
           <p:cNvSpPr/>
           <p:nvPr/>
         </p:nvSpPr>
         <p:spPr>
           <a:xfrm>
             <a:off x="0" y="0"/>
-            <a:ext cx="12187080" cy="6856200"/>
+            <a:ext cx="12186720" cy="6855840"/>
           </a:xfrm>
           <a:prstGeom prst="rect">
             <a:avLst/>
@@ -13127,7 +11765,7 @@
           <a:blipFill rotWithShape="0">
             <a:blip r:embed="rId1"/>
             <a:stretch>
-              <a:fillRect l="-1183936" t="0" r="-1183936" b="0"/>
+              <a:fillRect l="-1121636" t="0" r="-1121636" b="0"/>
             </a:stretch>
           </a:blipFill>
           <a:ln>
@@ -13143,14 +11781,14 @@
       </p:sp>
       <p:sp>
         <p:nvSpPr>
-          <p:cNvPr id="286" name="CustomShape 2"/>
+          <p:cNvPr id="243" name="CustomShape 2"/>
           <p:cNvSpPr/>
           <p:nvPr/>
         </p:nvSpPr>
         <p:spPr>
           <a:xfrm>
             <a:off x="1440" y="0"/>
-            <a:ext cx="12187800" cy="6856200"/>
+            <a:ext cx="12187440" cy="6855840"/>
           </a:xfrm>
           <a:custGeom>
             <a:avLst/>
@@ -13196,14 +11834,14 @@
       </p:sp>
       <p:sp>
         <p:nvSpPr>
-          <p:cNvPr id="287" name="CustomShape 3"/>
+          <p:cNvPr id="244" name="CustomShape 3"/>
           <p:cNvSpPr/>
           <p:nvPr/>
         </p:nvSpPr>
         <p:spPr>
           <a:xfrm>
             <a:off x="1584000" y="1329840"/>
-            <a:ext cx="9142200" cy="2126160"/>
+            <a:ext cx="9141840" cy="2125800"/>
           </a:xfrm>
           <a:prstGeom prst="rect">
             <a:avLst/>
@@ -13221,7 +11859,7 @@
         </p:style>
         <p:txBody>
           <a:bodyPr lIns="90000" rIns="90000" tIns="45000" bIns="45000" anchor="b">
-            <a:normAutofit/>
+            <a:normAutofit fontScale="62000"/>
           </a:bodyPr>
           <a:p>
             <a:pPr algn="ctr">
@@ -13248,14 +11886,14 @@
       </p:sp>
       <p:sp>
         <p:nvSpPr>
-          <p:cNvPr id="288" name="CustomShape 4"/>
+          <p:cNvPr id="245" name="CustomShape 4"/>
           <p:cNvSpPr/>
           <p:nvPr/>
         </p:nvSpPr>
         <p:spPr>
           <a:xfrm>
             <a:off x="2305080" y="3178800"/>
-            <a:ext cx="7589520" cy="52560"/>
+            <a:ext cx="7589160" cy="52200"/>
           </a:xfrm>
           <a:custGeom>
             <a:avLst/>
@@ -13290,14 +11928,14 @@
       </p:sp>
       <p:sp>
         <p:nvSpPr>
-          <p:cNvPr id="289" name="CustomShape 5"/>
+          <p:cNvPr id="246" name="CustomShape 5"/>
           <p:cNvSpPr/>
           <p:nvPr/>
         </p:nvSpPr>
         <p:spPr>
           <a:xfrm>
             <a:off x="4186080" y="4434480"/>
-            <a:ext cx="3826440" cy="1460880"/>
+            <a:ext cx="3826080" cy="1460520"/>
           </a:xfrm>
           <a:prstGeom prst="rect">
             <a:avLst/>
@@ -13414,6 +12052,1200 @@
               <a:t>Tobias da Silva Lino</a:t>
             </a:r>
             <a:endParaRPr b="0" lang="pt-BR" sz="1800" spc="-1" strike="noStrike">
+              <a:latin typeface="Nimbus Sans"/>
+            </a:endParaRPr>
+          </a:p>
+        </p:txBody>
+      </p:sp>
+    </p:spTree>
+  </p:cSld>
+  <mc:AlternateContent>
+    <mc:Choice Requires="p14">
+      <p:transition spd="slow" p14:dur="2000"/>
+    </mc:Choice>
+    <mc:Fallback>
+      <p:transition spd="slow"/>
+    </mc:Fallback>
+  </mc:AlternateContent>
+</p:sld>
+</file>
+
+<file path=ppt/slides/slide10.xml><?xml version="1.0" encoding="utf-8"?>
+<p:sld xmlns:a="http://schemas.openxmlformats.org/drawingml/2006/main" xmlns:p="http://schemas.openxmlformats.org/presentationml/2006/main" xmlns:r="http://schemas.openxmlformats.org/officeDocument/2006/relationships" xmlns:p14="http://schemas.microsoft.com/office/powerpoint/2010/main" xmlns:p15="http://schemas.microsoft.com/office/powerpoint/2012/main" xmlns:mc="http://schemas.openxmlformats.org/markup-compatibility/2006">
+  <p:cSld>
+    <p:spTree>
+      <p:nvGrpSpPr>
+        <p:cNvPr id="1" name=""/>
+        <p:cNvGrpSpPr/>
+        <p:nvPr/>
+      </p:nvGrpSpPr>
+      <p:grpSpPr>
+        <a:xfrm>
+          <a:off x="0" y="0"/>
+          <a:ext cx="0" cy="0"/>
+          <a:chOff x="0" y="0"/>
+          <a:chExt cx="0" cy="0"/>
+        </a:xfrm>
+      </p:grpSpPr>
+      <p:sp>
+        <p:nvSpPr>
+          <p:cNvPr id="293" name="CustomShape 1"/>
+          <p:cNvSpPr/>
+          <p:nvPr/>
+        </p:nvSpPr>
+        <p:spPr>
+          <a:xfrm>
+            <a:off x="1080" y="3115440"/>
+            <a:ext cx="12187440" cy="3741480"/>
+          </a:xfrm>
+          <a:prstGeom prst="ellipse">
+            <a:avLst/>
+          </a:prstGeom>
+          <a:blipFill rotWithShape="0">
+            <a:blip r:embed="rId1"/>
+            <a:stretch>
+              <a:fillRect/>
+            </a:stretch>
+          </a:blipFill>
+          <a:ln>
+            <a:noFill/>
+          </a:ln>
+        </p:spPr>
+        <p:style>
+          <a:lnRef idx="0"/>
+          <a:fillRef idx="0"/>
+          <a:effectRef idx="0"/>
+          <a:fontRef idx="minor"/>
+        </p:style>
+      </p:sp>
+      <p:sp>
+        <p:nvSpPr>
+          <p:cNvPr id="294" name="CustomShape 2"/>
+          <p:cNvSpPr/>
+          <p:nvPr/>
+        </p:nvSpPr>
+        <p:spPr>
+          <a:xfrm>
+            <a:off x="0" y="3115440"/>
+            <a:ext cx="12187440" cy="3740400"/>
+          </a:xfrm>
+          <a:custGeom>
+            <a:avLst/>
+            <a:gdLst/>
+            <a:ahLst/>
+            <a:rect l="l" t="t" r="r" b="b"/>
+            <a:pathLst>
+              <a:path w="12189460" h="6858000">
+                <a:moveTo>
+                  <a:pt x="0" y="6858000"/>
+                </a:moveTo>
+                <a:lnTo>
+                  <a:pt x="12188952" y="6858000"/>
+                </a:lnTo>
+                <a:lnTo>
+                  <a:pt x="12188952" y="0"/>
+                </a:lnTo>
+                <a:lnTo>
+                  <a:pt x="0" y="0"/>
+                </a:lnTo>
+                <a:lnTo>
+                  <a:pt x="0" y="6858000"/>
+                </a:lnTo>
+                <a:close/>
+              </a:path>
+            </a:pathLst>
+          </a:custGeom>
+          <a:solidFill>
+            <a:schemeClr val="tx2">
+              <a:alpha val="80000"/>
+            </a:schemeClr>
+          </a:solidFill>
+          <a:ln>
+            <a:noFill/>
+          </a:ln>
+        </p:spPr>
+        <p:style>
+          <a:lnRef idx="0"/>
+          <a:fillRef idx="0"/>
+          <a:effectRef idx="0"/>
+          <a:fontRef idx="minor"/>
+        </p:style>
+      </p:sp>
+      <p:sp>
+        <p:nvSpPr>
+          <p:cNvPr id="295" name="CustomShape 3"/>
+          <p:cNvSpPr/>
+          <p:nvPr/>
+        </p:nvSpPr>
+        <p:spPr>
+          <a:xfrm>
+            <a:off x="669600" y="936000"/>
+            <a:ext cx="9986040" cy="1323360"/>
+          </a:xfrm>
+          <a:prstGeom prst="rect">
+            <a:avLst/>
+          </a:prstGeom>
+          <a:noFill/>
+          <a:ln>
+            <a:noFill/>
+          </a:ln>
+        </p:spPr>
+        <p:style>
+          <a:lnRef idx="0"/>
+          <a:fillRef idx="0"/>
+          <a:effectRef idx="0"/>
+          <a:fontRef idx="minor"/>
+        </p:style>
+        <p:txBody>
+          <a:bodyPr lIns="90000" rIns="90000" tIns="45000" bIns="45000" anchor="ctr">
+            <a:noAutofit/>
+          </a:bodyPr>
+          <a:p>
+            <a:pPr>
+              <a:lnSpc>
+                <a:spcPct val="90000"/>
+              </a:lnSpc>
+            </a:pPr>
+            <a:r>
+              <a:rPr b="1" lang="pt-BR" sz="3200" spc="-1" strike="noStrike">
+                <a:solidFill>
+                  <a:srgbClr val="107082"/>
+                </a:solidFill>
+                <a:latin typeface="Gill Sans MT"/>
+                <a:ea typeface="DejaVu Sans"/>
+              </a:rPr>
+              <a:t>Ética No Sistema de Informação</a:t>
+            </a:r>
+            <a:endParaRPr b="0" lang="pt-BR" sz="3200" spc="-1" strike="noStrike">
+              <a:latin typeface="Nimbus Sans"/>
+            </a:endParaRPr>
+          </a:p>
+          <a:p>
+            <a:pPr>
+              <a:lnSpc>
+                <a:spcPct val="90000"/>
+              </a:lnSpc>
+            </a:pPr>
+            <a:endParaRPr b="0" lang="pt-BR" sz="3200" spc="-1" strike="noStrike">
+              <a:latin typeface="Nimbus Sans"/>
+            </a:endParaRPr>
+          </a:p>
+        </p:txBody>
+      </p:sp>
+      <p:sp>
+        <p:nvSpPr>
+          <p:cNvPr id="296" name="CustomShape 4"/>
+          <p:cNvSpPr/>
+          <p:nvPr/>
+        </p:nvSpPr>
+        <p:spPr>
+          <a:xfrm>
+            <a:off x="822600" y="1828080"/>
+            <a:ext cx="5945040" cy="43560"/>
+          </a:xfrm>
+          <a:custGeom>
+            <a:avLst/>
+            <a:gdLst/>
+            <a:ahLst/>
+            <a:rect l="l" t="t" r="r" b="b"/>
+            <a:pathLst>
+              <a:path w="3931920" h="0">
+                <a:moveTo>
+                  <a:pt x="0" y="0"/>
+                </a:moveTo>
+                <a:lnTo>
+                  <a:pt x="3931920" y="0"/>
+                </a:lnTo>
+              </a:path>
+            </a:pathLst>
+          </a:custGeom>
+          <a:noFill/>
+          <a:ln w="54720">
+            <a:solidFill>
+              <a:schemeClr val="accent1"/>
+            </a:solidFill>
+            <a:round/>
+          </a:ln>
+        </p:spPr>
+        <p:style>
+          <a:lnRef idx="0"/>
+          <a:fillRef idx="0"/>
+          <a:effectRef idx="0"/>
+          <a:fontRef idx="minor"/>
+        </p:style>
+      </p:sp>
+      <p:sp>
+        <p:nvSpPr>
+          <p:cNvPr id="297" name="CustomShape 5"/>
+          <p:cNvSpPr/>
+          <p:nvPr/>
+        </p:nvSpPr>
+        <p:spPr>
+          <a:xfrm>
+            <a:off x="504000" y="2952000"/>
+            <a:ext cx="6047640" cy="3239640"/>
+          </a:xfrm>
+          <a:prstGeom prst="rect">
+            <a:avLst/>
+          </a:prstGeom>
+          <a:noFill/>
+          <a:ln>
+            <a:noFill/>
+          </a:ln>
+        </p:spPr>
+        <p:style>
+          <a:lnRef idx="0"/>
+          <a:fillRef idx="0"/>
+          <a:effectRef idx="0"/>
+          <a:fontRef idx="minor"/>
+        </p:style>
+        <p:txBody>
+          <a:bodyPr lIns="90000" rIns="90000" tIns="45000" bIns="45000" anchor="b">
+            <a:normAutofit/>
+          </a:bodyPr>
+          <a:p>
+            <a:pPr>
+              <a:lnSpc>
+                <a:spcPct val="90000"/>
+              </a:lnSpc>
+              <a:spcBef>
+                <a:spcPts val="1001"/>
+              </a:spcBef>
+            </a:pPr>
+            <a:r>
+              <a:rPr b="0" lang="pt-BR" sz="2600" spc="-1" strike="noStrike">
+                <a:solidFill>
+                  <a:srgbClr val="ffffff"/>
+                </a:solidFill>
+                <a:latin typeface="Roboto"/>
+                <a:ea typeface="DejaVu Sans"/>
+              </a:rPr>
+              <a:t>Salvando os dados dos clientes</a:t>
+            </a:r>
+            <a:endParaRPr b="0" lang="pt-BR" sz="2600" spc="-1" strike="noStrike">
+              <a:latin typeface="Nimbus Sans"/>
+            </a:endParaRPr>
+          </a:p>
+          <a:p>
+            <a:pPr>
+              <a:lnSpc>
+                <a:spcPct val="90000"/>
+              </a:lnSpc>
+              <a:spcBef>
+                <a:spcPts val="1001"/>
+              </a:spcBef>
+            </a:pPr>
+            <a:endParaRPr b="0" lang="pt-BR" sz="2600" spc="-1" strike="noStrike">
+              <a:latin typeface="Nimbus Sans"/>
+            </a:endParaRPr>
+          </a:p>
+          <a:p>
+            <a:pPr>
+              <a:lnSpc>
+                <a:spcPct val="90000"/>
+              </a:lnSpc>
+              <a:spcBef>
+                <a:spcPts val="1001"/>
+              </a:spcBef>
+            </a:pPr>
+            <a:r>
+              <a:rPr b="0" lang="pt-BR" sz="2600" spc="-1" strike="noStrike">
+                <a:solidFill>
+                  <a:srgbClr val="ffffff"/>
+                </a:solidFill>
+                <a:latin typeface="Roboto"/>
+                <a:ea typeface="DejaVu Sans"/>
+              </a:rPr>
+              <a:t>Quem tem acesso aos dados</a:t>
+            </a:r>
+            <a:endParaRPr b="0" lang="pt-BR" sz="2600" spc="-1" strike="noStrike">
+              <a:latin typeface="Nimbus Sans"/>
+            </a:endParaRPr>
+          </a:p>
+          <a:p>
+            <a:pPr>
+              <a:lnSpc>
+                <a:spcPct val="90000"/>
+              </a:lnSpc>
+              <a:spcBef>
+                <a:spcPts val="1001"/>
+              </a:spcBef>
+            </a:pPr>
+            <a:endParaRPr b="0" lang="pt-BR" sz="2600" spc="-1" strike="noStrike">
+              <a:latin typeface="Nimbus Sans"/>
+            </a:endParaRPr>
+          </a:p>
+          <a:p>
+            <a:pPr>
+              <a:lnSpc>
+                <a:spcPct val="90000"/>
+              </a:lnSpc>
+              <a:spcBef>
+                <a:spcPts val="1001"/>
+              </a:spcBef>
+            </a:pPr>
+            <a:r>
+              <a:rPr b="0" lang="pt-BR" sz="2600" spc="-1" strike="noStrike">
+                <a:solidFill>
+                  <a:srgbClr val="ffffff"/>
+                </a:solidFill>
+                <a:latin typeface="Roboto"/>
+                <a:ea typeface="DejaVu Sans"/>
+              </a:rPr>
+              <a:t>Segurança no registro de senhas</a:t>
+            </a:r>
+            <a:endParaRPr b="0" lang="pt-BR" sz="2600" spc="-1" strike="noStrike">
+              <a:latin typeface="Nimbus Sans"/>
+            </a:endParaRPr>
+          </a:p>
+        </p:txBody>
+      </p:sp>
+      <p:sp>
+        <p:nvSpPr>
+          <p:cNvPr id="298" name="CustomShape 6"/>
+          <p:cNvSpPr/>
+          <p:nvPr/>
+        </p:nvSpPr>
+        <p:spPr>
+          <a:xfrm>
+            <a:off x="223920" y="3600000"/>
+            <a:ext cx="11727000" cy="3740400"/>
+          </a:xfrm>
+          <a:prstGeom prst="rect">
+            <a:avLst/>
+          </a:prstGeom>
+          <a:noFill/>
+          <a:ln>
+            <a:noFill/>
+          </a:ln>
+        </p:spPr>
+        <p:style>
+          <a:lnRef idx="0"/>
+          <a:fillRef idx="0"/>
+          <a:effectRef idx="0"/>
+          <a:fontRef idx="minor"/>
+        </p:style>
+        <p:txBody>
+          <a:bodyPr lIns="90000" rIns="90000" tIns="45000" bIns="45000">
+            <a:normAutofit/>
+          </a:bodyPr>
+          <a:p>
+            <a:pPr marL="360">
+              <a:lnSpc>
+                <a:spcPct val="100000"/>
+              </a:lnSpc>
+              <a:spcBef>
+                <a:spcPts val="601"/>
+              </a:spcBef>
+            </a:pPr>
+            <a:endParaRPr b="0" lang="pt-BR" sz="1800" spc="-1" strike="noStrike">
+              <a:latin typeface="Nimbus Sans"/>
+            </a:endParaRPr>
+          </a:p>
+          <a:p>
+            <a:pPr marL="360">
+              <a:lnSpc>
+                <a:spcPct val="100000"/>
+              </a:lnSpc>
+              <a:spcBef>
+                <a:spcPts val="601"/>
+              </a:spcBef>
+            </a:pPr>
+            <a:endParaRPr b="0" lang="pt-BR" sz="1800" spc="-1" strike="noStrike">
+              <a:latin typeface="Nimbus Sans"/>
+            </a:endParaRPr>
+          </a:p>
+          <a:p>
+            <a:pPr marL="360">
+              <a:lnSpc>
+                <a:spcPct val="100000"/>
+              </a:lnSpc>
+              <a:spcBef>
+                <a:spcPts val="601"/>
+              </a:spcBef>
+            </a:pPr>
+            <a:endParaRPr b="0" lang="pt-BR" sz="1800" spc="-1" strike="noStrike">
+              <a:latin typeface="Nimbus Sans"/>
+            </a:endParaRPr>
+          </a:p>
+        </p:txBody>
+      </p:sp>
+    </p:spTree>
+  </p:cSld>
+  <mc:AlternateContent>
+    <mc:Choice Requires="p14">
+      <p:transition spd="slow" p14:dur="2000"/>
+    </mc:Choice>
+    <mc:Fallback>
+      <p:transition spd="slow"/>
+    </mc:Fallback>
+  </mc:AlternateContent>
+</p:sld>
+</file>
+
+<file path=ppt/slides/slide11.xml><?xml version="1.0" encoding="utf-8"?>
+<p:sld xmlns:a="http://schemas.openxmlformats.org/drawingml/2006/main" xmlns:p="http://schemas.openxmlformats.org/presentationml/2006/main" xmlns:r="http://schemas.openxmlformats.org/officeDocument/2006/relationships" xmlns:p14="http://schemas.microsoft.com/office/powerpoint/2010/main" xmlns:p15="http://schemas.microsoft.com/office/powerpoint/2012/main" xmlns:mc="http://schemas.openxmlformats.org/markup-compatibility/2006">
+  <p:cSld>
+    <p:spTree>
+      <p:nvGrpSpPr>
+        <p:cNvPr id="1" name=""/>
+        <p:cNvGrpSpPr/>
+        <p:nvPr/>
+      </p:nvGrpSpPr>
+      <p:grpSpPr>
+        <a:xfrm>
+          <a:off x="0" y="0"/>
+          <a:ext cx="0" cy="0"/>
+          <a:chOff x="0" y="0"/>
+          <a:chExt cx="0" cy="0"/>
+        </a:xfrm>
+      </p:grpSpPr>
+      <p:sp>
+        <p:nvSpPr>
+          <p:cNvPr id="299" name="CustomShape 1"/>
+          <p:cNvSpPr/>
+          <p:nvPr/>
+        </p:nvSpPr>
+        <p:spPr>
+          <a:xfrm>
+            <a:off x="576000" y="144000"/>
+            <a:ext cx="11275560" cy="6855840"/>
+          </a:xfrm>
+          <a:prstGeom prst="ellipse">
+            <a:avLst/>
+          </a:prstGeom>
+          <a:blipFill rotWithShape="0">
+            <a:blip r:embed="rId1"/>
+            <a:stretch>
+              <a:fillRect/>
+            </a:stretch>
+          </a:blipFill>
+          <a:ln>
+            <a:noFill/>
+          </a:ln>
+        </p:spPr>
+        <p:style>
+          <a:lnRef idx="0"/>
+          <a:fillRef idx="0"/>
+          <a:effectRef idx="0"/>
+          <a:fontRef idx="minor"/>
+        </p:style>
+      </p:sp>
+      <p:sp>
+        <p:nvSpPr>
+          <p:cNvPr id="300" name="CustomShape 2"/>
+          <p:cNvSpPr/>
+          <p:nvPr/>
+        </p:nvSpPr>
+        <p:spPr>
+          <a:xfrm>
+            <a:off x="485280" y="360000"/>
+            <a:ext cx="4049280" cy="5910840"/>
+          </a:xfrm>
+          <a:custGeom>
+            <a:avLst/>
+            <a:gdLst/>
+            <a:ahLst/>
+            <a:rect l="l" t="t" r="r" b="b"/>
+            <a:pathLst>
+              <a:path w="4010659" h="333375">
+                <a:moveTo>
+                  <a:pt x="0" y="333006"/>
+                </a:moveTo>
+                <a:lnTo>
+                  <a:pt x="4010367" y="333006"/>
+                </a:lnTo>
+                <a:lnTo>
+                  <a:pt x="4010367" y="0"/>
+                </a:lnTo>
+                <a:lnTo>
+                  <a:pt x="0" y="0"/>
+                </a:lnTo>
+                <a:lnTo>
+                  <a:pt x="0" y="333006"/>
+                </a:lnTo>
+                <a:close/>
+              </a:path>
+            </a:pathLst>
+          </a:custGeom>
+          <a:solidFill>
+            <a:schemeClr val="accent1"/>
+          </a:solidFill>
+          <a:ln>
+            <a:noFill/>
+          </a:ln>
+        </p:spPr>
+        <p:style>
+          <a:lnRef idx="0"/>
+          <a:fillRef idx="0"/>
+          <a:effectRef idx="0"/>
+          <a:fontRef idx="minor"/>
+        </p:style>
+      </p:sp>
+      <p:sp>
+        <p:nvSpPr>
+          <p:cNvPr id="301" name="CustomShape 3"/>
+          <p:cNvSpPr/>
+          <p:nvPr/>
+        </p:nvSpPr>
+        <p:spPr>
+          <a:xfrm>
+            <a:off x="11562120" y="6227280"/>
+            <a:ext cx="264240" cy="264240"/>
+          </a:xfrm>
+          <a:prstGeom prst="ellipse">
+            <a:avLst/>
+          </a:prstGeom>
+          <a:solidFill>
+            <a:schemeClr val="accent1"/>
+          </a:solidFill>
+          <a:ln>
+            <a:noFill/>
+          </a:ln>
+        </p:spPr>
+        <p:style>
+          <a:lnRef idx="2">
+            <a:schemeClr val="accent1">
+              <a:shade val="50000"/>
+            </a:schemeClr>
+          </a:lnRef>
+          <a:fillRef idx="1">
+            <a:schemeClr val="accent1"/>
+          </a:fillRef>
+          <a:effectRef idx="0">
+            <a:schemeClr val="accent1"/>
+          </a:effectRef>
+          <a:fontRef idx="minor"/>
+        </p:style>
+      </p:sp>
+      <p:sp>
+        <p:nvSpPr>
+          <p:cNvPr id="302" name="CustomShape 4"/>
+          <p:cNvSpPr/>
+          <p:nvPr/>
+        </p:nvSpPr>
+        <p:spPr>
+          <a:xfrm>
+            <a:off x="792000" y="1008000"/>
+            <a:ext cx="5182560" cy="5182560"/>
+          </a:xfrm>
+          <a:custGeom>
+            <a:avLst/>
+            <a:gdLst/>
+            <a:ahLst/>
+            <a:rect l="l" t="t" r="r" b="b"/>
+            <a:pathLst>
+              <a:path w="6689725" h="3528060">
+                <a:moveTo>
+                  <a:pt x="0" y="3527996"/>
+                </a:moveTo>
+                <a:lnTo>
+                  <a:pt x="6689648" y="3527996"/>
+                </a:lnTo>
+                <a:lnTo>
+                  <a:pt x="6689648" y="0"/>
+                </a:lnTo>
+                <a:lnTo>
+                  <a:pt x="0" y="0"/>
+                </a:lnTo>
+                <a:lnTo>
+                  <a:pt x="0" y="3527996"/>
+                </a:lnTo>
+                <a:close/>
+              </a:path>
+            </a:pathLst>
+          </a:custGeom>
+          <a:solidFill>
+            <a:schemeClr val="accent2"/>
+          </a:solidFill>
+          <a:ln>
+            <a:noFill/>
+          </a:ln>
+        </p:spPr>
+        <p:style>
+          <a:lnRef idx="0"/>
+          <a:fillRef idx="0"/>
+          <a:effectRef idx="0"/>
+          <a:fontRef idx="minor"/>
+        </p:style>
+      </p:sp>
+      <p:sp>
+        <p:nvSpPr>
+          <p:cNvPr id="303" name="CustomShape 5"/>
+          <p:cNvSpPr/>
+          <p:nvPr/>
+        </p:nvSpPr>
+        <p:spPr>
+          <a:xfrm>
+            <a:off x="1379880" y="1519200"/>
+            <a:ext cx="4768560" cy="824400"/>
+          </a:xfrm>
+          <a:prstGeom prst="rect">
+            <a:avLst/>
+          </a:prstGeom>
+          <a:noFill/>
+          <a:ln>
+            <a:noFill/>
+          </a:ln>
+        </p:spPr>
+        <p:style>
+          <a:lnRef idx="0"/>
+          <a:fillRef idx="0"/>
+          <a:effectRef idx="0"/>
+          <a:fontRef idx="minor"/>
+        </p:style>
+        <p:txBody>
+          <a:bodyPr lIns="90000" rIns="90000" tIns="45000" bIns="45000">
+            <a:normAutofit/>
+          </a:bodyPr>
+          <a:p>
+            <a:pPr>
+              <a:lnSpc>
+                <a:spcPct val="90000"/>
+              </a:lnSpc>
+            </a:pPr>
+            <a:r>
+              <a:rPr b="1" lang="pt-BR" sz="3000" spc="-1" strike="noStrike">
+                <a:solidFill>
+                  <a:srgbClr val="ffffff"/>
+                </a:solidFill>
+                <a:latin typeface="Gill Sans MT"/>
+                <a:ea typeface="DejaVu Sans"/>
+              </a:rPr>
+              <a:t>Conclusão</a:t>
+            </a:r>
+            <a:endParaRPr b="0" lang="pt-BR" sz="3000" spc="-1" strike="noStrike">
+              <a:latin typeface="Nimbus Sans"/>
+            </a:endParaRPr>
+          </a:p>
+        </p:txBody>
+      </p:sp>
+      <p:sp>
+        <p:nvSpPr>
+          <p:cNvPr id="304" name="CustomShape 6"/>
+          <p:cNvSpPr/>
+          <p:nvPr/>
+        </p:nvSpPr>
+        <p:spPr>
+          <a:xfrm>
+            <a:off x="11458080" y="6175080"/>
+            <a:ext cx="354960" cy="362880"/>
+          </a:xfrm>
+          <a:prstGeom prst="rect">
+            <a:avLst/>
+          </a:prstGeom>
+          <a:noFill/>
+          <a:ln>
+            <a:noFill/>
+          </a:ln>
+        </p:spPr>
+        <p:style>
+          <a:lnRef idx="0"/>
+          <a:fillRef idx="0"/>
+          <a:effectRef idx="0"/>
+          <a:fontRef idx="minor"/>
+        </p:style>
+        <p:txBody>
+          <a:bodyPr lIns="90000" rIns="90000" tIns="45000" bIns="45000" anchor="ctr">
+            <a:noAutofit/>
+          </a:bodyPr>
+          <a:p>
+            <a:pPr algn="r">
+              <a:lnSpc>
+                <a:spcPct val="100000"/>
+              </a:lnSpc>
+            </a:pPr>
+            <a:fld id="{6B5D0238-7902-4EB2-9977-C5220957D76E}" type="slidenum">
+              <a:rPr b="0" i="1" lang="pt-BR" sz="1000" spc="-1" strike="noStrike">
+                <a:solidFill>
+                  <a:srgbClr val="00292e"/>
+                </a:solidFill>
+                <a:latin typeface="Arial "/>
+                <a:ea typeface="DejaVu Sans"/>
+              </a:rPr>
+              <a:t>&lt;número&gt;</a:t>
+            </a:fld>
+            <a:endParaRPr b="0" lang="pt-BR" sz="1000" spc="-1" strike="noStrike">
+              <a:latin typeface="Nimbus Sans"/>
+            </a:endParaRPr>
+          </a:p>
+        </p:txBody>
+      </p:sp>
+      <p:sp>
+        <p:nvSpPr>
+          <p:cNvPr id="305" name="CustomShape 7"/>
+          <p:cNvSpPr/>
+          <p:nvPr/>
+        </p:nvSpPr>
+        <p:spPr>
+          <a:xfrm>
+            <a:off x="2072520" y="3638160"/>
+            <a:ext cx="4055760" cy="470160"/>
+          </a:xfrm>
+          <a:prstGeom prst="rect">
+            <a:avLst/>
+          </a:prstGeom>
+          <a:noFill/>
+          <a:ln>
+            <a:noFill/>
+          </a:ln>
+        </p:spPr>
+        <p:style>
+          <a:lnRef idx="0"/>
+          <a:fillRef idx="0"/>
+          <a:effectRef idx="0"/>
+          <a:fontRef idx="minor"/>
+        </p:style>
+      </p:sp>
+      <p:sp>
+        <p:nvSpPr>
+          <p:cNvPr id="306" name="CustomShape 8"/>
+          <p:cNvSpPr/>
+          <p:nvPr/>
+        </p:nvSpPr>
+        <p:spPr>
+          <a:xfrm>
+            <a:off x="2072520" y="4433760"/>
+            <a:ext cx="4055760" cy="399960"/>
+          </a:xfrm>
+          <a:prstGeom prst="rect">
+            <a:avLst/>
+          </a:prstGeom>
+          <a:noFill/>
+          <a:ln>
+            <a:noFill/>
+          </a:ln>
+        </p:spPr>
+        <p:style>
+          <a:lnRef idx="0"/>
+          <a:fillRef idx="0"/>
+          <a:effectRef idx="0"/>
+          <a:fontRef idx="minor"/>
+        </p:style>
+      </p:sp>
+      <p:sp>
+        <p:nvSpPr>
+          <p:cNvPr id="307" name="CustomShape 9"/>
+          <p:cNvSpPr/>
+          <p:nvPr/>
+        </p:nvSpPr>
+        <p:spPr>
+          <a:xfrm flipV="1">
+            <a:off x="1449360" y="2154600"/>
+            <a:ext cx="4021200" cy="73440"/>
+          </a:xfrm>
+          <a:custGeom>
+            <a:avLst/>
+            <a:gdLst/>
+            <a:ahLst/>
+            <a:rect l="l" t="t" r="r" b="b"/>
+            <a:pathLst>
+              <a:path w="2501265" h="0">
+                <a:moveTo>
+                  <a:pt x="0" y="0"/>
+                </a:moveTo>
+                <a:lnTo>
+                  <a:pt x="2500883" y="0"/>
+                </a:lnTo>
+              </a:path>
+            </a:pathLst>
+          </a:custGeom>
+          <a:noFill/>
+          <a:ln w="54720">
+            <a:solidFill>
+              <a:schemeClr val="accent1"/>
+            </a:solidFill>
+            <a:round/>
+          </a:ln>
+        </p:spPr>
+        <p:style>
+          <a:lnRef idx="0"/>
+          <a:fillRef idx="0"/>
+          <a:effectRef idx="0"/>
+          <a:fontRef idx="minor"/>
+        </p:style>
+      </p:sp>
+      <p:sp>
+        <p:nvSpPr>
+          <p:cNvPr id="308" name="CustomShape 10"/>
+          <p:cNvSpPr/>
+          <p:nvPr/>
+        </p:nvSpPr>
+        <p:spPr>
+          <a:xfrm>
+            <a:off x="1224000" y="2520000"/>
+            <a:ext cx="4174560" cy="3638520"/>
+          </a:xfrm>
+          <a:prstGeom prst="rect">
+            <a:avLst/>
+          </a:prstGeom>
+          <a:noFill/>
+          <a:ln>
+            <a:noFill/>
+          </a:ln>
+        </p:spPr>
+        <p:style>
+          <a:lnRef idx="0"/>
+          <a:fillRef idx="0"/>
+          <a:effectRef idx="0"/>
+          <a:fontRef idx="minor"/>
+        </p:style>
+        <p:txBody>
+          <a:bodyPr lIns="90000" rIns="90000" tIns="45000" bIns="45000">
+            <a:noAutofit/>
+          </a:bodyPr>
+          <a:p>
+            <a:pPr>
+              <a:lnSpc>
+                <a:spcPct val="100000"/>
+              </a:lnSpc>
+            </a:pPr>
+            <a:r>
+              <a:rPr b="0" lang="pt-BR" sz="2400" spc="-1" strike="noStrike">
+                <a:solidFill>
+                  <a:srgbClr val="ffffff"/>
+                </a:solidFill>
+                <a:latin typeface="Tw Cen MT"/>
+                <a:ea typeface="DejaVu Sans"/>
+              </a:rPr>
+              <a:t>O problema das perdas</a:t>
+            </a:r>
+            <a:endParaRPr b="0" lang="pt-BR" sz="2400" spc="-1" strike="noStrike">
+              <a:latin typeface="Nimbus Sans"/>
+            </a:endParaRPr>
+          </a:p>
+          <a:p>
+            <a:pPr>
+              <a:lnSpc>
+                <a:spcPct val="100000"/>
+              </a:lnSpc>
+            </a:pPr>
+            <a:endParaRPr b="0" lang="pt-BR" sz="2400" spc="-1" strike="noStrike">
+              <a:latin typeface="Nimbus Sans"/>
+            </a:endParaRPr>
+          </a:p>
+          <a:p>
+            <a:pPr>
+              <a:lnSpc>
+                <a:spcPct val="100000"/>
+              </a:lnSpc>
+            </a:pPr>
+            <a:r>
+              <a:rPr b="0" lang="pt-BR" sz="2400" spc="-1" strike="noStrike">
+                <a:solidFill>
+                  <a:srgbClr val="ffffff"/>
+                </a:solidFill>
+                <a:latin typeface="Tw Cen MT"/>
+                <a:ea typeface="DejaVu Sans"/>
+              </a:rPr>
+              <a:t>Empréstimos em atraso</a:t>
+            </a:r>
+            <a:endParaRPr b="0" lang="pt-BR" sz="2400" spc="-1" strike="noStrike">
+              <a:latin typeface="Nimbus Sans"/>
+            </a:endParaRPr>
+          </a:p>
+          <a:p>
+            <a:pPr>
+              <a:lnSpc>
+                <a:spcPct val="100000"/>
+              </a:lnSpc>
+            </a:pPr>
+            <a:endParaRPr b="0" lang="pt-BR" sz="2400" spc="-1" strike="noStrike">
+              <a:latin typeface="Nimbus Sans"/>
+            </a:endParaRPr>
+          </a:p>
+          <a:p>
+            <a:pPr>
+              <a:lnSpc>
+                <a:spcPct val="100000"/>
+              </a:lnSpc>
+            </a:pPr>
+            <a:r>
+              <a:rPr b="0" lang="pt-BR" sz="2400" spc="-1" strike="noStrike">
+                <a:solidFill>
+                  <a:srgbClr val="ffffff"/>
+                </a:solidFill>
+                <a:latin typeface="Tw Cen MT"/>
+                <a:ea typeface="DejaVu Sans"/>
+              </a:rPr>
+              <a:t>Muitos papéis</a:t>
+            </a:r>
+            <a:endParaRPr b="0" lang="pt-BR" sz="2400" spc="-1" strike="noStrike">
+              <a:latin typeface="Nimbus Sans"/>
+            </a:endParaRPr>
+          </a:p>
+        </p:txBody>
+      </p:sp>
+    </p:spTree>
+  </p:cSld>
+  <mc:AlternateContent>
+    <mc:Choice Requires="p14">
+      <p:transition spd="slow" p14:dur="2000"/>
+    </mc:Choice>
+    <mc:Fallback>
+      <p:transition spd="slow"/>
+    </mc:Fallback>
+  </mc:AlternateContent>
+</p:sld>
+</file>
+
+<file path=ppt/slides/slide12.xml><?xml version="1.0" encoding="utf-8"?>
+<p:sld xmlns:a="http://schemas.openxmlformats.org/drawingml/2006/main" xmlns:p="http://schemas.openxmlformats.org/presentationml/2006/main" xmlns:r="http://schemas.openxmlformats.org/officeDocument/2006/relationships" xmlns:p14="http://schemas.microsoft.com/office/powerpoint/2010/main" xmlns:p15="http://schemas.microsoft.com/office/powerpoint/2012/main" xmlns:mc="http://schemas.openxmlformats.org/markup-compatibility/2006">
+  <p:cSld>
+    <p:spTree>
+      <p:nvGrpSpPr>
+        <p:cNvPr id="1" name=""/>
+        <p:cNvGrpSpPr/>
+        <p:nvPr/>
+      </p:nvGrpSpPr>
+      <p:grpSpPr>
+        <a:xfrm>
+          <a:off x="0" y="0"/>
+          <a:ext cx="0" cy="0"/>
+          <a:chOff x="0" y="0"/>
+          <a:chExt cx="0" cy="0"/>
+        </a:xfrm>
+      </p:grpSpPr>
+      <p:pic>
+        <p:nvPicPr>
+          <p:cNvPr id="309" name="Espaço Reservado para Conteúdo 6" descr=""/>
+          <p:cNvPicPr/>
+          <p:nvPr/>
+        </p:nvPicPr>
+        <p:blipFill>
+          <a:blip r:embed="rId1"/>
+          <a:stretch/>
+        </p:blipFill>
+        <p:spPr>
+          <a:xfrm>
+            <a:off x="1080" y="720"/>
+            <a:ext cx="12187440" cy="6854400"/>
+          </a:xfrm>
+          <a:prstGeom prst="rect">
+            <a:avLst/>
+          </a:prstGeom>
+          <a:ln>
+            <a:noFill/>
+          </a:ln>
+        </p:spPr>
+      </p:pic>
+      <p:sp>
+        <p:nvSpPr>
+          <p:cNvPr id="310" name="CustomShape 1"/>
+          <p:cNvSpPr/>
+          <p:nvPr/>
+        </p:nvSpPr>
+        <p:spPr>
+          <a:xfrm>
+            <a:off x="360000" y="1224000"/>
+            <a:ext cx="7199640" cy="4138200"/>
+          </a:xfrm>
+          <a:prstGeom prst="rect">
+            <a:avLst/>
+          </a:prstGeom>
+          <a:solidFill>
+            <a:schemeClr val="accent2"/>
+          </a:solidFill>
+          <a:ln>
+            <a:noFill/>
+          </a:ln>
+        </p:spPr>
+        <p:style>
+          <a:lnRef idx="0"/>
+          <a:fillRef idx="0"/>
+          <a:effectRef idx="0"/>
+          <a:fontRef idx="minor"/>
+        </p:style>
+      </p:sp>
+      <p:sp>
+        <p:nvSpPr>
+          <p:cNvPr id="311" name="CustomShape 2"/>
+          <p:cNvSpPr/>
+          <p:nvPr/>
+        </p:nvSpPr>
+        <p:spPr>
+          <a:xfrm flipV="1">
+            <a:off x="900360" y="2980080"/>
+            <a:ext cx="3851280" cy="43560"/>
+          </a:xfrm>
+          <a:custGeom>
+            <a:avLst/>
+            <a:gdLst/>
+            <a:ahLst/>
+            <a:rect l="l" t="t" r="r" b="b"/>
+            <a:pathLst>
+              <a:path w="4206240" h="0">
+                <a:moveTo>
+                  <a:pt x="0" y="0"/>
+                </a:moveTo>
+                <a:lnTo>
+                  <a:pt x="4206240" y="0"/>
+                </a:lnTo>
+              </a:path>
+            </a:pathLst>
+          </a:custGeom>
+          <a:noFill/>
+          <a:ln w="54720">
+            <a:solidFill>
+              <a:schemeClr val="accent1"/>
+            </a:solidFill>
+            <a:round/>
+          </a:ln>
+        </p:spPr>
+        <p:style>
+          <a:lnRef idx="0"/>
+          <a:fillRef idx="0"/>
+          <a:effectRef idx="0"/>
+          <a:fontRef idx="minor"/>
+        </p:style>
+      </p:sp>
+      <p:sp>
+        <p:nvSpPr>
+          <p:cNvPr id="312" name="CustomShape 3"/>
+          <p:cNvSpPr/>
+          <p:nvPr/>
+        </p:nvSpPr>
+        <p:spPr>
+          <a:xfrm>
+            <a:off x="838080" y="1701720"/>
+            <a:ext cx="4857120" cy="1323360"/>
+          </a:xfrm>
+          <a:prstGeom prst="rect">
+            <a:avLst/>
+          </a:prstGeom>
+          <a:noFill/>
+          <a:ln>
+            <a:noFill/>
+          </a:ln>
+        </p:spPr>
+        <p:style>
+          <a:lnRef idx="0"/>
+          <a:fillRef idx="0"/>
+          <a:effectRef idx="0"/>
+          <a:fontRef idx="minor"/>
+        </p:style>
+        <p:txBody>
+          <a:bodyPr lIns="90000" rIns="90000" tIns="45000" bIns="45000" anchor="ctr">
+            <a:normAutofit/>
+          </a:bodyPr>
+          <a:p>
+            <a:pPr>
+              <a:lnSpc>
+                <a:spcPct val="90000"/>
+              </a:lnSpc>
+            </a:pPr>
+            <a:r>
+              <a:rPr b="1" lang="pt-BR" sz="5000" spc="-1" strike="noStrike">
+                <a:solidFill>
+                  <a:srgbClr val="ffffff"/>
+                </a:solidFill>
+                <a:latin typeface="Gill Sans MT"/>
+                <a:ea typeface="DejaVu Sans"/>
+              </a:rPr>
+              <a:t>Repositório Oficial</a:t>
+            </a:r>
+            <a:endParaRPr b="0" lang="pt-BR" sz="5000" spc="-1" strike="noStrike">
+              <a:latin typeface="Nimbus Sans"/>
+            </a:endParaRPr>
+          </a:p>
+        </p:txBody>
+      </p:sp>
+      <p:sp>
+        <p:nvSpPr>
+          <p:cNvPr id="313" name="CustomShape 4"/>
+          <p:cNvSpPr/>
+          <p:nvPr/>
+        </p:nvSpPr>
+        <p:spPr>
+          <a:xfrm>
+            <a:off x="11458080" y="6175080"/>
+            <a:ext cx="354960" cy="362880"/>
+          </a:xfrm>
+          <a:prstGeom prst="rect">
+            <a:avLst/>
+          </a:prstGeom>
+          <a:noFill/>
+          <a:ln>
+            <a:noFill/>
+          </a:ln>
+        </p:spPr>
+        <p:style>
+          <a:lnRef idx="0"/>
+          <a:fillRef idx="0"/>
+          <a:effectRef idx="0"/>
+          <a:fontRef idx="minor"/>
+        </p:style>
+        <p:txBody>
+          <a:bodyPr lIns="90000" rIns="90000" tIns="45000" bIns="45000" anchor="ctr">
+            <a:noAutofit/>
+          </a:bodyPr>
+          <a:p>
+            <a:pPr algn="r">
+              <a:lnSpc>
+                <a:spcPct val="100000"/>
+              </a:lnSpc>
+            </a:pPr>
+            <a:fld id="{D40B6FA3-BCA4-45A9-90EE-78CA5B4BDF58}" type="slidenum">
+              <a:rPr b="0" i="1" lang="pt-BR" sz="1000" spc="-1" strike="noStrike">
+                <a:solidFill>
+                  <a:srgbClr val="00292e"/>
+                </a:solidFill>
+                <a:latin typeface="Arial "/>
+                <a:ea typeface="DejaVu Sans"/>
+              </a:rPr>
+              <a:t>12</a:t>
+            </a:fld>
+            <a:endParaRPr b="0" lang="pt-BR" sz="1000" spc="-1" strike="noStrike">
+              <a:latin typeface="Nimbus Sans"/>
+            </a:endParaRPr>
+          </a:p>
+        </p:txBody>
+      </p:sp>
+      <p:sp>
+        <p:nvSpPr>
+          <p:cNvPr id="314" name="CustomShape 5"/>
+          <p:cNvSpPr/>
+          <p:nvPr/>
+        </p:nvSpPr>
+        <p:spPr>
+          <a:xfrm>
+            <a:off x="564840" y="3528000"/>
+            <a:ext cx="7055640" cy="395280"/>
+          </a:xfrm>
+          <a:prstGeom prst="rect">
+            <a:avLst/>
+          </a:prstGeom>
+          <a:noFill/>
+          <a:ln>
+            <a:noFill/>
+          </a:ln>
+        </p:spPr>
+        <p:style>
+          <a:lnRef idx="0"/>
+          <a:fillRef idx="0"/>
+          <a:effectRef idx="0"/>
+          <a:fontRef idx="minor"/>
+        </p:style>
+        <p:txBody>
+          <a:bodyPr lIns="90000" rIns="90000" tIns="45000" bIns="45000">
+            <a:spAutoFit/>
+          </a:bodyPr>
+          <a:p>
+            <a:pPr>
+              <a:lnSpc>
+                <a:spcPct val="100000"/>
+              </a:lnSpc>
+            </a:pPr>
+            <a:r>
+              <a:rPr b="0" lang="pt-BR" sz="2000" spc="-1" strike="noStrike">
+                <a:solidFill>
+                  <a:srgbClr val="ffffff"/>
+                </a:solidFill>
+                <a:latin typeface="Roboto"/>
+              </a:rPr>
+              <a:t>https://github.com/TobiasLino/InventoryControlSystem.git</a:t>
+            </a:r>
+            <a:endParaRPr b="0" lang="pt-BR" sz="2000" spc="-1" strike="noStrike">
               <a:latin typeface="Nimbus Sans"/>
             </a:endParaRPr>
           </a:p>
@@ -13451,7 +13283,7 @@
       </p:grpSpPr>
       <p:pic>
         <p:nvPicPr>
-          <p:cNvPr id="290" name="Espaço Reservado para Conteúdo 7" descr=""/>
+          <p:cNvPr id="247" name="Espaço Reservado para Conteúdo 7" descr=""/>
           <p:cNvPicPr/>
           <p:nvPr/>
         </p:nvPicPr>
@@ -13462,7 +13294,7 @@
         <p:spPr>
           <a:xfrm>
             <a:off x="2520" y="4680"/>
-            <a:ext cx="6989400" cy="6846840"/>
+            <a:ext cx="6989040" cy="6846480"/>
           </a:xfrm>
           <a:prstGeom prst="rect">
             <a:avLst/>
@@ -13474,14 +13306,14 @@
       </p:pic>
       <p:sp>
         <p:nvSpPr>
-          <p:cNvPr id="291" name="CustomShape 1"/>
+          <p:cNvPr id="248" name="CustomShape 1"/>
           <p:cNvSpPr/>
           <p:nvPr/>
         </p:nvSpPr>
         <p:spPr>
           <a:xfrm>
             <a:off x="8181360" y="1359000"/>
-            <a:ext cx="4008960" cy="4192200"/>
+            <a:ext cx="4008600" cy="4191840"/>
           </a:xfrm>
           <a:custGeom>
             <a:avLst/>
@@ -13525,14 +13357,14 @@
       </p:sp>
       <p:sp>
         <p:nvSpPr>
-          <p:cNvPr id="292" name="CustomShape 2"/>
+          <p:cNvPr id="249" name="CustomShape 2"/>
           <p:cNvSpPr/>
           <p:nvPr/>
         </p:nvSpPr>
         <p:spPr>
           <a:xfrm>
             <a:off x="5502960" y="1692000"/>
-            <a:ext cx="6688080" cy="3526200"/>
+            <a:ext cx="6687720" cy="3525840"/>
           </a:xfrm>
           <a:custGeom>
             <a:avLst/>
@@ -13576,14 +13408,14 @@
       </p:sp>
       <p:sp>
         <p:nvSpPr>
-          <p:cNvPr id="293" name="CustomShape 3"/>
+          <p:cNvPr id="250" name="CustomShape 3"/>
           <p:cNvSpPr/>
           <p:nvPr/>
         </p:nvSpPr>
         <p:spPr>
           <a:xfrm>
             <a:off x="6207840" y="2331000"/>
-            <a:ext cx="5163840" cy="831960"/>
+            <a:ext cx="5163480" cy="831600"/>
           </a:xfrm>
           <a:prstGeom prst="rect">
             <a:avLst/>
@@ -13627,14 +13459,14 @@
       </p:sp>
       <p:sp>
         <p:nvSpPr>
-          <p:cNvPr id="294" name="CustomShape 4"/>
+          <p:cNvPr id="251" name="CustomShape 4"/>
           <p:cNvSpPr/>
           <p:nvPr/>
         </p:nvSpPr>
         <p:spPr>
           <a:xfrm>
             <a:off x="6297120" y="3269880"/>
-            <a:ext cx="4718880" cy="42120"/>
+            <a:ext cx="4718520" cy="41760"/>
           </a:xfrm>
           <a:custGeom>
             <a:avLst/>
@@ -13669,14 +13501,14 @@
       </p:sp>
       <p:sp>
         <p:nvSpPr>
-          <p:cNvPr id="295" name="CustomShape 5"/>
+          <p:cNvPr id="252" name="CustomShape 5"/>
           <p:cNvSpPr/>
           <p:nvPr/>
         </p:nvSpPr>
         <p:spPr>
           <a:xfrm>
             <a:off x="6188400" y="3217680"/>
-            <a:ext cx="5179680" cy="1533240"/>
+            <a:ext cx="5179320" cy="1532880"/>
           </a:xfrm>
           <a:prstGeom prst="rect">
             <a:avLst/>
@@ -13695,14 +13527,14 @@
       </p:sp>
       <p:sp>
         <p:nvSpPr>
-          <p:cNvPr id="296" name="TextShape 6"/>
-          <p:cNvSpPr txBox="1"/>
+          <p:cNvPr id="253" name="CustomShape 6"/>
+          <p:cNvSpPr/>
           <p:nvPr/>
         </p:nvSpPr>
         <p:spPr>
           <a:xfrm>
             <a:off x="6188400" y="3672000"/>
-            <a:ext cx="5331600" cy="894960"/>
+            <a:ext cx="5331240" cy="912600"/>
           </a:xfrm>
           <a:prstGeom prst="rect">
             <a:avLst/>
@@ -13712,11 +13544,22 @@
             <a:noFill/>
           </a:ln>
         </p:spPr>
+        <p:style>
+          <a:lnRef idx="0"/>
+          <a:fillRef idx="0"/>
+          <a:effectRef idx="0"/>
+          <a:fontRef idx="minor"/>
+        </p:style>
         <p:txBody>
           <a:bodyPr lIns="90000" rIns="90000" tIns="45000" bIns="45000">
             <a:spAutoFit/>
           </a:bodyPr>
           <a:p>
+            <a:pPr>
+              <a:lnSpc>
+                <a:spcPct val="100000"/>
+              </a:lnSpc>
+            </a:pPr>
             <a:r>
               <a:rPr b="0" lang="pt-BR" sz="1800" spc="-1" strike="noStrike">
                 <a:solidFill>
@@ -13727,10 +13570,7 @@
               <a:t>Gerenciamento das informações de itens, clientes e empréstimos de uma obra social em São José dos Campos.</a:t>
             </a:r>
             <a:endParaRPr b="0" lang="pt-BR" sz="1800" spc="-1" strike="noStrike">
-              <a:solidFill>
-                <a:srgbClr val="ffffff"/>
-              </a:solidFill>
-              <a:latin typeface="Roboto"/>
+              <a:latin typeface="Nimbus Sans"/>
             </a:endParaRPr>
           </a:p>
         </p:txBody>
@@ -13767,14 +13607,14 @@
       </p:grpSpPr>
       <p:sp>
         <p:nvSpPr>
-          <p:cNvPr id="297" name="CustomShape 1"/>
+          <p:cNvPr id="254" name="CustomShape 1"/>
           <p:cNvSpPr/>
           <p:nvPr/>
         </p:nvSpPr>
         <p:spPr>
           <a:xfrm>
-            <a:off x="1080" y="3115440"/>
-            <a:ext cx="12187800" cy="3741840"/>
+            <a:off x="576000" y="144000"/>
+            <a:ext cx="11275560" cy="6855840"/>
           </a:xfrm>
           <a:prstGeom prst="ellipse">
             <a:avLst/>
@@ -13798,14 +13638,520 @@
       </p:sp>
       <p:sp>
         <p:nvSpPr>
-          <p:cNvPr id="298" name="CustomShape 2"/>
+          <p:cNvPr id="255" name="CustomShape 2"/>
           <p:cNvSpPr/>
           <p:nvPr/>
         </p:nvSpPr>
         <p:spPr>
           <a:xfrm>
+            <a:off x="485280" y="360000"/>
+            <a:ext cx="4049280" cy="5910840"/>
+          </a:xfrm>
+          <a:custGeom>
+            <a:avLst/>
+            <a:gdLst/>
+            <a:ahLst/>
+            <a:rect l="l" t="t" r="r" b="b"/>
+            <a:pathLst>
+              <a:path w="4010659" h="333375">
+                <a:moveTo>
+                  <a:pt x="0" y="333006"/>
+                </a:moveTo>
+                <a:lnTo>
+                  <a:pt x="4010367" y="333006"/>
+                </a:lnTo>
+                <a:lnTo>
+                  <a:pt x="4010367" y="0"/>
+                </a:lnTo>
+                <a:lnTo>
+                  <a:pt x="0" y="0"/>
+                </a:lnTo>
+                <a:lnTo>
+                  <a:pt x="0" y="333006"/>
+                </a:lnTo>
+                <a:close/>
+              </a:path>
+            </a:pathLst>
+          </a:custGeom>
+          <a:solidFill>
+            <a:schemeClr val="accent1"/>
+          </a:solidFill>
+          <a:ln>
+            <a:noFill/>
+          </a:ln>
+        </p:spPr>
+        <p:style>
+          <a:lnRef idx="0"/>
+          <a:fillRef idx="0"/>
+          <a:effectRef idx="0"/>
+          <a:fontRef idx="minor"/>
+        </p:style>
+      </p:sp>
+      <p:sp>
+        <p:nvSpPr>
+          <p:cNvPr id="256" name="CustomShape 3"/>
+          <p:cNvSpPr/>
+          <p:nvPr/>
+        </p:nvSpPr>
+        <p:spPr>
+          <a:xfrm>
+            <a:off x="11562120" y="6227280"/>
+            <a:ext cx="264240" cy="264240"/>
+          </a:xfrm>
+          <a:prstGeom prst="ellipse">
+            <a:avLst/>
+          </a:prstGeom>
+          <a:solidFill>
+            <a:schemeClr val="accent1"/>
+          </a:solidFill>
+          <a:ln>
+            <a:noFill/>
+          </a:ln>
+        </p:spPr>
+        <p:style>
+          <a:lnRef idx="2">
+            <a:schemeClr val="accent1">
+              <a:shade val="50000"/>
+            </a:schemeClr>
+          </a:lnRef>
+          <a:fillRef idx="1">
+            <a:schemeClr val="accent1"/>
+          </a:fillRef>
+          <a:effectRef idx="0">
+            <a:schemeClr val="accent1"/>
+          </a:effectRef>
+          <a:fontRef idx="minor"/>
+        </p:style>
+      </p:sp>
+      <p:sp>
+        <p:nvSpPr>
+          <p:cNvPr id="257" name="CustomShape 4"/>
+          <p:cNvSpPr/>
+          <p:nvPr/>
+        </p:nvSpPr>
+        <p:spPr>
+          <a:xfrm>
+            <a:off x="792000" y="1008000"/>
+            <a:ext cx="5182560" cy="5182560"/>
+          </a:xfrm>
+          <a:custGeom>
+            <a:avLst/>
+            <a:gdLst/>
+            <a:ahLst/>
+            <a:rect l="l" t="t" r="r" b="b"/>
+            <a:pathLst>
+              <a:path w="6689725" h="3528060">
+                <a:moveTo>
+                  <a:pt x="0" y="3527996"/>
+                </a:moveTo>
+                <a:lnTo>
+                  <a:pt x="6689648" y="3527996"/>
+                </a:lnTo>
+                <a:lnTo>
+                  <a:pt x="6689648" y="0"/>
+                </a:lnTo>
+                <a:lnTo>
+                  <a:pt x="0" y="0"/>
+                </a:lnTo>
+                <a:lnTo>
+                  <a:pt x="0" y="3527996"/>
+                </a:lnTo>
+                <a:close/>
+              </a:path>
+            </a:pathLst>
+          </a:custGeom>
+          <a:solidFill>
+            <a:schemeClr val="accent2"/>
+          </a:solidFill>
+          <a:ln>
+            <a:noFill/>
+          </a:ln>
+        </p:spPr>
+        <p:style>
+          <a:lnRef idx="0"/>
+          <a:fillRef idx="0"/>
+          <a:effectRef idx="0"/>
+          <a:fontRef idx="minor"/>
+        </p:style>
+      </p:sp>
+      <p:sp>
+        <p:nvSpPr>
+          <p:cNvPr id="258" name="CustomShape 5"/>
+          <p:cNvSpPr/>
+          <p:nvPr/>
+        </p:nvSpPr>
+        <p:spPr>
+          <a:xfrm>
+            <a:off x="1379880" y="1519200"/>
+            <a:ext cx="4768560" cy="824400"/>
+          </a:xfrm>
+          <a:prstGeom prst="rect">
+            <a:avLst/>
+          </a:prstGeom>
+          <a:noFill/>
+          <a:ln>
+            <a:noFill/>
+          </a:ln>
+        </p:spPr>
+        <p:style>
+          <a:lnRef idx="0"/>
+          <a:fillRef idx="0"/>
+          <a:effectRef idx="0"/>
+          <a:fontRef idx="minor"/>
+        </p:style>
+        <p:txBody>
+          <a:bodyPr lIns="90000" rIns="90000" tIns="45000" bIns="45000">
+            <a:normAutofit/>
+          </a:bodyPr>
+          <a:p>
+            <a:pPr>
+              <a:lnSpc>
+                <a:spcPct val="90000"/>
+              </a:lnSpc>
+            </a:pPr>
+            <a:r>
+              <a:rPr b="1" lang="pt-BR" sz="3000" spc="-1" strike="noStrike">
+                <a:solidFill>
+                  <a:srgbClr val="ffffff"/>
+                </a:solidFill>
+                <a:latin typeface="Gill Sans MT"/>
+                <a:ea typeface="DejaVu Sans"/>
+              </a:rPr>
+              <a:t>Motivação</a:t>
+            </a:r>
+            <a:endParaRPr b="0" lang="pt-BR" sz="3000" spc="-1" strike="noStrike">
+              <a:latin typeface="Nimbus Sans"/>
+            </a:endParaRPr>
+          </a:p>
+        </p:txBody>
+      </p:sp>
+      <p:sp>
+        <p:nvSpPr>
+          <p:cNvPr id="259" name="CustomShape 6"/>
+          <p:cNvSpPr/>
+          <p:nvPr/>
+        </p:nvSpPr>
+        <p:spPr>
+          <a:xfrm>
+            <a:off x="11458080" y="6175080"/>
+            <a:ext cx="354960" cy="362880"/>
+          </a:xfrm>
+          <a:prstGeom prst="rect">
+            <a:avLst/>
+          </a:prstGeom>
+          <a:noFill/>
+          <a:ln>
+            <a:noFill/>
+          </a:ln>
+        </p:spPr>
+        <p:style>
+          <a:lnRef idx="0"/>
+          <a:fillRef idx="0"/>
+          <a:effectRef idx="0"/>
+          <a:fontRef idx="minor"/>
+        </p:style>
+        <p:txBody>
+          <a:bodyPr lIns="90000" rIns="90000" tIns="45000" bIns="45000" anchor="ctr">
+            <a:noAutofit/>
+          </a:bodyPr>
+          <a:p>
+            <a:pPr algn="r">
+              <a:lnSpc>
+                <a:spcPct val="100000"/>
+              </a:lnSpc>
+            </a:pPr>
+            <a:fld id="{14FDF52D-02D2-4E7F-BF34-2D62814500F3}" type="slidenum">
+              <a:rPr b="0" i="1" lang="pt-BR" sz="1000" spc="-1" strike="noStrike">
+                <a:solidFill>
+                  <a:srgbClr val="00292e"/>
+                </a:solidFill>
+                <a:latin typeface="Arial "/>
+                <a:ea typeface="DejaVu Sans"/>
+              </a:rPr>
+              <a:t>&lt;número&gt;</a:t>
+            </a:fld>
+            <a:endParaRPr b="0" lang="pt-BR" sz="1000" spc="-1" strike="noStrike">
+              <a:latin typeface="Nimbus Sans"/>
+            </a:endParaRPr>
+          </a:p>
+        </p:txBody>
+      </p:sp>
+      <p:sp>
+        <p:nvSpPr>
+          <p:cNvPr id="260" name="CustomShape 7"/>
+          <p:cNvSpPr/>
+          <p:nvPr/>
+        </p:nvSpPr>
+        <p:spPr>
+          <a:xfrm>
+            <a:off x="2072520" y="3638160"/>
+            <a:ext cx="4055760" cy="470160"/>
+          </a:xfrm>
+          <a:prstGeom prst="rect">
+            <a:avLst/>
+          </a:prstGeom>
+          <a:noFill/>
+          <a:ln>
+            <a:noFill/>
+          </a:ln>
+        </p:spPr>
+        <p:style>
+          <a:lnRef idx="0"/>
+          <a:fillRef idx="0"/>
+          <a:effectRef idx="0"/>
+          <a:fontRef idx="minor"/>
+        </p:style>
+      </p:sp>
+      <p:sp>
+        <p:nvSpPr>
+          <p:cNvPr id="261" name="CustomShape 8"/>
+          <p:cNvSpPr/>
+          <p:nvPr/>
+        </p:nvSpPr>
+        <p:spPr>
+          <a:xfrm>
+            <a:off x="2072520" y="4433760"/>
+            <a:ext cx="4055760" cy="399960"/>
+          </a:xfrm>
+          <a:prstGeom prst="rect">
+            <a:avLst/>
+          </a:prstGeom>
+          <a:noFill/>
+          <a:ln>
+            <a:noFill/>
+          </a:ln>
+        </p:spPr>
+        <p:style>
+          <a:lnRef idx="0"/>
+          <a:fillRef idx="0"/>
+          <a:effectRef idx="0"/>
+          <a:fontRef idx="minor"/>
+        </p:style>
+      </p:sp>
+      <p:sp>
+        <p:nvSpPr>
+          <p:cNvPr id="262" name="CustomShape 9"/>
+          <p:cNvSpPr/>
+          <p:nvPr/>
+        </p:nvSpPr>
+        <p:spPr>
+          <a:xfrm flipV="1">
+            <a:off x="1449360" y="2154600"/>
+            <a:ext cx="4021200" cy="73440"/>
+          </a:xfrm>
+          <a:custGeom>
+            <a:avLst/>
+            <a:gdLst/>
+            <a:ahLst/>
+            <a:rect l="l" t="t" r="r" b="b"/>
+            <a:pathLst>
+              <a:path w="2501265" h="0">
+                <a:moveTo>
+                  <a:pt x="0" y="0"/>
+                </a:moveTo>
+                <a:lnTo>
+                  <a:pt x="2500883" y="0"/>
+                </a:lnTo>
+              </a:path>
+            </a:pathLst>
+          </a:custGeom>
+          <a:noFill/>
+          <a:ln w="54720">
+            <a:solidFill>
+              <a:schemeClr val="accent1"/>
+            </a:solidFill>
+            <a:round/>
+          </a:ln>
+        </p:spPr>
+        <p:style>
+          <a:lnRef idx="0"/>
+          <a:fillRef idx="0"/>
+          <a:effectRef idx="0"/>
+          <a:fontRef idx="minor"/>
+        </p:style>
+      </p:sp>
+      <p:sp>
+        <p:nvSpPr>
+          <p:cNvPr id="263" name="CustomShape 10"/>
+          <p:cNvSpPr/>
+          <p:nvPr/>
+        </p:nvSpPr>
+        <p:spPr>
+          <a:xfrm>
+            <a:off x="1224000" y="2520000"/>
+            <a:ext cx="4174560" cy="3638520"/>
+          </a:xfrm>
+          <a:prstGeom prst="rect">
+            <a:avLst/>
+          </a:prstGeom>
+          <a:noFill/>
+          <a:ln>
+            <a:noFill/>
+          </a:ln>
+        </p:spPr>
+        <p:style>
+          <a:lnRef idx="0"/>
+          <a:fillRef idx="0"/>
+          <a:effectRef idx="0"/>
+          <a:fontRef idx="minor"/>
+        </p:style>
+        <p:txBody>
+          <a:bodyPr lIns="90000" rIns="90000" tIns="45000" bIns="45000">
+            <a:noAutofit/>
+          </a:bodyPr>
+          <a:p>
+            <a:pPr>
+              <a:lnSpc>
+                <a:spcPct val="100000"/>
+              </a:lnSpc>
+            </a:pPr>
+            <a:r>
+              <a:rPr b="0" lang="pt-BR" sz="2400" spc="-1" strike="noStrike">
+                <a:solidFill>
+                  <a:srgbClr val="ffffff"/>
+                </a:solidFill>
+                <a:latin typeface="Tw Cen MT"/>
+                <a:ea typeface="DejaVu Sans"/>
+              </a:rPr>
+              <a:t>O problema das perdas</a:t>
+            </a:r>
+            <a:endParaRPr b="0" lang="pt-BR" sz="2400" spc="-1" strike="noStrike">
+              <a:latin typeface="Nimbus Sans"/>
+            </a:endParaRPr>
+          </a:p>
+          <a:p>
+            <a:pPr>
+              <a:lnSpc>
+                <a:spcPct val="100000"/>
+              </a:lnSpc>
+            </a:pPr>
+            <a:endParaRPr b="0" lang="pt-BR" sz="2400" spc="-1" strike="noStrike">
+              <a:latin typeface="Nimbus Sans"/>
+            </a:endParaRPr>
+          </a:p>
+          <a:p>
+            <a:pPr>
+              <a:lnSpc>
+                <a:spcPct val="100000"/>
+              </a:lnSpc>
+            </a:pPr>
+            <a:r>
+              <a:rPr b="0" lang="pt-BR" sz="2400" spc="-1" strike="noStrike">
+                <a:solidFill>
+                  <a:srgbClr val="ffffff"/>
+                </a:solidFill>
+                <a:latin typeface="Tw Cen MT"/>
+                <a:ea typeface="DejaVu Sans"/>
+              </a:rPr>
+              <a:t>Empréstimos em atraso</a:t>
+            </a:r>
+            <a:endParaRPr b="0" lang="pt-BR" sz="2400" spc="-1" strike="noStrike">
+              <a:latin typeface="Nimbus Sans"/>
+            </a:endParaRPr>
+          </a:p>
+          <a:p>
+            <a:pPr>
+              <a:lnSpc>
+                <a:spcPct val="100000"/>
+              </a:lnSpc>
+            </a:pPr>
+            <a:endParaRPr b="0" lang="pt-BR" sz="2400" spc="-1" strike="noStrike">
+              <a:latin typeface="Nimbus Sans"/>
+            </a:endParaRPr>
+          </a:p>
+          <a:p>
+            <a:pPr>
+              <a:lnSpc>
+                <a:spcPct val="100000"/>
+              </a:lnSpc>
+            </a:pPr>
+            <a:r>
+              <a:rPr b="0" lang="pt-BR" sz="2400" spc="-1" strike="noStrike">
+                <a:solidFill>
+                  <a:srgbClr val="ffffff"/>
+                </a:solidFill>
+                <a:latin typeface="Tw Cen MT"/>
+                <a:ea typeface="DejaVu Sans"/>
+              </a:rPr>
+              <a:t>Muitos papéis</a:t>
+            </a:r>
+            <a:endParaRPr b="0" lang="pt-BR" sz="2400" spc="-1" strike="noStrike">
+              <a:latin typeface="Nimbus Sans"/>
+            </a:endParaRPr>
+          </a:p>
+        </p:txBody>
+      </p:sp>
+    </p:spTree>
+  </p:cSld>
+  <mc:AlternateContent>
+    <mc:Choice Requires="p14">
+      <p:transition spd="slow" p14:dur="2000"/>
+    </mc:Choice>
+    <mc:Fallback>
+      <p:transition spd="slow"/>
+    </mc:Fallback>
+  </mc:AlternateContent>
+</p:sld>
+</file>
+
+<file path=ppt/slides/slide4.xml><?xml version="1.0" encoding="utf-8"?>
+<p:sld xmlns:a="http://schemas.openxmlformats.org/drawingml/2006/main" xmlns:p="http://schemas.openxmlformats.org/presentationml/2006/main" xmlns:r="http://schemas.openxmlformats.org/officeDocument/2006/relationships" xmlns:p14="http://schemas.microsoft.com/office/powerpoint/2010/main" xmlns:p15="http://schemas.microsoft.com/office/powerpoint/2012/main" xmlns:mc="http://schemas.openxmlformats.org/markup-compatibility/2006">
+  <p:cSld>
+    <p:spTree>
+      <p:nvGrpSpPr>
+        <p:cNvPr id="1" name=""/>
+        <p:cNvGrpSpPr/>
+        <p:nvPr/>
+      </p:nvGrpSpPr>
+      <p:grpSpPr>
+        <a:xfrm>
+          <a:off x="0" y="0"/>
+          <a:ext cx="0" cy="0"/>
+          <a:chOff x="0" y="0"/>
+          <a:chExt cx="0" cy="0"/>
+        </a:xfrm>
+      </p:grpSpPr>
+      <p:sp>
+        <p:nvSpPr>
+          <p:cNvPr id="264" name="CustomShape 1"/>
+          <p:cNvSpPr/>
+          <p:nvPr/>
+        </p:nvSpPr>
+        <p:spPr>
+          <a:xfrm>
+            <a:off x="1080" y="3115440"/>
+            <a:ext cx="12187440" cy="3741480"/>
+          </a:xfrm>
+          <a:prstGeom prst="ellipse">
+            <a:avLst/>
+          </a:prstGeom>
+          <a:blipFill rotWithShape="0">
+            <a:blip r:embed="rId1"/>
+            <a:stretch>
+              <a:fillRect/>
+            </a:stretch>
+          </a:blipFill>
+          <a:ln>
+            <a:noFill/>
+          </a:ln>
+        </p:spPr>
+        <p:style>
+          <a:lnRef idx="0"/>
+          <a:fillRef idx="0"/>
+          <a:effectRef idx="0"/>
+          <a:fontRef idx="minor"/>
+        </p:style>
+      </p:sp>
+      <p:sp>
+        <p:nvSpPr>
+          <p:cNvPr id="265" name="CustomShape 2"/>
+          <p:cNvSpPr/>
+          <p:nvPr/>
+        </p:nvSpPr>
+        <p:spPr>
+          <a:xfrm>
             <a:off x="0" y="3115800"/>
-            <a:ext cx="12187800" cy="3740760"/>
+            <a:ext cx="12187440" cy="3740400"/>
           </a:xfrm>
           <a:custGeom>
             <a:avLst/>
@@ -13851,14 +14197,14 @@
       </p:sp>
       <p:sp>
         <p:nvSpPr>
-          <p:cNvPr id="299" name="CustomShape 3"/>
+          <p:cNvPr id="266" name="CustomShape 3"/>
           <p:cNvSpPr/>
           <p:nvPr/>
         </p:nvSpPr>
         <p:spPr>
           <a:xfrm>
             <a:off x="720000" y="979560"/>
-            <a:ext cx="9986400" cy="1323720"/>
+            <a:ext cx="9986040" cy="1323360"/>
           </a:xfrm>
           <a:prstGeom prst="rect">
             <a:avLst/>
@@ -13912,14 +14258,14 @@
       </p:sp>
       <p:sp>
         <p:nvSpPr>
-          <p:cNvPr id="300" name="CustomShape 4"/>
+          <p:cNvPr id="267" name="CustomShape 4"/>
           <p:cNvSpPr/>
           <p:nvPr/>
         </p:nvSpPr>
         <p:spPr>
           <a:xfrm>
             <a:off x="1001880" y="2619360"/>
-            <a:ext cx="5009400" cy="43920"/>
+            <a:ext cx="5009040" cy="43560"/>
           </a:xfrm>
           <a:custGeom>
             <a:avLst/>
@@ -13954,14 +14300,14 @@
       </p:sp>
       <p:sp>
         <p:nvSpPr>
-          <p:cNvPr id="301" name="CustomShape 5"/>
+          <p:cNvPr id="268" name="CustomShape 5"/>
           <p:cNvSpPr/>
           <p:nvPr/>
         </p:nvSpPr>
         <p:spPr>
           <a:xfrm>
             <a:off x="720000" y="3024000"/>
-            <a:ext cx="9010080" cy="3672000"/>
+            <a:ext cx="9009720" cy="3671640"/>
           </a:xfrm>
           <a:prstGeom prst="rect">
             <a:avLst/>
@@ -13979,7 +14325,7 @@
         </p:style>
         <p:txBody>
           <a:bodyPr lIns="90000" rIns="90000" tIns="45000" bIns="45000">
-            <a:normAutofit fontScale="82000"/>
+            <a:normAutofit fontScale="87000"/>
           </a:bodyPr>
           <a:p>
             <a:pPr>
@@ -13990,12 +14336,12 @@
                 <a:spcPts val="601"/>
               </a:spcBef>
             </a:pPr>
-            <a:endParaRPr b="0" lang="pt-BR" sz="3600" spc="-1" strike="noStrike">
-              <a:latin typeface="Nimbus Sans"/>
-            </a:endParaRPr>
-          </a:p>
-          <a:p>
-            <a:pPr marL="285840" indent="-284400">
+            <a:endParaRPr b="0" lang="pt-BR" sz="1800" spc="-1" strike="noStrike">
+              <a:latin typeface="Nimbus Sans"/>
+            </a:endParaRPr>
+          </a:p>
+          <a:p>
+            <a:pPr marL="285840" indent="-284040">
               <a:lnSpc>
                 <a:spcPct val="100000"/>
               </a:lnSpc>
@@ -14036,7 +14382,7 @@
             </a:endParaRPr>
           </a:p>
           <a:p>
-            <a:pPr marL="285840" indent="-284760">
+            <a:pPr marL="285840" indent="-284400">
               <a:lnSpc>
                 <a:spcPct val="100000"/>
               </a:lnSpc>
@@ -14057,52 +14403,27 @@
                 <a:latin typeface="Roboto"/>
                 <a:ea typeface="DejaVu Sans"/>
               </a:rPr>
-              <a:t>Gerenciar os itens </a:t>
-            </a:r>
-            <a:r>
-              <a:rPr b="0" lang="pt-BR" sz="3600" spc="-1" strike="noStrike">
-                <a:solidFill>
-                  <a:srgbClr val="f2f2f2"/>
-                </a:solidFill>
-                <a:latin typeface="Roboto"/>
-                <a:ea typeface="DejaVu Sans"/>
-              </a:rPr>
-              <a:t>doados</a:t>
-            </a:r>
-            <a:r>
-              <a:rPr b="0" lang="pt-BR" sz="3600" spc="-1" strike="noStrike">
-                <a:solidFill>
-                  <a:srgbClr val="f2f2f2"/>
-                </a:solidFill>
-                <a:latin typeface="Roboto"/>
-                <a:ea typeface="DejaVu Sans"/>
-              </a:rPr>
-              <a:t> e recebidos pela instituição.</a:t>
+              <a:t>Gerenciar os itens doados e recebidos pela instituição.</a:t>
             </a:r>
             <a:endParaRPr b="0" lang="pt-BR" sz="3600" spc="-1" strike="noStrike">
               <a:latin typeface="Nimbus Sans"/>
             </a:endParaRPr>
           </a:p>
           <a:p>
-            <a:pPr marL="285840" indent="-284760">
+            <a:pPr>
               <a:lnSpc>
                 <a:spcPct val="100000"/>
               </a:lnSpc>
               <a:spcBef>
                 <a:spcPts val="601"/>
               </a:spcBef>
-              <a:buClr>
-                <a:srgbClr val="f2f2f2"/>
-              </a:buClr>
-              <a:buFont typeface="Arial"/>
-              <a:buChar char="•"/>
             </a:pPr>
             <a:endParaRPr b="0" lang="pt-BR" sz="3600" spc="-1" strike="noStrike">
               <a:latin typeface="Nimbus Sans"/>
             </a:endParaRPr>
           </a:p>
           <a:p>
-            <a:pPr marL="285840" indent="-284760">
+            <a:pPr marL="285840" indent="-284400">
               <a:lnSpc>
                 <a:spcPct val="100000"/>
               </a:lnSpc>
@@ -14170,7 +14491,7 @@
 </p:sld>
 </file>
 
-<file path=ppt/slides/slide4.xml><?xml version="1.0" encoding="utf-8"?>
+<file path=ppt/slides/slide5.xml><?xml version="1.0" encoding="utf-8"?>
 <p:sld xmlns:a="http://schemas.openxmlformats.org/drawingml/2006/main" xmlns:p="http://schemas.openxmlformats.org/presentationml/2006/main" xmlns:r="http://schemas.openxmlformats.org/officeDocument/2006/relationships" xmlns:p14="http://schemas.microsoft.com/office/powerpoint/2010/main" xmlns:p15="http://schemas.microsoft.com/office/powerpoint/2012/main" xmlns:mc="http://schemas.openxmlformats.org/markup-compatibility/2006">
   <p:cSld>
     <p:spTree>
@@ -14189,14 +14510,14 @@
       </p:grpSpPr>
       <p:sp>
         <p:nvSpPr>
-          <p:cNvPr id="302" name="CustomShape 1"/>
+          <p:cNvPr id="269" name="CustomShape 1"/>
           <p:cNvSpPr/>
           <p:nvPr/>
         </p:nvSpPr>
         <p:spPr>
           <a:xfrm>
             <a:off x="1080" y="3115440"/>
-            <a:ext cx="12187800" cy="3741840"/>
+            <a:ext cx="12187440" cy="3741480"/>
           </a:xfrm>
           <a:prstGeom prst="ellipse">
             <a:avLst/>
@@ -14220,14 +14541,14 @@
       </p:sp>
       <p:sp>
         <p:nvSpPr>
-          <p:cNvPr id="303" name="CustomShape 2"/>
+          <p:cNvPr id="270" name="CustomShape 2"/>
           <p:cNvSpPr/>
           <p:nvPr/>
         </p:nvSpPr>
         <p:spPr>
           <a:xfrm>
             <a:off x="4320" y="2303640"/>
-            <a:ext cx="12187800" cy="4553280"/>
+            <a:ext cx="12187440" cy="4552920"/>
           </a:xfrm>
           <a:custGeom>
             <a:avLst/>
@@ -14273,14 +14594,14 @@
       </p:sp>
       <p:sp>
         <p:nvSpPr>
-          <p:cNvPr id="304" name="CustomShape 3"/>
+          <p:cNvPr id="271" name="CustomShape 3"/>
           <p:cNvSpPr/>
           <p:nvPr/>
         </p:nvSpPr>
         <p:spPr>
           <a:xfrm>
             <a:off x="745560" y="979920"/>
-            <a:ext cx="9986400" cy="1323720"/>
+            <a:ext cx="9986040" cy="1323360"/>
           </a:xfrm>
           <a:prstGeom prst="rect">
             <a:avLst/>
@@ -14334,14 +14655,14 @@
       </p:sp>
       <p:sp>
         <p:nvSpPr>
-          <p:cNvPr id="305" name="CustomShape 4"/>
+          <p:cNvPr id="272" name="CustomShape 4"/>
           <p:cNvSpPr/>
           <p:nvPr/>
         </p:nvSpPr>
         <p:spPr>
           <a:xfrm>
             <a:off x="822600" y="1872000"/>
-            <a:ext cx="5009400" cy="43920"/>
+            <a:ext cx="5009040" cy="43560"/>
           </a:xfrm>
           <a:custGeom>
             <a:avLst/>
@@ -14376,14 +14697,14 @@
       </p:sp>
       <p:sp>
         <p:nvSpPr>
-          <p:cNvPr id="306" name="CustomShape 5"/>
+          <p:cNvPr id="273" name="CustomShape 5"/>
           <p:cNvSpPr/>
           <p:nvPr/>
         </p:nvSpPr>
         <p:spPr>
           <a:xfrm>
             <a:off x="936000" y="3024000"/>
-            <a:ext cx="11727360" cy="3471840"/>
+            <a:ext cx="11727000" cy="3471480"/>
           </a:xfrm>
           <a:prstGeom prst="rect">
             <a:avLst/>
@@ -14423,10 +14744,7 @@
               <a:t>Usuários realizam diversas tarefas</a:t>
             </a:r>
             <a:endParaRPr b="0" lang="pt-BR" sz="2600" spc="-1" strike="noStrike">
-              <a:solidFill>
-                <a:srgbClr val="ffffff"/>
-              </a:solidFill>
-              <a:latin typeface="Roboto"/>
+              <a:latin typeface="Nimbus Sans"/>
             </a:endParaRPr>
           </a:p>
           <a:p>
@@ -14439,10 +14757,7 @@
               </a:spcBef>
             </a:pPr>
             <a:endParaRPr b="0" lang="pt-BR" sz="2600" spc="-1" strike="noStrike">
-              <a:solidFill>
-                <a:srgbClr val="ffffff"/>
-              </a:solidFill>
-              <a:latin typeface="Roboto"/>
+              <a:latin typeface="Nimbus Sans"/>
             </a:endParaRPr>
           </a:p>
           <a:p>
@@ -14465,10 +14780,7 @@
               <a:t>Cadastro de Funcionários</a:t>
             </a:r>
             <a:endParaRPr b="0" lang="pt-BR" sz="2600" spc="-1" strike="noStrike">
-              <a:solidFill>
-                <a:srgbClr val="ffffff"/>
-              </a:solidFill>
-              <a:latin typeface="Roboto"/>
+              <a:latin typeface="Nimbus Sans"/>
             </a:endParaRPr>
           </a:p>
           <a:p>
@@ -14491,10 +14803,7 @@
               <a:t>Empréstimos</a:t>
             </a:r>
             <a:endParaRPr b="0" lang="pt-BR" sz="2600" spc="-1" strike="noStrike">
-              <a:solidFill>
-                <a:srgbClr val="ffffff"/>
-              </a:solidFill>
-              <a:latin typeface="Roboto"/>
+              <a:latin typeface="Nimbus Sans"/>
             </a:endParaRPr>
           </a:p>
         </p:txBody>
@@ -14512,7 +14821,7 @@
 </p:sld>
 </file>
 
-<file path=ppt/slides/slide5.xml><?xml version="1.0" encoding="utf-8"?>
+<file path=ppt/slides/slide6.xml><?xml version="1.0" encoding="utf-8"?>
 <p:sld xmlns:a="http://schemas.openxmlformats.org/drawingml/2006/main" xmlns:p="http://schemas.openxmlformats.org/presentationml/2006/main" xmlns:r="http://schemas.openxmlformats.org/officeDocument/2006/relationships" xmlns:p14="http://schemas.microsoft.com/office/powerpoint/2010/main" xmlns:p15="http://schemas.microsoft.com/office/powerpoint/2012/main" xmlns:mc="http://schemas.openxmlformats.org/markup-compatibility/2006">
   <p:cSld>
     <p:spTree>
@@ -14531,7 +14840,7 @@
       </p:grpSpPr>
       <p:pic>
         <p:nvPicPr>
-          <p:cNvPr id="307" name="Espaço Reservado para Conteúdo 6" descr=""/>
+          <p:cNvPr id="274" name="Espaço Reservado para Conteúdo 6" descr=""/>
           <p:cNvPicPr/>
           <p:nvPr/>
         </p:nvPicPr>
@@ -14542,7 +14851,7 @@
         <p:spPr>
           <a:xfrm>
             <a:off x="1080" y="0"/>
-            <a:ext cx="12187800" cy="6854760"/>
+            <a:ext cx="12187440" cy="6854400"/>
           </a:xfrm>
           <a:prstGeom prst="rect">
             <a:avLst/>
@@ -14554,14 +14863,14 @@
       </p:pic>
       <p:sp>
         <p:nvSpPr>
-          <p:cNvPr id="308" name="CustomShape 1"/>
+          <p:cNvPr id="275" name="CustomShape 1"/>
           <p:cNvSpPr/>
           <p:nvPr/>
         </p:nvSpPr>
         <p:spPr>
           <a:xfrm>
             <a:off x="1080" y="0"/>
-            <a:ext cx="12187800" cy="6856200"/>
+            <a:ext cx="12187440" cy="6855840"/>
           </a:xfrm>
           <a:custGeom>
             <a:avLst/>
@@ -14607,14 +14916,14 @@
       </p:sp>
       <p:sp>
         <p:nvSpPr>
-          <p:cNvPr id="309" name="CustomShape 2"/>
+          <p:cNvPr id="276" name="CustomShape 2"/>
           <p:cNvSpPr/>
           <p:nvPr/>
         </p:nvSpPr>
         <p:spPr>
           <a:xfrm>
             <a:off x="806040" y="330120"/>
-            <a:ext cx="10513800" cy="1323720"/>
+            <a:ext cx="10513440" cy="1323360"/>
           </a:xfrm>
           <a:prstGeom prst="rect">
             <a:avLst/>
@@ -14658,13 +14967,13 @@
       </p:sp>
       <p:graphicFrame>
         <p:nvGraphicFramePr>
-          <p:cNvPr id="310" name="Table 3"/>
+          <p:cNvPr id="277" name="Table 3"/>
           <p:cNvGraphicFramePr/>
           <p:nvPr/>
         </p:nvGraphicFramePr>
         <p:xfrm>
           <a:off x="859320" y="2544840"/>
-          <a:ext cx="10311480" cy="3575160"/>
+          <a:ext cx="10311480" cy="3574800"/>
         </p:xfrm>
         <a:graphic>
           <a:graphicData uri="http://schemas.openxmlformats.org/drawingml/2006/table">
@@ -14838,7 +15147,7 @@
                         <a:t>Dados de itens;</a:t>
                       </a:r>
                       <a:endParaRPr b="0" lang="pt-BR" sz="2400" spc="-1" strike="noStrike">
-                        <a:latin typeface="Roboto"/>
+                        <a:latin typeface="Nimbus Sans"/>
                       </a:endParaRPr>
                     </a:p>
                     <a:p>
@@ -14858,7 +15167,7 @@
                         <a:t>Dados dos clientes;</a:t>
                       </a:r>
                       <a:endParaRPr b="0" lang="pt-BR" sz="2400" spc="-1" strike="noStrike">
-                        <a:latin typeface="Roboto"/>
+                        <a:latin typeface="Nimbus Sans"/>
                       </a:endParaRPr>
                     </a:p>
                     <a:p>
@@ -14878,7 +15187,7 @@
                         <a:t>Dados dos Empréstimo.</a:t>
                       </a:r>
                       <a:endParaRPr b="0" lang="pt-BR" sz="2400" spc="-1" strike="noStrike">
-                        <a:latin typeface="Roboto"/>
+                        <a:latin typeface="Nimbus Sans"/>
                       </a:endParaRPr>
                     </a:p>
                   </a:txBody>
@@ -14926,7 +15235,7 @@
                         <a:t>Abre planilha com informações;</a:t>
                       </a:r>
                       <a:endParaRPr b="0" lang="pt-BR" sz="2200" spc="-1" strike="noStrike">
-                        <a:latin typeface="Roboto"/>
+                        <a:latin typeface="Nimbus Sans"/>
                       </a:endParaRPr>
                     </a:p>
                     <a:p>
@@ -14946,7 +15255,7 @@
                         <a:t>Salva os dados no Banco;</a:t>
                       </a:r>
                       <a:endParaRPr b="0" lang="pt-BR" sz="2200" spc="-1" strike="noStrike">
-                        <a:latin typeface="Roboto"/>
+                        <a:latin typeface="Nimbus Sans"/>
                       </a:endParaRPr>
                     </a:p>
                     <a:p>
@@ -14966,7 +15275,7 @@
                         <a:t>Adiciona ou atualiza os dados;</a:t>
                       </a:r>
                       <a:endParaRPr b="0" lang="pt-BR" sz="2200" spc="-1" strike="noStrike">
-                        <a:latin typeface="Roboto"/>
+                        <a:latin typeface="Nimbus Sans"/>
                       </a:endParaRPr>
                     </a:p>
                     <a:p>
@@ -14986,7 +15295,7 @@
                         <a:t>Registra as atividades;</a:t>
                       </a:r>
                       <a:endParaRPr b="0" lang="pt-BR" sz="2200" spc="-1" strike="noStrike">
-                        <a:latin typeface="Roboto"/>
+                        <a:latin typeface="Nimbus Sans"/>
                       </a:endParaRPr>
                     </a:p>
                     <a:p>
@@ -15006,7 +15315,7 @@
                         <a:t>Insere no Banco de Dados;</a:t>
                       </a:r>
                       <a:endParaRPr b="0" lang="pt-BR" sz="2200" spc="-1" strike="noStrike">
-                        <a:latin typeface="Roboto"/>
+                        <a:latin typeface="Nimbus Sans"/>
                       </a:endParaRPr>
                     </a:p>
                     <a:p>
@@ -15026,7 +15335,7 @@
                         <a:t>Salva o Banco.</a:t>
                       </a:r>
                       <a:endParaRPr b="0" lang="pt-BR" sz="2200" spc="-1" strike="noStrike">
-                        <a:latin typeface="Roboto"/>
+                        <a:latin typeface="Nimbus Sans"/>
                       </a:endParaRPr>
                     </a:p>
                   </a:txBody>
@@ -15074,7 +15383,7 @@
                         <a:t>Planilhas atualizadas;</a:t>
                       </a:r>
                       <a:endParaRPr b="0" lang="pt-BR" sz="2200" spc="-1" strike="noStrike">
-                        <a:latin typeface="Roboto"/>
+                        <a:latin typeface="Nimbus Sans"/>
                       </a:endParaRPr>
                     </a:p>
                     <a:p>
@@ -15094,7 +15403,7 @@
                         <a:t>Comprovante de Empréstimo;</a:t>
                       </a:r>
                       <a:endParaRPr b="0" lang="pt-BR" sz="2200" spc="-1" strike="noStrike">
-                        <a:latin typeface="Roboto"/>
+                        <a:latin typeface="Nimbus Sans"/>
                       </a:endParaRPr>
                     </a:p>
                     <a:p>
@@ -15114,7 +15423,7 @@
                         <a:t>Arquivo de Banco de Dados.</a:t>
                       </a:r>
                       <a:endParaRPr b="0" lang="pt-BR" sz="2200" spc="-1" strike="noStrike">
-                        <a:latin typeface="Roboto"/>
+                        <a:latin typeface="Nimbus Sans"/>
                       </a:endParaRPr>
                     </a:p>
                   </a:txBody>
@@ -15147,14 +15456,14 @@
       </p:graphicFrame>
       <p:sp>
         <p:nvSpPr>
-          <p:cNvPr id="311" name="CustomShape 4"/>
+          <p:cNvPr id="278" name="CustomShape 4"/>
           <p:cNvSpPr/>
           <p:nvPr/>
         </p:nvSpPr>
         <p:spPr>
           <a:xfrm>
             <a:off x="912600" y="1309320"/>
-            <a:ext cx="6153120" cy="43920"/>
+            <a:ext cx="6152760" cy="43560"/>
           </a:xfrm>
           <a:custGeom>
             <a:avLst/>
@@ -15186,532 +15495,6 @@
           <a:effectRef idx="0"/>
           <a:fontRef idx="minor"/>
         </p:style>
-      </p:sp>
-    </p:spTree>
-  </p:cSld>
-  <mc:AlternateContent>
-    <mc:Choice Requires="p14">
-      <p:transition spd="slow" p14:dur="2000"/>
-    </mc:Choice>
-    <mc:Fallback>
-      <p:transition spd="slow"/>
-    </mc:Fallback>
-  </mc:AlternateContent>
-</p:sld>
-</file>
-
-<file path=ppt/slides/slide6.xml><?xml version="1.0" encoding="utf-8"?>
-<p:sld xmlns:a="http://schemas.openxmlformats.org/drawingml/2006/main" xmlns:p="http://schemas.openxmlformats.org/presentationml/2006/main" xmlns:r="http://schemas.openxmlformats.org/officeDocument/2006/relationships" xmlns:p14="http://schemas.microsoft.com/office/powerpoint/2010/main" xmlns:p15="http://schemas.microsoft.com/office/powerpoint/2012/main" xmlns:mc="http://schemas.openxmlformats.org/markup-compatibility/2006">
-  <p:cSld>
-    <p:spTree>
-      <p:nvGrpSpPr>
-        <p:cNvPr id="1" name=""/>
-        <p:cNvGrpSpPr/>
-        <p:nvPr/>
-      </p:nvGrpSpPr>
-      <p:grpSpPr>
-        <a:xfrm>
-          <a:off x="0" y="0"/>
-          <a:ext cx="0" cy="0"/>
-          <a:chOff x="0" y="0"/>
-          <a:chExt cx="0" cy="0"/>
-        </a:xfrm>
-      </p:grpSpPr>
-      <p:sp>
-        <p:nvSpPr>
-          <p:cNvPr id="312" name="CustomShape 1"/>
-          <p:cNvSpPr/>
-          <p:nvPr/>
-        </p:nvSpPr>
-        <p:spPr>
-          <a:xfrm>
-            <a:off x="576000" y="144000"/>
-            <a:ext cx="11275920" cy="6856200"/>
-          </a:xfrm>
-          <a:prstGeom prst="ellipse">
-            <a:avLst/>
-          </a:prstGeom>
-          <a:blipFill rotWithShape="0">
-            <a:blip r:embed="rId1"/>
-            <a:stretch>
-              <a:fillRect/>
-            </a:stretch>
-          </a:blipFill>
-          <a:ln>
-            <a:noFill/>
-          </a:ln>
-        </p:spPr>
-        <p:style>
-          <a:lnRef idx="0"/>
-          <a:fillRef idx="0"/>
-          <a:effectRef idx="0"/>
-          <a:fontRef idx="minor"/>
-        </p:style>
-      </p:sp>
-      <p:sp>
-        <p:nvSpPr>
-          <p:cNvPr id="313" name="CustomShape 2"/>
-          <p:cNvSpPr/>
-          <p:nvPr/>
-        </p:nvSpPr>
-        <p:spPr>
-          <a:xfrm>
-            <a:off x="485280" y="360000"/>
-            <a:ext cx="4049640" cy="5911200"/>
-          </a:xfrm>
-          <a:custGeom>
-            <a:avLst/>
-            <a:gdLst/>
-            <a:ahLst/>
-            <a:rect l="l" t="t" r="r" b="b"/>
-            <a:pathLst>
-              <a:path w="4010659" h="333375">
-                <a:moveTo>
-                  <a:pt x="0" y="333006"/>
-                </a:moveTo>
-                <a:lnTo>
-                  <a:pt x="4010367" y="333006"/>
-                </a:lnTo>
-                <a:lnTo>
-                  <a:pt x="4010367" y="0"/>
-                </a:lnTo>
-                <a:lnTo>
-                  <a:pt x="0" y="0"/>
-                </a:lnTo>
-                <a:lnTo>
-                  <a:pt x="0" y="333006"/>
-                </a:lnTo>
-                <a:close/>
-              </a:path>
-            </a:pathLst>
-          </a:custGeom>
-          <a:solidFill>
-            <a:schemeClr val="accent1"/>
-          </a:solidFill>
-          <a:ln>
-            <a:noFill/>
-          </a:ln>
-        </p:spPr>
-        <p:style>
-          <a:lnRef idx="0"/>
-          <a:fillRef idx="0"/>
-          <a:effectRef idx="0"/>
-          <a:fontRef idx="minor"/>
-        </p:style>
-      </p:sp>
-      <p:sp>
-        <p:nvSpPr>
-          <p:cNvPr id="314" name="CustomShape 3"/>
-          <p:cNvSpPr/>
-          <p:nvPr/>
-        </p:nvSpPr>
-        <p:spPr>
-          <a:xfrm>
-            <a:off x="11562120" y="6227280"/>
-            <a:ext cx="264600" cy="264600"/>
-          </a:xfrm>
-          <a:prstGeom prst="ellipse">
-            <a:avLst/>
-          </a:prstGeom>
-          <a:solidFill>
-            <a:schemeClr val="accent1"/>
-          </a:solidFill>
-          <a:ln>
-            <a:noFill/>
-          </a:ln>
-        </p:spPr>
-        <p:style>
-          <a:lnRef idx="2">
-            <a:schemeClr val="accent1">
-              <a:shade val="50000"/>
-            </a:schemeClr>
-          </a:lnRef>
-          <a:fillRef idx="1">
-            <a:schemeClr val="accent1"/>
-          </a:fillRef>
-          <a:effectRef idx="0">
-            <a:schemeClr val="accent1"/>
-          </a:effectRef>
-          <a:fontRef idx="minor"/>
-        </p:style>
-      </p:sp>
-      <p:sp>
-        <p:nvSpPr>
-          <p:cNvPr id="315" name="CustomShape 4"/>
-          <p:cNvSpPr/>
-          <p:nvPr/>
-        </p:nvSpPr>
-        <p:spPr>
-          <a:xfrm>
-            <a:off x="792000" y="1008000"/>
-            <a:ext cx="5182920" cy="5182920"/>
-          </a:xfrm>
-          <a:custGeom>
-            <a:avLst/>
-            <a:gdLst/>
-            <a:ahLst/>
-            <a:rect l="l" t="t" r="r" b="b"/>
-            <a:pathLst>
-              <a:path w="6689725" h="3528060">
-                <a:moveTo>
-                  <a:pt x="0" y="3527996"/>
-                </a:moveTo>
-                <a:lnTo>
-                  <a:pt x="6689648" y="3527996"/>
-                </a:lnTo>
-                <a:lnTo>
-                  <a:pt x="6689648" y="0"/>
-                </a:lnTo>
-                <a:lnTo>
-                  <a:pt x="0" y="0"/>
-                </a:lnTo>
-                <a:lnTo>
-                  <a:pt x="0" y="3527996"/>
-                </a:lnTo>
-                <a:close/>
-              </a:path>
-            </a:pathLst>
-          </a:custGeom>
-          <a:solidFill>
-            <a:schemeClr val="accent2"/>
-          </a:solidFill>
-          <a:ln>
-            <a:noFill/>
-          </a:ln>
-        </p:spPr>
-        <p:style>
-          <a:lnRef idx="0"/>
-          <a:fillRef idx="0"/>
-          <a:effectRef idx="0"/>
-          <a:fontRef idx="minor"/>
-        </p:style>
-      </p:sp>
-      <p:sp>
-        <p:nvSpPr>
-          <p:cNvPr id="316" name="CustomShape 5"/>
-          <p:cNvSpPr/>
-          <p:nvPr/>
-        </p:nvSpPr>
-        <p:spPr>
-          <a:xfrm>
-            <a:off x="1379880" y="1519200"/>
-            <a:ext cx="4768920" cy="824760"/>
-          </a:xfrm>
-          <a:prstGeom prst="rect">
-            <a:avLst/>
-          </a:prstGeom>
-          <a:noFill/>
-          <a:ln>
-            <a:noFill/>
-          </a:ln>
-        </p:spPr>
-        <p:style>
-          <a:lnRef idx="0"/>
-          <a:fillRef idx="0"/>
-          <a:effectRef idx="0"/>
-          <a:fontRef idx="minor"/>
-        </p:style>
-        <p:txBody>
-          <a:bodyPr lIns="90000" rIns="90000" tIns="45000" bIns="45000">
-            <a:normAutofit/>
-          </a:bodyPr>
-          <a:p>
-            <a:pPr>
-              <a:lnSpc>
-                <a:spcPct val="90000"/>
-              </a:lnSpc>
-            </a:pPr>
-            <a:r>
-              <a:rPr b="1" lang="pt-BR" sz="3000" spc="-1" strike="noStrike">
-                <a:solidFill>
-                  <a:srgbClr val="ffffff"/>
-                </a:solidFill>
-                <a:latin typeface="Gill Sans MT"/>
-                <a:ea typeface="DejaVu Sans"/>
-              </a:rPr>
-              <a:t>Motivação</a:t>
-            </a:r>
-            <a:endParaRPr b="0" lang="pt-BR" sz="3000" spc="-1" strike="noStrike">
-              <a:latin typeface="Nimbus Sans"/>
-            </a:endParaRPr>
-          </a:p>
-        </p:txBody>
-      </p:sp>
-      <p:sp>
-        <p:nvSpPr>
-          <p:cNvPr id="317" name="CustomShape 6"/>
-          <p:cNvSpPr/>
-          <p:nvPr/>
-        </p:nvSpPr>
-        <p:spPr>
-          <a:xfrm>
-            <a:off x="11458080" y="6175080"/>
-            <a:ext cx="355320" cy="363240"/>
-          </a:xfrm>
-          <a:prstGeom prst="rect">
-            <a:avLst/>
-          </a:prstGeom>
-          <a:noFill/>
-          <a:ln>
-            <a:noFill/>
-          </a:ln>
-        </p:spPr>
-        <p:style>
-          <a:lnRef idx="0"/>
-          <a:fillRef idx="0"/>
-          <a:effectRef idx="0"/>
-          <a:fontRef idx="minor"/>
-        </p:style>
-        <p:txBody>
-          <a:bodyPr lIns="90000" rIns="90000" tIns="45000" bIns="45000" anchor="ctr">
-            <a:noAutofit/>
-          </a:bodyPr>
-          <a:p>
-            <a:pPr algn="r">
-              <a:lnSpc>
-                <a:spcPct val="100000"/>
-              </a:lnSpc>
-            </a:pPr>
-            <a:fld id="{66E7686B-6FCE-4B6B-9C53-48E315679A5E}" type="slidenum">
-              <a:rPr b="0" i="1" lang="pt-BR" sz="1000" spc="-1" strike="noStrike">
-                <a:solidFill>
-                  <a:srgbClr val="00292e"/>
-                </a:solidFill>
-                <a:latin typeface="Arial "/>
-                <a:ea typeface="DejaVu Sans"/>
-              </a:rPr>
-              <a:t>6</a:t>
-            </a:fld>
-            <a:endParaRPr b="0" lang="pt-BR" sz="1000" spc="-1" strike="noStrike">
-              <a:latin typeface="Nimbus Sans"/>
-            </a:endParaRPr>
-          </a:p>
-        </p:txBody>
-      </p:sp>
-      <p:sp>
-        <p:nvSpPr>
-          <p:cNvPr id="318" name="CustomShape 7"/>
-          <p:cNvSpPr/>
-          <p:nvPr/>
-        </p:nvSpPr>
-        <p:spPr>
-          <a:xfrm>
-            <a:off x="2072520" y="3638160"/>
-            <a:ext cx="4056120" cy="470520"/>
-          </a:xfrm>
-          <a:prstGeom prst="rect">
-            <a:avLst/>
-          </a:prstGeom>
-          <a:noFill/>
-          <a:ln>
-            <a:noFill/>
-          </a:ln>
-        </p:spPr>
-        <p:style>
-          <a:lnRef idx="0"/>
-          <a:fillRef idx="0"/>
-          <a:effectRef idx="0"/>
-          <a:fontRef idx="minor"/>
-        </p:style>
-      </p:sp>
-      <p:sp>
-        <p:nvSpPr>
-          <p:cNvPr id="319" name="CustomShape 8"/>
-          <p:cNvSpPr/>
-          <p:nvPr/>
-        </p:nvSpPr>
-        <p:spPr>
-          <a:xfrm>
-            <a:off x="2072520" y="4433760"/>
-            <a:ext cx="4056120" cy="400320"/>
-          </a:xfrm>
-          <a:prstGeom prst="rect">
-            <a:avLst/>
-          </a:prstGeom>
-          <a:noFill/>
-          <a:ln>
-            <a:noFill/>
-          </a:ln>
-        </p:spPr>
-        <p:style>
-          <a:lnRef idx="0"/>
-          <a:fillRef idx="0"/>
-          <a:effectRef idx="0"/>
-          <a:fontRef idx="minor"/>
-        </p:style>
-      </p:sp>
-      <p:sp>
-        <p:nvSpPr>
-          <p:cNvPr id="320" name="CustomShape 9"/>
-          <p:cNvSpPr/>
-          <p:nvPr/>
-        </p:nvSpPr>
-        <p:spPr>
-          <a:xfrm flipV="1">
-            <a:off x="1449360" y="2154960"/>
-            <a:ext cx="4021560" cy="73800"/>
-          </a:xfrm>
-          <a:custGeom>
-            <a:avLst/>
-            <a:gdLst/>
-            <a:ahLst/>
-            <a:rect l="l" t="t" r="r" b="b"/>
-            <a:pathLst>
-              <a:path w="2501265" h="0">
-                <a:moveTo>
-                  <a:pt x="0" y="0"/>
-                </a:moveTo>
-                <a:lnTo>
-                  <a:pt x="2500883" y="0"/>
-                </a:lnTo>
-              </a:path>
-            </a:pathLst>
-          </a:custGeom>
-          <a:noFill/>
-          <a:ln w="54720">
-            <a:solidFill>
-              <a:schemeClr val="accent1"/>
-            </a:solidFill>
-            <a:round/>
-          </a:ln>
-        </p:spPr>
-        <p:style>
-          <a:lnRef idx="0"/>
-          <a:fillRef idx="0"/>
-          <a:effectRef idx="0"/>
-          <a:fontRef idx="minor"/>
-        </p:style>
-      </p:sp>
-      <p:sp>
-        <p:nvSpPr>
-          <p:cNvPr id="321" name="CustomShape 10"/>
-          <p:cNvSpPr/>
-          <p:nvPr/>
-        </p:nvSpPr>
-        <p:spPr>
-          <a:xfrm>
-            <a:off x="1224000" y="2520000"/>
-            <a:ext cx="4174920" cy="3638880"/>
-          </a:xfrm>
-          <a:prstGeom prst="rect">
-            <a:avLst/>
-          </a:prstGeom>
-          <a:noFill/>
-          <a:ln>
-            <a:noFill/>
-          </a:ln>
-        </p:spPr>
-        <p:style>
-          <a:lnRef idx="0"/>
-          <a:fillRef idx="0"/>
-          <a:effectRef idx="0"/>
-          <a:fontRef idx="minor"/>
-        </p:style>
-        <p:txBody>
-          <a:bodyPr lIns="90000" rIns="90000" tIns="45000" bIns="45000">
-            <a:noAutofit/>
-          </a:bodyPr>
-          <a:p>
-            <a:pPr>
-              <a:lnSpc>
-                <a:spcPct val="100000"/>
-              </a:lnSpc>
-            </a:pPr>
-            <a:r>
-              <a:rPr b="0" lang="pt-BR" sz="2400" spc="-1" strike="noStrike">
-                <a:solidFill>
-                  <a:srgbClr val="ffffff"/>
-                </a:solidFill>
-                <a:latin typeface="Tw Cen MT"/>
-                <a:ea typeface="DejaVu Sans"/>
-              </a:rPr>
-              <a:t>O problema das perdas</a:t>
-            </a:r>
-            <a:endParaRPr b="0" lang="pt-BR" sz="2400" spc="-1" strike="noStrike">
-              <a:solidFill>
-                <a:srgbClr val="ffffff"/>
-              </a:solidFill>
-              <a:latin typeface="Tw Cen MT"/>
-              <a:ea typeface="DejaVu Sans"/>
-            </a:endParaRPr>
-          </a:p>
-          <a:p>
-            <a:pPr>
-              <a:lnSpc>
-                <a:spcPct val="100000"/>
-              </a:lnSpc>
-            </a:pPr>
-            <a:endParaRPr b="0" lang="pt-BR" sz="2400" spc="-1" strike="noStrike">
-              <a:solidFill>
-                <a:srgbClr val="ffffff"/>
-              </a:solidFill>
-              <a:latin typeface="Tw Cen MT"/>
-              <a:ea typeface="DejaVu Sans"/>
-            </a:endParaRPr>
-          </a:p>
-          <a:p>
-            <a:pPr>
-              <a:lnSpc>
-                <a:spcPct val="100000"/>
-              </a:lnSpc>
-            </a:pPr>
-            <a:r>
-              <a:rPr b="0" lang="pt-BR" sz="2400" spc="-1" strike="noStrike">
-                <a:solidFill>
-                  <a:srgbClr val="ffffff"/>
-                </a:solidFill>
-                <a:latin typeface="Tw Cen MT"/>
-                <a:ea typeface="DejaVu Sans"/>
-              </a:rPr>
-              <a:t>Empréstimos em atraso</a:t>
-            </a:r>
-            <a:endParaRPr b="0" lang="pt-BR" sz="2400" spc="-1" strike="noStrike">
-              <a:solidFill>
-                <a:srgbClr val="ffffff"/>
-              </a:solidFill>
-              <a:latin typeface="Tw Cen MT"/>
-              <a:ea typeface="DejaVu Sans"/>
-            </a:endParaRPr>
-          </a:p>
-          <a:p>
-            <a:pPr>
-              <a:lnSpc>
-                <a:spcPct val="100000"/>
-              </a:lnSpc>
-            </a:pPr>
-            <a:endParaRPr b="0" lang="pt-BR" sz="2400" spc="-1" strike="noStrike">
-              <a:solidFill>
-                <a:srgbClr val="ffffff"/>
-              </a:solidFill>
-              <a:latin typeface="Tw Cen MT"/>
-              <a:ea typeface="DejaVu Sans"/>
-            </a:endParaRPr>
-          </a:p>
-          <a:p>
-            <a:pPr>
-              <a:lnSpc>
-                <a:spcPct val="100000"/>
-              </a:lnSpc>
-            </a:pPr>
-            <a:r>
-              <a:rPr b="0" lang="pt-BR" sz="2400" spc="-1" strike="noStrike">
-                <a:solidFill>
-                  <a:srgbClr val="ffffff"/>
-                </a:solidFill>
-                <a:latin typeface="Tw Cen MT"/>
-                <a:ea typeface="DejaVu Sans"/>
-              </a:rPr>
-              <a:t>Muitos papéis</a:t>
-            </a:r>
-            <a:endParaRPr b="0" lang="pt-BR" sz="2400" spc="-1" strike="noStrike">
-              <a:solidFill>
-                <a:srgbClr val="ffffff"/>
-              </a:solidFill>
-              <a:latin typeface="Tw Cen MT"/>
-              <a:ea typeface="DejaVu Sans"/>
-            </a:endParaRPr>
-          </a:p>
-        </p:txBody>
       </p:sp>
     </p:spTree>
   </p:cSld>
@@ -15743,16 +15526,449 @@
           <a:chExt cx="0" cy="0"/>
         </a:xfrm>
       </p:grpSpPr>
-      <p:sp>
-        <p:nvSpPr>
-          <p:cNvPr id="322" name="CustomShape 1"/>
+      <p:pic>
+        <p:nvPicPr>
+          <p:cNvPr id="279" name="Espaço Reservado para Conteúdo 6" descr=""/>
+          <p:cNvPicPr/>
+          <p:nvPr/>
+        </p:nvPicPr>
+        <p:blipFill>
+          <a:blip r:embed="rId1"/>
+          <a:stretch/>
+        </p:blipFill>
+        <p:spPr>
+          <a:xfrm>
+            <a:off x="1080" y="0"/>
+            <a:ext cx="12187440" cy="6854400"/>
+          </a:xfrm>
+          <a:prstGeom prst="rect">
+            <a:avLst/>
+          </a:prstGeom>
+          <a:ln>
+            <a:noFill/>
+          </a:ln>
+        </p:spPr>
+      </p:pic>
+      <p:sp>
+        <p:nvSpPr>
+          <p:cNvPr id="280" name="CustomShape 1"/>
           <p:cNvSpPr/>
           <p:nvPr/>
         </p:nvSpPr>
         <p:spPr>
           <a:xfrm>
+            <a:off x="1080" y="0"/>
+            <a:ext cx="12187440" cy="6855840"/>
+          </a:xfrm>
+          <a:custGeom>
+            <a:avLst/>
+            <a:gdLst/>
+            <a:ahLst/>
+            <a:rect l="l" t="t" r="r" b="b"/>
+            <a:pathLst>
+              <a:path w="12189460" h="6858000">
+                <a:moveTo>
+                  <a:pt x="0" y="6858000"/>
+                </a:moveTo>
+                <a:lnTo>
+                  <a:pt x="12188952" y="6858000"/>
+                </a:lnTo>
+                <a:lnTo>
+                  <a:pt x="12188952" y="0"/>
+                </a:lnTo>
+                <a:lnTo>
+                  <a:pt x="0" y="0"/>
+                </a:lnTo>
+                <a:lnTo>
+                  <a:pt x="0" y="6858000"/>
+                </a:lnTo>
+                <a:close/>
+              </a:path>
+            </a:pathLst>
+          </a:custGeom>
+          <a:solidFill>
+            <a:schemeClr val="tx2">
+              <a:alpha val="70000"/>
+            </a:schemeClr>
+          </a:solidFill>
+          <a:ln>
+            <a:noFill/>
+          </a:ln>
+        </p:spPr>
+        <p:style>
+          <a:lnRef idx="0"/>
+          <a:fillRef idx="0"/>
+          <a:effectRef idx="0"/>
+          <a:fontRef idx="minor"/>
+        </p:style>
+      </p:sp>
+      <p:sp>
+        <p:nvSpPr>
+          <p:cNvPr id="281" name="CustomShape 2"/>
+          <p:cNvSpPr/>
+          <p:nvPr/>
+        </p:nvSpPr>
+        <p:spPr>
+          <a:xfrm>
+            <a:off x="806040" y="330120"/>
+            <a:ext cx="10513440" cy="1323360"/>
+          </a:xfrm>
+          <a:prstGeom prst="rect">
+            <a:avLst/>
+          </a:prstGeom>
+          <a:noFill/>
+          <a:ln>
+            <a:noFill/>
+          </a:ln>
+        </p:spPr>
+        <p:style>
+          <a:lnRef idx="0"/>
+          <a:fillRef idx="0"/>
+          <a:effectRef idx="0"/>
+          <a:fontRef idx="minor"/>
+        </p:style>
+        <p:txBody>
+          <a:bodyPr lIns="90000" rIns="90000" tIns="45000" bIns="45000" anchor="ctr">
+            <a:noAutofit/>
+          </a:bodyPr>
+          <a:p>
+            <a:pPr>
+              <a:lnSpc>
+                <a:spcPct val="90000"/>
+              </a:lnSpc>
+            </a:pPr>
+            <a:r>
+              <a:rPr b="1" lang="pt-BR" sz="3200" spc="-1" strike="noStrike">
+                <a:solidFill>
+                  <a:srgbClr val="ffffff"/>
+                </a:solidFill>
+                <a:latin typeface="Gill Sans MT"/>
+                <a:ea typeface="DejaVu Sans"/>
+              </a:rPr>
+              <a:t>Usuários</a:t>
+            </a:r>
+            <a:endParaRPr b="0" lang="pt-BR" sz="3200" spc="-1" strike="noStrike">
+              <a:latin typeface="Nimbus Sans"/>
+            </a:endParaRPr>
+          </a:p>
+        </p:txBody>
+      </p:sp>
+      <p:graphicFrame>
+        <p:nvGraphicFramePr>
+          <p:cNvPr id="282" name="Table 3"/>
+          <p:cNvGraphicFramePr/>
+          <p:nvPr/>
+        </p:nvGraphicFramePr>
+        <p:xfrm>
+          <a:off x="859320" y="2544840"/>
+          <a:ext cx="10311480" cy="3574800"/>
+        </p:xfrm>
+        <a:graphic>
+          <a:graphicData uri="http://schemas.openxmlformats.org/drawingml/2006/table">
+            <a:tbl>
+              <a:tblPr/>
+              <a:tblGrid>
+                <a:gridCol w="2549880"/>
+                <a:gridCol w="5025600"/>
+                <a:gridCol w="2736360"/>
+              </a:tblGrid>
+              <a:tr h="747720">
+                <a:tc>
+                  <a:txBody>
+                    <a:bodyPr>
+                      <a:noAutofit/>
+                    </a:bodyPr>
+                    <a:p>
+                      <a:pPr algn="ctr">
+                        <a:lnSpc>
+                          <a:spcPct val="100000"/>
+                        </a:lnSpc>
+                      </a:pPr>
+                      <a:r>
+                        <a:rPr b="1" lang="pt-BR" sz="3200" spc="-1" strike="noStrike">
+                          <a:solidFill>
+                            <a:srgbClr val="ffffff"/>
+                          </a:solidFill>
+                          <a:latin typeface="Gill Sans MT"/>
+                          <a:ea typeface="DejaVu Sans"/>
+                        </a:rPr>
+                        <a:t>Entrada</a:t>
+                      </a:r>
+                      <a:endParaRPr b="0" lang="pt-BR" sz="3200" spc="-1" strike="noStrike">
+                        <a:latin typeface="Nimbus Roman"/>
+                      </a:endParaRPr>
+                    </a:p>
+                  </a:txBody>
+                  <a:tcPr marL="91440" marR="91440">
+                    <a:lnL w="12240">
+                      <a:solidFill>
+                        <a:srgbClr val="64b2c1"/>
+                      </a:solidFill>
+                    </a:lnL>
+                    <a:lnR w="12240">
+                      <a:solidFill>
+                        <a:srgbClr val="64b2c1"/>
+                      </a:solidFill>
+                    </a:lnR>
+                    <a:lnT w="12240">
+                      <a:noFill/>
+                    </a:lnT>
+                    <a:lnB w="38160">
+                      <a:noFill/>
+                    </a:lnB>
+                    <a:noFill/>
+                  </a:tcPr>
+                </a:tc>
+                <a:tc>
+                  <a:txBody>
+                    <a:bodyPr>
+                      <a:noAutofit/>
+                    </a:bodyPr>
+                    <a:p>
+                      <a:pPr algn="ctr">
+                        <a:lnSpc>
+                          <a:spcPct val="100000"/>
+                        </a:lnSpc>
+                      </a:pPr>
+                      <a:r>
+                        <a:rPr b="1" lang="pt-BR" sz="3200" spc="-1" strike="noStrike">
+                          <a:solidFill>
+                            <a:srgbClr val="ffffff"/>
+                          </a:solidFill>
+                          <a:latin typeface="Gill Sans MT"/>
+                          <a:ea typeface="DejaVu Sans"/>
+                        </a:rPr>
+                        <a:t>Processamento</a:t>
+                      </a:r>
+                      <a:endParaRPr b="0" lang="pt-BR" sz="3200" spc="-1" strike="noStrike">
+                        <a:latin typeface="Nimbus Roman"/>
+                      </a:endParaRPr>
+                    </a:p>
+                  </a:txBody>
+                  <a:tcPr marL="91440" marR="91440">
+                    <a:lnL w="12240">
+                      <a:solidFill>
+                        <a:srgbClr val="64b2c1"/>
+                      </a:solidFill>
+                    </a:lnL>
+                    <a:lnR w="12240">
+                      <a:solidFill>
+                        <a:srgbClr val="64b2c1"/>
+                      </a:solidFill>
+                    </a:lnR>
+                    <a:lnT w="12240">
+                      <a:noFill/>
+                    </a:lnT>
+                    <a:lnB w="38160">
+                      <a:noFill/>
+                    </a:lnB>
+                    <a:noFill/>
+                  </a:tcPr>
+                </a:tc>
+                <a:tc>
+                  <a:txBody>
+                    <a:bodyPr>
+                      <a:noAutofit/>
+                    </a:bodyPr>
+                    <a:p>
+                      <a:pPr algn="ctr">
+                        <a:lnSpc>
+                          <a:spcPct val="100000"/>
+                        </a:lnSpc>
+                      </a:pPr>
+                      <a:r>
+                        <a:rPr b="1" lang="pt-BR" sz="3200" spc="-1" strike="noStrike">
+                          <a:solidFill>
+                            <a:srgbClr val="ffffff"/>
+                          </a:solidFill>
+                          <a:latin typeface="Gill Sans MT"/>
+                          <a:ea typeface="DejaVu Sans"/>
+                        </a:rPr>
+                        <a:t>Saída</a:t>
+                      </a:r>
+                      <a:endParaRPr b="0" lang="pt-BR" sz="3200" spc="-1" strike="noStrike">
+                        <a:latin typeface="Nimbus Roman"/>
+                      </a:endParaRPr>
+                    </a:p>
+                  </a:txBody>
+                  <a:tcPr marL="91440" marR="91440">
+                    <a:lnL w="12240">
+                      <a:solidFill>
+                        <a:srgbClr val="64b2c1"/>
+                      </a:solidFill>
+                    </a:lnL>
+                    <a:lnR w="12240">
+                      <a:solidFill>
+                        <a:srgbClr val="64b2c1"/>
+                      </a:solidFill>
+                    </a:lnR>
+                    <a:lnT w="12240">
+                      <a:noFill/>
+                    </a:lnT>
+                    <a:lnB w="38160">
+                      <a:noFill/>
+                    </a:lnB>
+                    <a:noFill/>
+                  </a:tcPr>
+                </a:tc>
+              </a:tr>
+              <a:tr h="2827440">
+                <a:tc>
+                  <a:tcPr marL="91440" marR="91440">
+                    <a:lnL w="12240">
+                      <a:solidFill>
+                        <a:srgbClr val="64b2c1"/>
+                      </a:solidFill>
+                    </a:lnL>
+                    <a:lnR w="12240">
+                      <a:solidFill>
+                        <a:srgbClr val="64b2c1"/>
+                      </a:solidFill>
+                    </a:lnR>
+                    <a:lnT w="38160">
+                      <a:noFill/>
+                    </a:lnT>
+                    <a:lnB w="12240">
+                      <a:solidFill>
+                        <a:srgbClr val="64b2c1"/>
+                      </a:solidFill>
+                    </a:lnB>
+                    <a:noFill/>
+                  </a:tcPr>
+                </a:tc>
+                <a:tc>
+                  <a:tcPr marL="91440" marR="91440">
+                    <a:lnL w="12240">
+                      <a:solidFill>
+                        <a:srgbClr val="64b2c1"/>
+                      </a:solidFill>
+                    </a:lnL>
+                    <a:lnR w="12240">
+                      <a:solidFill>
+                        <a:srgbClr val="64b2c1"/>
+                      </a:solidFill>
+                    </a:lnR>
+                    <a:lnT w="38160">
+                      <a:noFill/>
+                    </a:lnT>
+                    <a:lnB w="12240">
+                      <a:solidFill>
+                        <a:srgbClr val="64b2c1"/>
+                      </a:solidFill>
+                    </a:lnB>
+                    <a:noFill/>
+                  </a:tcPr>
+                </a:tc>
+                <a:tc>
+                  <a:tcPr marL="91440" marR="91440">
+                    <a:lnL w="12240">
+                      <a:solidFill>
+                        <a:srgbClr val="64b2c1"/>
+                      </a:solidFill>
+                    </a:lnL>
+                    <a:lnR w="12240">
+                      <a:solidFill>
+                        <a:srgbClr val="64b2c1"/>
+                      </a:solidFill>
+                    </a:lnR>
+                    <a:lnT w="38160">
+                      <a:noFill/>
+                    </a:lnT>
+                    <a:lnB w="12240">
+                      <a:solidFill>
+                        <a:srgbClr val="64b2c1"/>
+                      </a:solidFill>
+                    </a:lnB>
+                    <a:noFill/>
+                  </a:tcPr>
+                </a:tc>
+              </a:tr>
+            </a:tbl>
+          </a:graphicData>
+        </a:graphic>
+      </p:graphicFrame>
+      <p:sp>
+        <p:nvSpPr>
+          <p:cNvPr id="283" name="CustomShape 4"/>
+          <p:cNvSpPr/>
+          <p:nvPr/>
+        </p:nvSpPr>
+        <p:spPr>
+          <a:xfrm>
+            <a:off x="912600" y="1309320"/>
+            <a:ext cx="6152760" cy="43560"/>
+          </a:xfrm>
+          <a:custGeom>
+            <a:avLst/>
+            <a:gdLst/>
+            <a:ahLst/>
+            <a:rect l="l" t="t" r="r" b="b"/>
+            <a:pathLst>
+              <a:path w="3931920" h="0">
+                <a:moveTo>
+                  <a:pt x="0" y="0"/>
+                </a:moveTo>
+                <a:lnTo>
+                  <a:pt x="3931920" y="0"/>
+                </a:lnTo>
+              </a:path>
+            </a:pathLst>
+          </a:custGeom>
+          <a:noFill/>
+          <a:ln w="54720">
+            <a:solidFill>
+              <a:schemeClr val="accent1"/>
+            </a:solidFill>
+            <a:round/>
+          </a:ln>
+        </p:spPr>
+        <p:style>
+          <a:lnRef idx="0"/>
+          <a:fillRef idx="0"/>
+          <a:effectRef idx="0"/>
+          <a:fontRef idx="minor"/>
+        </p:style>
+      </p:sp>
+    </p:spTree>
+  </p:cSld>
+  <mc:AlternateContent>
+    <mc:Choice Requires="p14">
+      <p:transition spd="slow" p14:dur="2000"/>
+    </mc:Choice>
+    <mc:Fallback>
+      <p:transition spd="slow"/>
+    </mc:Fallback>
+  </mc:AlternateContent>
+</p:sld>
+</file>
+
+<file path=ppt/slides/slide8.xml><?xml version="1.0" encoding="utf-8"?>
+<p:sld xmlns:a="http://schemas.openxmlformats.org/drawingml/2006/main" xmlns:p="http://schemas.openxmlformats.org/presentationml/2006/main" xmlns:r="http://schemas.openxmlformats.org/officeDocument/2006/relationships" xmlns:p14="http://schemas.microsoft.com/office/powerpoint/2010/main" xmlns:p15="http://schemas.microsoft.com/office/powerpoint/2012/main" xmlns:mc="http://schemas.openxmlformats.org/markup-compatibility/2006">
+  <p:cSld>
+    <p:spTree>
+      <p:nvGrpSpPr>
+        <p:cNvPr id="1" name=""/>
+        <p:cNvGrpSpPr/>
+        <p:nvPr/>
+      </p:nvGrpSpPr>
+      <p:grpSpPr>
+        <a:xfrm>
+          <a:off x="0" y="0"/>
+          <a:ext cx="0" cy="0"/>
+          <a:chOff x="0" y="0"/>
+          <a:chExt cx="0" cy="0"/>
+        </a:xfrm>
+      </p:grpSpPr>
+      <p:sp>
+        <p:nvSpPr>
+          <p:cNvPr id="284" name="CustomShape 1"/>
+          <p:cNvSpPr/>
+          <p:nvPr/>
+        </p:nvSpPr>
+        <p:spPr>
+          <a:xfrm>
             <a:off x="1080" y="3115440"/>
-            <a:ext cx="12187800" cy="3741840"/>
+            <a:ext cx="12187440" cy="3741480"/>
           </a:xfrm>
           <a:prstGeom prst="ellipse">
             <a:avLst/>
@@ -15776,14 +15992,14 @@
       </p:sp>
       <p:sp>
         <p:nvSpPr>
-          <p:cNvPr id="323" name="CustomShape 2"/>
+          <p:cNvPr id="285" name="CustomShape 2"/>
           <p:cNvSpPr/>
           <p:nvPr/>
         </p:nvSpPr>
         <p:spPr>
           <a:xfrm>
-            <a:off x="0" y="3115440"/>
-            <a:ext cx="12187800" cy="3740760"/>
+            <a:off x="4320" y="2303640"/>
+            <a:ext cx="12187440" cy="4552920"/>
           </a:xfrm>
           <a:custGeom>
             <a:avLst/>
@@ -15829,14 +16045,14 @@
       </p:sp>
       <p:sp>
         <p:nvSpPr>
-          <p:cNvPr id="324" name="CustomShape 3"/>
+          <p:cNvPr id="286" name="CustomShape 3"/>
           <p:cNvSpPr/>
           <p:nvPr/>
         </p:nvSpPr>
         <p:spPr>
           <a:xfrm>
-            <a:off x="669600" y="936000"/>
-            <a:ext cx="9986400" cy="1323720"/>
+            <a:off x="745560" y="979920"/>
+            <a:ext cx="9986040" cy="1323360"/>
           </a:xfrm>
           <a:prstGeom prst="rect">
             <a:avLst/>
@@ -15870,7 +16086,7 @@
                 <a:latin typeface="Gill Sans MT"/>
                 <a:ea typeface="DejaVu Sans"/>
               </a:rPr>
-              <a:t>Ética No Sistema de Informação</a:t>
+              <a:t>Requisitos</a:t>
             </a:r>
             <a:endParaRPr b="0" lang="pt-BR" sz="3200" spc="-1" strike="noStrike">
               <a:latin typeface="Nimbus Sans"/>
@@ -15890,14 +16106,14 @@
       </p:sp>
       <p:sp>
         <p:nvSpPr>
-          <p:cNvPr id="325" name="CustomShape 4"/>
+          <p:cNvPr id="287" name="CustomShape 4"/>
           <p:cNvSpPr/>
           <p:nvPr/>
         </p:nvSpPr>
         <p:spPr>
           <a:xfrm>
-            <a:off x="822600" y="1828080"/>
-            <a:ext cx="5945400" cy="43920"/>
+            <a:off x="822600" y="1872000"/>
+            <a:ext cx="5009040" cy="43560"/>
           </a:xfrm>
           <a:custGeom>
             <a:avLst/>
@@ -15932,14 +16148,14 @@
       </p:sp>
       <p:sp>
         <p:nvSpPr>
-          <p:cNvPr id="326" name="CustomShape 5"/>
+          <p:cNvPr id="288" name="CustomShape 5"/>
           <p:cNvSpPr/>
           <p:nvPr/>
         </p:nvSpPr>
         <p:spPr>
           <a:xfrm>
-            <a:off x="504000" y="2952000"/>
-            <a:ext cx="6048000" cy="3240000"/>
+            <a:off x="936000" y="3024000"/>
+            <a:ext cx="11727000" cy="3471480"/>
           </a:xfrm>
           <a:prstGeom prst="rect">
             <a:avLst/>
@@ -15955,176 +16171,6 @@
           <a:effectRef idx="0"/>
           <a:fontRef idx="minor"/>
         </p:style>
-        <p:txBody>
-          <a:bodyPr lIns="90000" rIns="90000" tIns="45000" bIns="45000" anchor="b">
-            <a:normAutofit/>
-          </a:bodyPr>
-          <a:p>
-            <a:pPr>
-              <a:lnSpc>
-                <a:spcPct val="90000"/>
-              </a:lnSpc>
-              <a:spcBef>
-                <a:spcPts val="1001"/>
-              </a:spcBef>
-            </a:pPr>
-            <a:r>
-              <a:rPr b="0" lang="pt-BR" sz="2600" spc="-1" strike="noStrike">
-                <a:solidFill>
-                  <a:srgbClr val="ffffff"/>
-                </a:solidFill>
-                <a:latin typeface="Roboto"/>
-                <a:ea typeface="DejaVu Sans"/>
-              </a:rPr>
-              <a:t>Salvando os dados dos clientes</a:t>
-            </a:r>
-            <a:endParaRPr b="0" lang="pt-BR" sz="2600" spc="-1" strike="noStrike">
-              <a:latin typeface="Roboto"/>
-            </a:endParaRPr>
-          </a:p>
-          <a:p>
-            <a:pPr>
-              <a:lnSpc>
-                <a:spcPct val="90000"/>
-              </a:lnSpc>
-              <a:spcBef>
-                <a:spcPts val="1001"/>
-              </a:spcBef>
-            </a:pPr>
-            <a:endParaRPr b="0" lang="pt-BR" sz="2600" spc="-1" strike="noStrike">
-              <a:latin typeface="Roboto"/>
-            </a:endParaRPr>
-          </a:p>
-          <a:p>
-            <a:pPr>
-              <a:lnSpc>
-                <a:spcPct val="90000"/>
-              </a:lnSpc>
-              <a:spcBef>
-                <a:spcPts val="1001"/>
-              </a:spcBef>
-            </a:pPr>
-            <a:r>
-              <a:rPr b="0" lang="pt-BR" sz="2600" spc="-1" strike="noStrike">
-                <a:solidFill>
-                  <a:srgbClr val="ffffff"/>
-                </a:solidFill>
-                <a:latin typeface="Roboto"/>
-                <a:ea typeface="DejaVu Sans"/>
-              </a:rPr>
-              <a:t>Quem tem acesso aos dados</a:t>
-            </a:r>
-            <a:endParaRPr b="0" lang="pt-BR" sz="2600" spc="-1" strike="noStrike">
-              <a:latin typeface="Roboto"/>
-            </a:endParaRPr>
-          </a:p>
-          <a:p>
-            <a:pPr>
-              <a:lnSpc>
-                <a:spcPct val="90000"/>
-              </a:lnSpc>
-              <a:spcBef>
-                <a:spcPts val="1001"/>
-              </a:spcBef>
-            </a:pPr>
-            <a:endParaRPr b="0" lang="pt-BR" sz="2600" spc="-1" strike="noStrike">
-              <a:latin typeface="Roboto"/>
-            </a:endParaRPr>
-          </a:p>
-          <a:p>
-            <a:pPr>
-              <a:lnSpc>
-                <a:spcPct val="90000"/>
-              </a:lnSpc>
-              <a:spcBef>
-                <a:spcPts val="1001"/>
-              </a:spcBef>
-            </a:pPr>
-            <a:r>
-              <a:rPr b="0" lang="pt-BR" sz="2600" spc="-1" strike="noStrike">
-                <a:solidFill>
-                  <a:srgbClr val="ffffff"/>
-                </a:solidFill>
-                <a:latin typeface="Roboto"/>
-                <a:ea typeface="DejaVu Sans"/>
-              </a:rPr>
-              <a:t>Segurança no registro de senhas</a:t>
-            </a:r>
-            <a:endParaRPr b="0" lang="pt-BR" sz="2600" spc="-1" strike="noStrike">
-              <a:latin typeface="Roboto"/>
-            </a:endParaRPr>
-          </a:p>
-        </p:txBody>
-      </p:sp>
-      <p:sp>
-        <p:nvSpPr>
-          <p:cNvPr id="327" name="CustomShape 6"/>
-          <p:cNvSpPr/>
-          <p:nvPr/>
-        </p:nvSpPr>
-        <p:spPr>
-          <a:xfrm>
-            <a:off x="223920" y="3600000"/>
-            <a:ext cx="11727360" cy="3740760"/>
-          </a:xfrm>
-          <a:prstGeom prst="rect">
-            <a:avLst/>
-          </a:prstGeom>
-          <a:noFill/>
-          <a:ln>
-            <a:noFill/>
-          </a:ln>
-        </p:spPr>
-        <p:style>
-          <a:lnRef idx="0"/>
-          <a:fillRef idx="0"/>
-          <a:effectRef idx="0"/>
-          <a:fontRef idx="minor"/>
-        </p:style>
-        <p:txBody>
-          <a:bodyPr lIns="90000" rIns="90000" tIns="45000" bIns="45000">
-            <a:normAutofit/>
-          </a:bodyPr>
-          <a:p>
-            <a:pPr marL="360">
-              <a:lnSpc>
-                <a:spcPct val="100000"/>
-              </a:lnSpc>
-              <a:spcBef>
-                <a:spcPts val="601"/>
-              </a:spcBef>
-            </a:pPr>
-            <a:endParaRPr b="0" lang="pt-BR" sz="1800" spc="-1" strike="noStrike">
-              <a:latin typeface="Nimbus Sans"/>
-            </a:endParaRPr>
-          </a:p>
-          <a:p>
-            <a:pPr marL="360">
-              <a:lnSpc>
-                <a:spcPct val="100000"/>
-              </a:lnSpc>
-              <a:spcBef>
-                <a:spcPts val="601"/>
-              </a:spcBef>
-            </a:pPr>
-            <a:endParaRPr b="0" lang="pt-BR" sz="1800" spc="-1" strike="noStrike">
-              <a:latin typeface="Nimbus Sans"/>
-            </a:endParaRPr>
-          </a:p>
-          <a:p>
-            <a:pPr marL="360">
-              <a:lnSpc>
-                <a:spcPct val="100000"/>
-              </a:lnSpc>
-              <a:spcBef>
-                <a:spcPts val="601"/>
-              </a:spcBef>
-            </a:pPr>
-            <a:endParaRPr b="0" lang="pt-BR" sz="1800" spc="-1" strike="noStrike">
-              <a:latin typeface="Nimbus Sans"/>
-            </a:endParaRPr>
-          </a:p>
-        </p:txBody>
       </p:sp>
     </p:spTree>
   </p:cSld>
@@ -16139,7 +16185,7 @@
 </p:sld>
 </file>
 
-<file path=ppt/slides/slide8.xml><?xml version="1.0" encoding="utf-8"?>
+<file path=ppt/slides/slide9.xml><?xml version="1.0" encoding="utf-8"?>
 <p:sld xmlns:a="http://schemas.openxmlformats.org/drawingml/2006/main" xmlns:p="http://schemas.openxmlformats.org/presentationml/2006/main" xmlns:r="http://schemas.openxmlformats.org/officeDocument/2006/relationships" xmlns:p14="http://schemas.microsoft.com/office/powerpoint/2010/main" xmlns:p15="http://schemas.microsoft.com/office/powerpoint/2012/main" xmlns:mc="http://schemas.openxmlformats.org/markup-compatibility/2006">
   <p:cSld>
     <p:spTree>
@@ -16156,9 +16202,35 @@
           <a:chExt cx="0" cy="0"/>
         </a:xfrm>
       </p:grpSpPr>
+      <p:sp>
+        <p:nvSpPr>
+          <p:cNvPr id="289" name="CustomShape 1"/>
+          <p:cNvSpPr/>
+          <p:nvPr/>
+        </p:nvSpPr>
+        <p:spPr>
+          <a:xfrm>
+            <a:off x="936000" y="3024000"/>
+            <a:ext cx="11727000" cy="3471480"/>
+          </a:xfrm>
+          <a:prstGeom prst="rect">
+            <a:avLst/>
+          </a:prstGeom>
+          <a:noFill/>
+          <a:ln>
+            <a:noFill/>
+          </a:ln>
+        </p:spPr>
+        <p:style>
+          <a:lnRef idx="0"/>
+          <a:fillRef idx="0"/>
+          <a:effectRef idx="0"/>
+          <a:fontRef idx="minor"/>
+        </p:style>
+      </p:sp>
       <p:pic>
         <p:nvPicPr>
-          <p:cNvPr id="328" name="Espaço Reservado para Conteúdo 6" descr=""/>
+          <p:cNvPr id="290" name="" descr=""/>
           <p:cNvPicPr/>
           <p:nvPr/>
         </p:nvPicPr>
@@ -16168,8 +16240,8 @@
         </p:blipFill>
         <p:spPr>
           <a:xfrm>
-            <a:off x="1080" y="720"/>
-            <a:ext cx="12187800" cy="6854760"/>
+            <a:off x="3539520" y="63360"/>
+            <a:ext cx="8609400" cy="6834960"/>
           </a:xfrm>
           <a:prstGeom prst="rect">
             <a:avLst/>
@@ -16181,42 +16253,14 @@
       </p:pic>
       <p:sp>
         <p:nvSpPr>
-          <p:cNvPr id="329" name="CustomShape 1"/>
+          <p:cNvPr id="291" name="CustomShape 2"/>
           <p:cNvSpPr/>
           <p:nvPr/>
         </p:nvSpPr>
         <p:spPr>
           <a:xfrm>
-            <a:off x="360000" y="1224000"/>
-            <a:ext cx="7200000" cy="4138560"/>
-          </a:xfrm>
-          <a:prstGeom prst="rect">
-            <a:avLst/>
-          </a:prstGeom>
-          <a:solidFill>
-            <a:schemeClr val="accent2"/>
-          </a:solidFill>
-          <a:ln>
-            <a:noFill/>
-          </a:ln>
-        </p:spPr>
-        <p:style>
-          <a:lnRef idx="0"/>
-          <a:fillRef idx="0"/>
-          <a:effectRef idx="0"/>
-          <a:fontRef idx="minor"/>
-        </p:style>
-      </p:sp>
-      <p:sp>
-        <p:nvSpPr>
-          <p:cNvPr id="330" name="CustomShape 2"/>
-          <p:cNvSpPr/>
-          <p:nvPr/>
-        </p:nvSpPr>
-        <p:spPr>
-          <a:xfrm flipV="1">
-            <a:off x="900360" y="2981160"/>
-            <a:ext cx="3851640" cy="43920"/>
+            <a:off x="693360" y="1566360"/>
+            <a:ext cx="5009040" cy="43560"/>
           </a:xfrm>
           <a:custGeom>
             <a:avLst/>
@@ -16224,12 +16268,12 @@
             <a:ahLst/>
             <a:rect l="l" t="t" r="r" b="b"/>
             <a:pathLst>
-              <a:path w="4206240" h="0">
+              <a:path w="3931920" h="0">
                 <a:moveTo>
                   <a:pt x="0" y="0"/>
                 </a:moveTo>
                 <a:lnTo>
-                  <a:pt x="4206240" y="0"/>
+                  <a:pt x="3931920" y="0"/>
                 </a:lnTo>
               </a:path>
             </a:pathLst>
@@ -16251,14 +16295,14 @@
       </p:sp>
       <p:sp>
         <p:nvSpPr>
-          <p:cNvPr id="331" name="CustomShape 3"/>
+          <p:cNvPr id="292" name="CustomShape 3"/>
           <p:cNvSpPr/>
           <p:nvPr/>
         </p:nvSpPr>
         <p:spPr>
           <a:xfrm>
-            <a:off x="838080" y="1701720"/>
-            <a:ext cx="4857480" cy="1323720"/>
+            <a:off x="581040" y="697680"/>
+            <a:ext cx="9986040" cy="1323360"/>
           </a:xfrm>
           <a:prstGeom prst="rect">
             <a:avLst/>
@@ -16276,7 +16320,7 @@
         </p:style>
         <p:txBody>
           <a:bodyPr lIns="90000" rIns="90000" tIns="45000" bIns="45000" anchor="ctr">
-            <a:normAutofit/>
+            <a:noAutofit/>
           </a:bodyPr>
           <a:p>
             <a:pPr>
@@ -16285,110 +16329,27 @@
               </a:lnSpc>
             </a:pPr>
             <a:r>
-              <a:rPr b="1" lang="pt-BR" sz="5000" spc="-1" strike="noStrike">
+              <a:rPr b="1" lang="pt-BR" sz="3200" spc="-1" strike="noStrike">
                 <a:solidFill>
-                  <a:srgbClr val="ffffff"/>
+                  <a:srgbClr val="107082"/>
                 </a:solidFill>
                 <a:latin typeface="Gill Sans MT"/>
                 <a:ea typeface="DejaVu Sans"/>
               </a:rPr>
-              <a:t>Repositório Oficial</a:t>
+              <a:t>Diagrama de casos de uso</a:t>
             </a:r>
-            <a:endParaRPr b="0" lang="pt-BR" sz="5000" spc="-1" strike="noStrike">
-              <a:latin typeface="Nimbus Sans"/>
-            </a:endParaRPr>
-          </a:p>
-        </p:txBody>
-      </p:sp>
-      <p:sp>
-        <p:nvSpPr>
-          <p:cNvPr id="332" name="CustomShape 4"/>
-          <p:cNvSpPr/>
-          <p:nvPr/>
-        </p:nvSpPr>
-        <p:spPr>
-          <a:xfrm>
-            <a:off x="11458080" y="6175080"/>
-            <a:ext cx="355320" cy="363240"/>
-          </a:xfrm>
-          <a:prstGeom prst="rect">
-            <a:avLst/>
-          </a:prstGeom>
-          <a:noFill/>
-          <a:ln>
-            <a:noFill/>
-          </a:ln>
-        </p:spPr>
-        <p:style>
-          <a:lnRef idx="0"/>
-          <a:fillRef idx="0"/>
-          <a:effectRef idx="0"/>
-          <a:fontRef idx="minor"/>
-        </p:style>
-        <p:txBody>
-          <a:bodyPr lIns="90000" rIns="90000" tIns="45000" bIns="45000" anchor="ctr">
-            <a:noAutofit/>
-          </a:bodyPr>
-          <a:p>
-            <a:pPr algn="r">
+            <a:endParaRPr b="0" lang="pt-BR" sz="3200" spc="-1" strike="noStrike">
+              <a:latin typeface="Nimbus Sans"/>
+            </a:endParaRPr>
+          </a:p>
+          <a:p>
+            <a:pPr>
               <a:lnSpc>
-                <a:spcPct val="100000"/>
+                <a:spcPct val="90000"/>
               </a:lnSpc>
             </a:pPr>
-            <a:fld id="{2D7193C3-66C8-4F7F-BD24-93197E743A2F}" type="slidenum">
-              <a:rPr b="0" i="1" lang="pt-BR" sz="1000" spc="-1" strike="noStrike">
-                <a:solidFill>
-                  <a:srgbClr val="00292e"/>
-                </a:solidFill>
-                <a:latin typeface="Arial "/>
-                <a:ea typeface="DejaVu Sans"/>
-              </a:rPr>
-              <a:t>8</a:t>
-            </a:fld>
-            <a:endParaRPr b="0" lang="pt-BR" sz="1000" spc="-1" strike="noStrike">
-              <a:latin typeface="Nimbus Sans"/>
-            </a:endParaRPr>
-          </a:p>
-        </p:txBody>
-      </p:sp>
-      <p:sp>
-        <p:nvSpPr>
-          <p:cNvPr id="333" name="TextShape 5"/>
-          <p:cNvSpPr txBox="1"/>
-          <p:nvPr/>
-        </p:nvSpPr>
-        <p:spPr>
-          <a:xfrm>
-            <a:off x="564840" y="3528000"/>
-            <a:ext cx="7056000" cy="687960"/>
-          </a:xfrm>
-          <a:prstGeom prst="rect">
-            <a:avLst/>
-          </a:prstGeom>
-          <a:noFill/>
-          <a:ln>
-            <a:noFill/>
-          </a:ln>
-        </p:spPr>
-        <p:txBody>
-          <a:bodyPr lIns="90000" rIns="90000" tIns="45000" bIns="45000">
-            <a:spAutoFit/>
-          </a:bodyPr>
-          <a:p>
-            <a:r>
-              <a:rPr b="0" lang="pt-BR" sz="2000" spc="-1" strike="noStrike">
-                <a:solidFill>
-                  <a:srgbClr val="ffffff"/>
-                </a:solidFill>
-                <a:latin typeface="Roboto"/>
-              </a:rPr>
-              <a:t>https://github.com/TobiasLino/InventoryControlSystem.git</a:t>
-            </a:r>
-            <a:endParaRPr b="0" lang="pt-BR" sz="2000" spc="-1" strike="noStrike">
-              <a:solidFill>
-                <a:srgbClr val="ffffff"/>
-              </a:solidFill>
-              <a:latin typeface="Roboto"/>
+            <a:endParaRPr b="0" lang="pt-BR" sz="3200" spc="-1" strike="noStrike">
+              <a:latin typeface="Nimbus Sans"/>
             </a:endParaRPr>
           </a:p>
         </p:txBody>
@@ -17965,227 +17926,4 @@
     </a:fmtScheme>
   </a:themeElements>
 </a:theme>
-</file>
-
-<file path=ppt/theme/theme8.xml><?xml version="1.0" encoding="utf-8"?>
-<a:theme xmlns:a="http://schemas.openxmlformats.org/drawingml/2006/main" name="Office Theme">
-  <a:themeElements>
-    <a:clrScheme name="Office">
-      <a:dk1>
-        <a:sysClr val="windowText" lastClr="000000"/>
-      </a:dk1>
-      <a:lt1>
-        <a:sysClr val="window" lastClr="FFFFFF"/>
-      </a:lt1>
-      <a:dk2>
-        <a:srgbClr val="00292e"/>
-      </a:dk2>
-      <a:lt2>
-        <a:srgbClr val="64b2c1"/>
-      </a:lt2>
-      <a:accent1>
-        <a:srgbClr val="f0cda1"/>
-      </a:accent1>
-      <a:accent2>
-        <a:srgbClr val="107082"/>
-      </a:accent2>
-      <a:accent3>
-        <a:srgbClr val="054854"/>
-      </a:accent3>
-      <a:accent4>
-        <a:srgbClr val="00aeef"/>
-      </a:accent4>
-      <a:accent5>
-        <a:srgbClr val="f99927"/>
-      </a:accent5>
-      <a:accent6>
-        <a:srgbClr val="ec7216"/>
-      </a:accent6>
-      <a:hlink>
-        <a:srgbClr val="000000"/>
-      </a:hlink>
-      <a:folHlink>
-        <a:srgbClr val="000000"/>
-      </a:folHlink>
-    </a:clrScheme>
-    <a:fontScheme name="Office">
-      <a:majorFont>
-        <a:latin typeface="Arial"/>
-        <a:ea typeface="DejaVu Sans"/>
-        <a:cs typeface="DejaVu Sans"/>
-      </a:majorFont>
-      <a:minorFont>
-        <a:latin typeface="Arial"/>
-        <a:ea typeface="DejaVu Sans"/>
-        <a:cs typeface="DejaVu Sans"/>
-      </a:minorFont>
-    </a:fontScheme>
-    <a:fmtScheme name="Office">
-      <a:fillStyleLst>
-        <a:solidFill>
-          <a:schemeClr val="phClr"/>
-        </a:solidFill>
-        <a:gradFill rotWithShape="1">
-          <a:gsLst>
-            <a:gs pos="0">
-              <a:schemeClr val="phClr">
-                <a:tint val="50000"/>
-                <a:satMod val="300000"/>
-              </a:schemeClr>
-            </a:gs>
-            <a:gs pos="35000">
-              <a:schemeClr val="phClr">
-                <a:tint val="37000"/>
-                <a:satMod val="300000"/>
-              </a:schemeClr>
-            </a:gs>
-            <a:gs pos="100000">
-              <a:schemeClr val="phClr">
-                <a:tint val="15000"/>
-                <a:satMod val="350000"/>
-              </a:schemeClr>
-            </a:gs>
-          </a:gsLst>
-          <a:lin ang="16200000" scaled="1"/>
-        </a:gradFill>
-        <a:gradFill rotWithShape="1">
-          <a:gsLst>
-            <a:gs pos="0">
-              <a:schemeClr val="phClr">
-                <a:shade val="51000"/>
-                <a:satMod val="130000"/>
-              </a:schemeClr>
-            </a:gs>
-            <a:gs pos="80000">
-              <a:schemeClr val="phClr">
-                <a:shade val="93000"/>
-                <a:satMod val="130000"/>
-              </a:schemeClr>
-            </a:gs>
-            <a:gs pos="100000">
-              <a:schemeClr val="phClr">
-                <a:shade val="94000"/>
-                <a:satMod val="135000"/>
-              </a:schemeClr>
-            </a:gs>
-          </a:gsLst>
-          <a:lin ang="16200000" scaled="0"/>
-        </a:gradFill>
-      </a:fillStyleLst>
-      <a:lnStyleLst>
-        <a:ln w="9525" cap="flat" cmpd="sng" algn="ctr">
-          <a:solidFill>
-            <a:schemeClr val="phClr">
-              <a:shade val="95000"/>
-              <a:satMod val="105000"/>
-            </a:schemeClr>
-          </a:solidFill>
-          <a:prstDash val="solid"/>
-        </a:ln>
-        <a:ln w="25400" cap="flat" cmpd="sng" algn="ctr">
-          <a:solidFill>
-            <a:schemeClr val="phClr"/>
-          </a:solidFill>
-          <a:prstDash val="solid"/>
-        </a:ln>
-        <a:ln w="38100" cap="flat" cmpd="sng" algn="ctr">
-          <a:solidFill>
-            <a:schemeClr val="phClr"/>
-          </a:solidFill>
-          <a:prstDash val="solid"/>
-        </a:ln>
-      </a:lnStyleLst>
-      <a:effectStyleLst>
-        <a:effectStyle>
-          <a:effectLst>
-            <a:outerShdw blurRad="40000" dist="20000" dir="5400000" rotWithShape="0">
-              <a:srgbClr val="000000">
-                <a:alpha val="38000"/>
-              </a:srgbClr>
-            </a:outerShdw>
-          </a:effectLst>
-        </a:effectStyle>
-        <a:effectStyle>
-          <a:effectLst>
-            <a:outerShdw blurRad="40000" dist="23000" dir="5400000" rotWithShape="0">
-              <a:srgbClr val="000000">
-                <a:alpha val="35000"/>
-              </a:srgbClr>
-            </a:outerShdw>
-          </a:effectLst>
-        </a:effectStyle>
-        <a:effectStyle>
-          <a:effectLst>
-            <a:outerShdw blurRad="40000" dist="23000" dir="5400000" rotWithShape="0">
-              <a:srgbClr val="000000">
-                <a:alpha val="35000"/>
-              </a:srgbClr>
-            </a:outerShdw>
-          </a:effectLst>
-          <a:scene3d>
-            <a:camera prst="orthographicFront">
-              <a:rot lat="0" lon="0" rev="0"/>
-            </a:camera>
-            <a:lightRig rig="threePt" dir="t">
-              <a:rot lat="0" lon="0" rev="1200000"/>
-            </a:lightRig>
-          </a:scene3d>
-          <a:sp3d>
-            <a:bevelT w="63500" h="25400"/>
-          </a:sp3d>
-        </a:effectStyle>
-      </a:effectStyleLst>
-      <a:bgFillStyleLst>
-        <a:solidFill>
-          <a:schemeClr val="phClr"/>
-        </a:solidFill>
-        <a:gradFill rotWithShape="1">
-          <a:gsLst>
-            <a:gs pos="0">
-              <a:schemeClr val="phClr">
-                <a:tint val="40000"/>
-                <a:satMod val="350000"/>
-              </a:schemeClr>
-            </a:gs>
-            <a:gs pos="40000">
-              <a:schemeClr val="phClr">
-                <a:tint val="45000"/>
-                <a:shade val="99000"/>
-                <a:satMod val="350000"/>
-              </a:schemeClr>
-            </a:gs>
-            <a:gs pos="100000">
-              <a:schemeClr val="phClr">
-                <a:shade val="20000"/>
-                <a:satMod val="255000"/>
-              </a:schemeClr>
-            </a:gs>
-          </a:gsLst>
-          <a:path path="circle">
-            <a:fillToRect l="50000" t="-80000" r="50000" b="180000"/>
-          </a:path>
-        </a:gradFill>
-        <a:gradFill rotWithShape="1">
-          <a:gsLst>
-            <a:gs pos="0">
-              <a:schemeClr val="phClr">
-                <a:tint val="80000"/>
-                <a:satMod val="300000"/>
-              </a:schemeClr>
-            </a:gs>
-            <a:gs pos="100000">
-              <a:schemeClr val="phClr">
-                <a:shade val="30000"/>
-                <a:satMod val="200000"/>
-              </a:schemeClr>
-            </a:gs>
-          </a:gsLst>
-          <a:path path="circle">
-            <a:fillToRect l="50000" t="50000" r="50000" b="50000"/>
-          </a:path>
-        </a:gradFill>
-      </a:bgFillStyleLst>
-    </a:fmtScheme>
-  </a:themeElements>
-</a:theme>
 </file>